--- a/docs/PS Promotion and Deployment Tool - v2.0.pptx
+++ b/docs/PS Promotion and Deployment Tool - v2.0.pptx
@@ -221,7 +221,7 @@
           <a:p>
             <a:fld id="{8C67059E-F096-41EF-873D-C843676AB311}" type="datetimeFigureOut">
               <a:rPr lang="en-US" smtClean="0"/>
-              <a:t>9/3/2013</a:t>
+              <a:t>4/11/2014</a:t>
             </a:fld>
             <a:endParaRPr lang="en-US"/>
           </a:p>
@@ -386,7 +386,7 @@
           <a:p>
             <a:fld id="{9C2AF75A-F07E-4A91-AA44-AA4642E3BA4A}" type="datetimeFigureOut">
               <a:rPr lang="en-US" smtClean="0"/>
-              <a:t>9/3/2013</a:t>
+              <a:t>4/11/2014</a:t>
             </a:fld>
             <a:endParaRPr lang="en-US"/>
           </a:p>
@@ -836,7 +836,7 @@
         <p:nvSpPr>
           <p:cNvPr id="40963" name="Rectangle 2"/>
           <p:cNvSpPr>
-            <a:spLocks noRot="1" noChangeArrowheads="1" noTextEdit="1"/>
+            <a:spLocks noGrp="1" noRot="1" noChangeAspect="1" noChangeArrowheads="1" noTextEdit="1"/>
           </p:cNvSpPr>
           <p:nvPr>
             <p:ph type="sldImg"/>
@@ -919,7 +919,7 @@
         <p:nvSpPr>
           <p:cNvPr id="50178" name="Rectangle 2"/>
           <p:cNvSpPr>
-            <a:spLocks noRot="1" noChangeArrowheads="1" noTextEdit="1"/>
+            <a:spLocks noGrp="1" noRot="1" noChangeAspect="1" noChangeArrowheads="1" noTextEdit="1"/>
           </p:cNvSpPr>
           <p:nvPr>
             <p:ph type="sldImg"/>
@@ -1001,7 +1001,7 @@
         <p:nvSpPr>
           <p:cNvPr id="51202" name="Rectangle 2"/>
           <p:cNvSpPr>
-            <a:spLocks noRot="1" noChangeArrowheads="1" noTextEdit="1"/>
+            <a:spLocks noGrp="1" noRot="1" noChangeAspect="1" noChangeArrowheads="1" noTextEdit="1"/>
           </p:cNvSpPr>
           <p:nvPr>
             <p:ph type="sldImg"/>
@@ -1211,7 +1211,7 @@
         <p:nvSpPr>
           <p:cNvPr id="52226" name="Rectangle 2"/>
           <p:cNvSpPr>
-            <a:spLocks noRot="1" noChangeArrowheads="1" noTextEdit="1"/>
+            <a:spLocks noGrp="1" noRot="1" noChangeAspect="1" noChangeArrowheads="1" noTextEdit="1"/>
           </p:cNvSpPr>
           <p:nvPr>
             <p:ph type="sldImg"/>
@@ -1421,7 +1421,7 @@
         <p:nvSpPr>
           <p:cNvPr id="53250" name="Rectangle 2"/>
           <p:cNvSpPr>
-            <a:spLocks noRot="1" noChangeArrowheads="1" noTextEdit="1"/>
+            <a:spLocks noGrp="1" noRot="1" noChangeAspect="1" noChangeArrowheads="1" noTextEdit="1"/>
           </p:cNvSpPr>
           <p:nvPr>
             <p:ph type="sldImg"/>
@@ -1631,7 +1631,7 @@
         <p:nvSpPr>
           <p:cNvPr id="54274" name="Rectangle 2"/>
           <p:cNvSpPr>
-            <a:spLocks noRot="1" noChangeArrowheads="1" noTextEdit="1"/>
+            <a:spLocks noGrp="1" noRot="1" noChangeAspect="1" noChangeArrowheads="1" noTextEdit="1"/>
           </p:cNvSpPr>
           <p:nvPr>
             <p:ph type="sldImg"/>
@@ -1874,7 +1874,7 @@
         <p:nvSpPr>
           <p:cNvPr id="55299" name="Rectangle 2"/>
           <p:cNvSpPr>
-            <a:spLocks noRot="1" noChangeArrowheads="1" noTextEdit="1"/>
+            <a:spLocks noGrp="1" noRot="1" noChangeAspect="1" noChangeArrowheads="1" noTextEdit="1"/>
           </p:cNvSpPr>
           <p:nvPr>
             <p:ph type="sldImg"/>
@@ -2044,7 +2044,7 @@
         <p:nvSpPr>
           <p:cNvPr id="41986" name="Rectangle 2"/>
           <p:cNvSpPr>
-            <a:spLocks noRot="1" noChangeArrowheads="1" noTextEdit="1"/>
+            <a:spLocks noGrp="1" noRot="1" noChangeAspect="1" noChangeArrowheads="1" noTextEdit="1"/>
           </p:cNvSpPr>
           <p:nvPr>
             <p:ph type="sldImg"/>
@@ -2126,7 +2126,7 @@
         <p:nvSpPr>
           <p:cNvPr id="43010" name="Rectangle 2"/>
           <p:cNvSpPr>
-            <a:spLocks noRot="1" noChangeArrowheads="1" noTextEdit="1"/>
+            <a:spLocks noGrp="1" noRot="1" noChangeAspect="1" noChangeArrowheads="1" noTextEdit="1"/>
           </p:cNvSpPr>
           <p:nvPr>
             <p:ph type="sldImg"/>
@@ -2208,7 +2208,7 @@
         <p:nvSpPr>
           <p:cNvPr id="44034" name="Rectangle 2"/>
           <p:cNvSpPr>
-            <a:spLocks noRot="1" noChangeArrowheads="1" noTextEdit="1"/>
+            <a:spLocks noGrp="1" noRot="1" noChangeAspect="1" noChangeArrowheads="1" noTextEdit="1"/>
           </p:cNvSpPr>
           <p:nvPr>
             <p:ph type="sldImg"/>
@@ -2290,7 +2290,7 @@
         <p:nvSpPr>
           <p:cNvPr id="45058" name="Rectangle 2"/>
           <p:cNvSpPr>
-            <a:spLocks noRot="1" noChangeArrowheads="1" noTextEdit="1"/>
+            <a:spLocks noGrp="1" noRot="1" noChangeAspect="1" noChangeArrowheads="1" noTextEdit="1"/>
           </p:cNvSpPr>
           <p:nvPr>
             <p:ph type="sldImg"/>
@@ -2372,7 +2372,7 @@
         <p:nvSpPr>
           <p:cNvPr id="46082" name="Rectangle 2"/>
           <p:cNvSpPr>
-            <a:spLocks noRot="1" noChangeArrowheads="1" noTextEdit="1"/>
+            <a:spLocks noGrp="1" noRot="1" noChangeAspect="1" noChangeArrowheads="1" noTextEdit="1"/>
           </p:cNvSpPr>
           <p:nvPr>
             <p:ph type="sldImg"/>
@@ -2582,7 +2582,7 @@
         <p:nvSpPr>
           <p:cNvPr id="47106" name="Rectangle 2"/>
           <p:cNvSpPr>
-            <a:spLocks noRot="1" noChangeArrowheads="1" noTextEdit="1"/>
+            <a:spLocks noGrp="1" noRot="1" noChangeAspect="1" noChangeArrowheads="1" noTextEdit="1"/>
           </p:cNvSpPr>
           <p:nvPr>
             <p:ph type="sldImg"/>
@@ -2664,7 +2664,7 @@
         <p:nvSpPr>
           <p:cNvPr id="48130" name="Rectangle 2"/>
           <p:cNvSpPr>
-            <a:spLocks noRot="1" noChangeArrowheads="1" noTextEdit="1"/>
+            <a:spLocks noGrp="1" noRot="1" noChangeAspect="1" noChangeArrowheads="1" noTextEdit="1"/>
           </p:cNvSpPr>
           <p:nvPr>
             <p:ph type="sldImg"/>
@@ -2746,7 +2746,7 @@
         <p:nvSpPr>
           <p:cNvPr id="49154" name="Rectangle 2"/>
           <p:cNvSpPr>
-            <a:spLocks noRot="1" noChangeArrowheads="1" noTextEdit="1"/>
+            <a:spLocks noGrp="1" noRot="1" noChangeAspect="1" noChangeArrowheads="1" noTextEdit="1"/>
           </p:cNvSpPr>
           <p:nvPr>
             <p:ph type="sldImg"/>
@@ -13260,1133 +13260,1447 @@
           </a:p>
         </p:txBody>
       </p:sp>
-      <p:sp>
-        <p:nvSpPr>
-          <p:cNvPr id="4" name="TextBox 3"/>
-          <p:cNvSpPr txBox="1"/>
+      <p:grpSp>
+        <p:nvGrpSpPr>
+          <p:cNvPr id="14" name="Group 13"/>
+          <p:cNvGrpSpPr/>
           <p:nvPr/>
-        </p:nvSpPr>
-        <p:spPr>
+        </p:nvGrpSpPr>
+        <p:grpSpPr>
           <a:xfrm>
-            <a:off x="3276600" y="776288"/>
-            <a:ext cx="1905000" cy="584200"/>
+            <a:off x="2297113" y="776288"/>
+            <a:ext cx="6770687" cy="6081712"/>
+            <a:chOff x="2297113" y="776288"/>
+            <a:chExt cx="6770687" cy="6081712"/>
           </a:xfrm>
-          <a:prstGeom prst="rect">
-            <a:avLst/>
-          </a:prstGeom>
-          <a:solidFill>
-            <a:schemeClr val="accent1"/>
-          </a:solidFill>
-        </p:spPr>
-        <p:style>
-          <a:lnRef idx="2">
-            <a:schemeClr val="dk1"/>
-          </a:lnRef>
-          <a:fillRef idx="1">
-            <a:schemeClr val="lt1"/>
-          </a:fillRef>
-          <a:effectRef idx="0">
-            <a:schemeClr val="dk1"/>
-          </a:effectRef>
-          <a:fontRef idx="minor">
-            <a:schemeClr val="dk1"/>
-          </a:fontRef>
-        </p:style>
-        <p:txBody>
-          <a:bodyPr anchor="ctr">
-            <a:spAutoFit/>
-          </a:bodyPr>
-          <a:lstStyle/>
-          <a:p>
-            <a:pPr algn="ctr">
-              <a:defRPr/>
-            </a:pPr>
-            <a:r>
-              <a:rPr lang="en-US" sz="1600" dirty="0">
+        </p:grpSpPr>
+        <p:cxnSp>
+          <p:nvCxnSpPr>
+            <p:cNvPr id="25612" name="Straight Arrow Connector 11"/>
+            <p:cNvCxnSpPr>
+              <a:cxnSpLocks noChangeShapeType="1"/>
+            </p:cNvCxnSpPr>
+            <p:nvPr/>
+          </p:nvCxnSpPr>
+          <p:spPr bwMode="auto">
+            <a:xfrm>
+              <a:off x="8153400" y="4027488"/>
+              <a:ext cx="914400" cy="914400"/>
+            </a:xfrm>
+            <a:prstGeom prst="straightConnector1">
+              <a:avLst/>
+            </a:prstGeom>
+            <a:noFill/>
+            <a:ln>
+              <a:noFill/>
+            </a:ln>
+            <a:extLst>
+              <a:ext uri="{909E8E84-426E-40DD-AFC4-6F175D3DCCD1}">
+                <a14:hiddenFill xmlns:a14="http://schemas.microsoft.com/office/drawing/2010/main">
+                  <a:noFill/>
+                </a14:hiddenFill>
+              </a:ext>
+              <a:ext uri="{91240B29-F687-4F45-9708-019B960494DF}">
+                <a14:hiddenLine xmlns:a14="http://schemas.microsoft.com/office/drawing/2010/main" w="9525" algn="ctr">
+                  <a:solidFill>
+                    <a:srgbClr val="000000"/>
+                  </a:solidFill>
+                  <a:round/>
+                  <a:headEnd/>
+                  <a:tailEnd type="arrow" w="med" len="med"/>
+                </a14:hiddenLine>
+              </a:ext>
+            </a:extLst>
+          </p:spPr>
+        </p:cxnSp>
+        <p:sp>
+          <p:nvSpPr>
+            <p:cNvPr id="25621" name="TextBox 23"/>
+            <p:cNvSpPr txBox="1">
+              <a:spLocks noChangeArrowheads="1"/>
+            </p:cNvSpPr>
+            <p:nvPr/>
+          </p:nvSpPr>
+          <p:spPr bwMode="auto">
+            <a:xfrm>
+              <a:off x="6313488" y="5178425"/>
+              <a:ext cx="2297112" cy="584200"/>
+            </a:xfrm>
+            <a:prstGeom prst="rect">
+              <a:avLst/>
+            </a:prstGeom>
+            <a:noFill/>
+            <a:ln>
+              <a:noFill/>
+            </a:ln>
+            <a:extLst>
+              <a:ext uri="{909E8E84-426E-40DD-AFC4-6F175D3DCCD1}">
+                <a14:hiddenFill xmlns:a14="http://schemas.microsoft.com/office/drawing/2010/main">
+                  <a:solidFill>
+                    <a:srgbClr val="FFFFFF"/>
+                  </a:solidFill>
+                </a14:hiddenFill>
+              </a:ext>
+              <a:ext uri="{91240B29-F687-4F45-9708-019B960494DF}">
+                <a14:hiddenLine xmlns:a14="http://schemas.microsoft.com/office/drawing/2010/main" w="9525">
+                  <a:solidFill>
+                    <a:srgbClr val="000000"/>
+                  </a:solidFill>
+                  <a:miter lim="800000"/>
+                  <a:headEnd/>
+                  <a:tailEnd/>
+                </a14:hiddenLine>
+              </a:ext>
+            </a:extLst>
+          </p:spPr>
+          <p:txBody>
+            <a:bodyPr>
+              <a:spAutoFit/>
+            </a:bodyPr>
+            <a:lstStyle>
+              <a:lvl1pPr eaLnBrk="0" hangingPunct="0">
+                <a:defRPr sz="3000">
+                  <a:solidFill>
+                    <a:schemeClr val="bg1"/>
+                  </a:solidFill>
+                  <a:latin typeface="Arial" charset="0"/>
+                  <a:ea typeface="ＭＳ Ｐゴシック" pitchFamily="34" charset="-128"/>
+                </a:defRPr>
+              </a:lvl1pPr>
+              <a:lvl2pPr marL="742950" indent="-285750" eaLnBrk="0" hangingPunct="0">
+                <a:defRPr sz="3000">
+                  <a:solidFill>
+                    <a:schemeClr val="bg1"/>
+                  </a:solidFill>
+                  <a:latin typeface="Arial" charset="0"/>
+                  <a:ea typeface="ＭＳ Ｐゴシック" pitchFamily="34" charset="-128"/>
+                </a:defRPr>
+              </a:lvl2pPr>
+              <a:lvl3pPr marL="1143000" indent="-228600" eaLnBrk="0" hangingPunct="0">
+                <a:defRPr sz="3000">
+                  <a:solidFill>
+                    <a:schemeClr val="bg1"/>
+                  </a:solidFill>
+                  <a:latin typeface="Arial" charset="0"/>
+                  <a:ea typeface="ＭＳ Ｐゴシック" pitchFamily="34" charset="-128"/>
+                </a:defRPr>
+              </a:lvl3pPr>
+              <a:lvl4pPr marL="1600200" indent="-228600" eaLnBrk="0" hangingPunct="0">
+                <a:defRPr sz="3000">
+                  <a:solidFill>
+                    <a:schemeClr val="bg1"/>
+                  </a:solidFill>
+                  <a:latin typeface="Arial" charset="0"/>
+                  <a:ea typeface="ＭＳ Ｐゴシック" pitchFamily="34" charset="-128"/>
+                </a:defRPr>
+              </a:lvl4pPr>
+              <a:lvl5pPr marL="2057400" indent="-228600" eaLnBrk="0" hangingPunct="0">
+                <a:defRPr sz="3000">
+                  <a:solidFill>
+                    <a:schemeClr val="bg1"/>
+                  </a:solidFill>
+                  <a:latin typeface="Arial" charset="0"/>
+                  <a:ea typeface="ＭＳ Ｐゴシック" pitchFamily="34" charset="-128"/>
+                </a:defRPr>
+              </a:lvl5pPr>
+              <a:lvl6pPr marL="2514600" indent="-228600" eaLnBrk="0" fontAlgn="base" hangingPunct="0">
+                <a:spcBef>
+                  <a:spcPct val="0"/>
+                </a:spcBef>
+                <a:spcAft>
+                  <a:spcPct val="0"/>
+                </a:spcAft>
+                <a:defRPr sz="3000">
+                  <a:solidFill>
+                    <a:schemeClr val="bg1"/>
+                  </a:solidFill>
+                  <a:latin typeface="Arial" charset="0"/>
+                  <a:ea typeface="ＭＳ Ｐゴシック" pitchFamily="34" charset="-128"/>
+                </a:defRPr>
+              </a:lvl6pPr>
+              <a:lvl7pPr marL="2971800" indent="-228600" eaLnBrk="0" fontAlgn="base" hangingPunct="0">
+                <a:spcBef>
+                  <a:spcPct val="0"/>
+                </a:spcBef>
+                <a:spcAft>
+                  <a:spcPct val="0"/>
+                </a:spcAft>
+                <a:defRPr sz="3000">
+                  <a:solidFill>
+                    <a:schemeClr val="bg1"/>
+                  </a:solidFill>
+                  <a:latin typeface="Arial" charset="0"/>
+                  <a:ea typeface="ＭＳ Ｐゴシック" pitchFamily="34" charset="-128"/>
+                </a:defRPr>
+              </a:lvl7pPr>
+              <a:lvl8pPr marL="3429000" indent="-228600" eaLnBrk="0" fontAlgn="base" hangingPunct="0">
+                <a:spcBef>
+                  <a:spcPct val="0"/>
+                </a:spcBef>
+                <a:spcAft>
+                  <a:spcPct val="0"/>
+                </a:spcAft>
+                <a:defRPr sz="3000">
+                  <a:solidFill>
+                    <a:schemeClr val="bg1"/>
+                  </a:solidFill>
+                  <a:latin typeface="Arial" charset="0"/>
+                  <a:ea typeface="ＭＳ Ｐゴシック" pitchFamily="34" charset="-128"/>
+                </a:defRPr>
+              </a:lvl8pPr>
+              <a:lvl9pPr marL="3886200" indent="-228600" eaLnBrk="0" fontAlgn="base" hangingPunct="0">
+                <a:spcBef>
+                  <a:spcPct val="0"/>
+                </a:spcBef>
+                <a:spcAft>
+                  <a:spcPct val="0"/>
+                </a:spcAft>
+                <a:defRPr sz="3000">
+                  <a:solidFill>
+                    <a:schemeClr val="bg1"/>
+                  </a:solidFill>
+                  <a:latin typeface="Arial" charset="0"/>
+                  <a:ea typeface="ＭＳ Ｐゴシック" pitchFamily="34" charset="-128"/>
+                </a:defRPr>
+              </a:lvl9pPr>
+            </a:lstStyle>
+            <a:p>
+              <a:pPr eaLnBrk="1" hangingPunct="1"/>
+              <a:r>
+                <a:rPr lang="en-US" sz="1600" dirty="0">
+                  <a:solidFill>
+                    <a:schemeClr val="tx1"/>
+                  </a:solidFill>
+                  <a:latin typeface="Calibri" pitchFamily="34" charset="0"/>
+                  <a:cs typeface="Calibri" pitchFamily="34" charset="0"/>
+                </a:rPr>
+                <a:t>Repeat for different deployment scenarios</a:t>
+              </a:r>
+            </a:p>
+          </p:txBody>
+        </p:sp>
+        <p:sp>
+          <p:nvSpPr>
+            <p:cNvPr id="4" name="TextBox 3"/>
+            <p:cNvSpPr txBox="1"/>
+            <p:nvPr/>
+          </p:nvSpPr>
+          <p:spPr>
+            <a:xfrm>
+              <a:off x="3276600" y="776288"/>
+              <a:ext cx="1905000" cy="584200"/>
+            </a:xfrm>
+            <a:prstGeom prst="rect">
+              <a:avLst/>
+            </a:prstGeom>
+            <a:solidFill>
+              <a:schemeClr val="accent5">
+                <a:lumMod val="40000"/>
+                <a:lumOff val="60000"/>
+              </a:schemeClr>
+            </a:solidFill>
+          </p:spPr>
+          <p:style>
+            <a:lnRef idx="2">
+              <a:schemeClr val="dk1"/>
+            </a:lnRef>
+            <a:fillRef idx="1">
+              <a:schemeClr val="lt1"/>
+            </a:fillRef>
+            <a:effectRef idx="0">
+              <a:schemeClr val="dk1"/>
+            </a:effectRef>
+            <a:fontRef idx="minor">
+              <a:schemeClr val="dk1"/>
+            </a:fontRef>
+          </p:style>
+          <p:txBody>
+            <a:bodyPr anchor="ctr">
+              <a:spAutoFit/>
+            </a:bodyPr>
+            <a:lstStyle/>
+            <a:p>
+              <a:pPr algn="ctr">
+                <a:defRPr/>
+              </a:pPr>
+              <a:r>
+                <a:rPr lang="en-US" sz="1600" dirty="0">
+                  <a:solidFill>
+                    <a:schemeClr val="tx1"/>
+                  </a:solidFill>
+                  <a:latin typeface="Calibri" pitchFamily="34" charset="0"/>
+                  <a:cs typeface="Calibri" pitchFamily="34" charset="0"/>
+                </a:rPr>
+                <a:t>Prepare VCS </a:t>
+              </a:r>
+              <a:r>
+                <a:rPr lang="en-US" sz="1600" dirty="0" smtClean="0">
+                  <a:solidFill>
+                    <a:schemeClr val="tx1"/>
+                  </a:solidFill>
+                  <a:latin typeface="Calibri" pitchFamily="34" charset="0"/>
+                  <a:cs typeface="Calibri" pitchFamily="34" charset="0"/>
+                </a:rPr>
+                <a:t>Repository (admin)</a:t>
+              </a:r>
+              <a:endParaRPr lang="en-US" sz="1600" dirty="0">
                 <a:solidFill>
                   <a:schemeClr val="tx1"/>
                 </a:solidFill>
                 <a:latin typeface="Calibri" pitchFamily="34" charset="0"/>
                 <a:cs typeface="Calibri" pitchFamily="34" charset="0"/>
-              </a:rPr>
-              <a:t>Prepare VCS Repository</a:t>
-            </a:r>
-          </a:p>
-        </p:txBody>
-      </p:sp>
-      <p:sp>
-        <p:nvSpPr>
-          <p:cNvPr id="5" name="TextBox 4"/>
-          <p:cNvSpPr txBox="1"/>
-          <p:nvPr/>
-        </p:nvSpPr>
-        <p:spPr>
-          <a:xfrm>
-            <a:off x="3276600" y="1558925"/>
-            <a:ext cx="1905000" cy="584200"/>
-          </a:xfrm>
-          <a:prstGeom prst="rect">
-            <a:avLst/>
-          </a:prstGeom>
-          <a:solidFill>
-            <a:schemeClr val="accent1"/>
-          </a:solidFill>
-        </p:spPr>
-        <p:style>
-          <a:lnRef idx="2">
-            <a:schemeClr val="dk1"/>
-          </a:lnRef>
-          <a:fillRef idx="1">
-            <a:schemeClr val="lt1"/>
-          </a:fillRef>
-          <a:effectRef idx="0">
-            <a:schemeClr val="dk1"/>
-          </a:effectRef>
-          <a:fontRef idx="minor">
-            <a:schemeClr val="dk1"/>
-          </a:fontRef>
-        </p:style>
-        <p:txBody>
-          <a:bodyPr>
-            <a:spAutoFit/>
-          </a:bodyPr>
-          <a:lstStyle/>
-          <a:p>
-            <a:pPr algn="ctr">
-              <a:defRPr/>
-            </a:pPr>
-            <a:r>
-              <a:rPr lang="en-US" sz="1600" dirty="0">
+              </a:endParaRPr>
+            </a:p>
+          </p:txBody>
+        </p:sp>
+        <p:sp>
+          <p:nvSpPr>
+            <p:cNvPr id="5" name="TextBox 4"/>
+            <p:cNvSpPr txBox="1"/>
+            <p:nvPr/>
+          </p:nvSpPr>
+          <p:spPr>
+            <a:xfrm>
+              <a:off x="3276600" y="1558925"/>
+              <a:ext cx="1905000" cy="584200"/>
+            </a:xfrm>
+            <a:prstGeom prst="rect">
+              <a:avLst/>
+            </a:prstGeom>
+            <a:solidFill>
+              <a:schemeClr val="accent5">
+                <a:lumMod val="40000"/>
+                <a:lumOff val="60000"/>
+              </a:schemeClr>
+            </a:solidFill>
+          </p:spPr>
+          <p:style>
+            <a:lnRef idx="2">
+              <a:schemeClr val="dk1"/>
+            </a:lnRef>
+            <a:fillRef idx="1">
+              <a:schemeClr val="lt1"/>
+            </a:fillRef>
+            <a:effectRef idx="0">
+              <a:schemeClr val="dk1"/>
+            </a:effectRef>
+            <a:fontRef idx="minor">
+              <a:schemeClr val="dk1"/>
+            </a:fontRef>
+          </p:style>
+          <p:txBody>
+            <a:bodyPr>
+              <a:spAutoFit/>
+            </a:bodyPr>
+            <a:lstStyle/>
+            <a:p>
+              <a:pPr algn="ctr">
+                <a:defRPr/>
+              </a:pPr>
+              <a:r>
+                <a:rPr lang="en-US" sz="1600" dirty="0">
+                  <a:solidFill>
+                    <a:schemeClr val="tx1"/>
+                  </a:solidFill>
+                  <a:latin typeface="Calibri" pitchFamily="34" charset="0"/>
+                  <a:cs typeface="Calibri" pitchFamily="34" charset="0"/>
+                </a:rPr>
+                <a:t>Install </a:t>
+              </a:r>
+            </a:p>
+            <a:p>
+              <a:pPr algn="ctr">
+                <a:defRPr/>
+              </a:pPr>
+              <a:r>
+                <a:rPr lang="en-US" sz="1600" dirty="0">
+                  <a:solidFill>
+                    <a:schemeClr val="tx1"/>
+                  </a:solidFill>
+                  <a:latin typeface="Calibri" pitchFamily="34" charset="0"/>
+                  <a:cs typeface="Calibri" pitchFamily="34" charset="0"/>
+                </a:rPr>
+                <a:t>PD Tool</a:t>
+              </a:r>
+            </a:p>
+          </p:txBody>
+        </p:sp>
+        <p:sp>
+          <p:nvSpPr>
+            <p:cNvPr id="6" name="TextBox 5"/>
+            <p:cNvSpPr txBox="1"/>
+            <p:nvPr/>
+          </p:nvSpPr>
+          <p:spPr>
+            <a:xfrm>
+              <a:off x="3276600" y="2341563"/>
+              <a:ext cx="1905000" cy="831850"/>
+            </a:xfrm>
+            <a:prstGeom prst="rect">
+              <a:avLst/>
+            </a:prstGeom>
+            <a:solidFill>
+              <a:schemeClr val="accent5">
+                <a:lumMod val="40000"/>
+                <a:lumOff val="60000"/>
+              </a:schemeClr>
+            </a:solidFill>
+          </p:spPr>
+          <p:style>
+            <a:lnRef idx="2">
+              <a:schemeClr val="dk1"/>
+            </a:lnRef>
+            <a:fillRef idx="1">
+              <a:schemeClr val="lt1"/>
+            </a:fillRef>
+            <a:effectRef idx="0">
+              <a:schemeClr val="dk1"/>
+            </a:effectRef>
+            <a:fontRef idx="minor">
+              <a:schemeClr val="dk1"/>
+            </a:fontRef>
+          </p:style>
+          <p:txBody>
+            <a:bodyPr anchor="ctr">
+              <a:spAutoFit/>
+            </a:bodyPr>
+            <a:lstStyle/>
+            <a:p>
+              <a:pPr algn="ctr">
+                <a:defRPr/>
+              </a:pPr>
+              <a:r>
+                <a:rPr lang="en-US" sz="1600" dirty="0">
+                  <a:solidFill>
+                    <a:schemeClr val="tx1"/>
+                  </a:solidFill>
+                  <a:latin typeface="Calibri" pitchFamily="34" charset="0"/>
+                  <a:cs typeface="Calibri" pitchFamily="34" charset="0"/>
+                </a:rPr>
+                <a:t>Configure VCS Environment Properties</a:t>
+              </a:r>
+            </a:p>
+          </p:txBody>
+        </p:sp>
+        <p:sp>
+          <p:nvSpPr>
+            <p:cNvPr id="7" name="TextBox 6"/>
+            <p:cNvSpPr txBox="1"/>
+            <p:nvPr/>
+          </p:nvSpPr>
+          <p:spPr>
+            <a:xfrm>
+              <a:off x="3276600" y="3370263"/>
+              <a:ext cx="1905000" cy="585787"/>
+            </a:xfrm>
+            <a:prstGeom prst="rect">
+              <a:avLst/>
+            </a:prstGeom>
+            <a:solidFill>
+              <a:schemeClr val="accent5">
+                <a:lumMod val="40000"/>
+                <a:lumOff val="60000"/>
+              </a:schemeClr>
+            </a:solidFill>
+          </p:spPr>
+          <p:style>
+            <a:lnRef idx="2">
+              <a:schemeClr val="dk1"/>
+            </a:lnRef>
+            <a:fillRef idx="1">
+              <a:schemeClr val="lt1"/>
+            </a:fillRef>
+            <a:effectRef idx="0">
+              <a:schemeClr val="dk1"/>
+            </a:effectRef>
+            <a:fontRef idx="minor">
+              <a:schemeClr val="dk1"/>
+            </a:fontRef>
+          </p:style>
+          <p:txBody>
+            <a:bodyPr>
+              <a:spAutoFit/>
+            </a:bodyPr>
+            <a:lstStyle/>
+            <a:p>
+              <a:pPr algn="ctr">
+                <a:defRPr/>
+              </a:pPr>
+              <a:r>
+                <a:rPr lang="en-US" sz="1600" dirty="0">
+                  <a:solidFill>
+                    <a:schemeClr val="tx1"/>
+                  </a:solidFill>
+                  <a:latin typeface="Calibri" pitchFamily="34" charset="0"/>
+                  <a:cs typeface="Calibri" pitchFamily="34" charset="0"/>
+                </a:rPr>
+                <a:t>Initialize VCS Workspace</a:t>
+              </a:r>
+            </a:p>
+          </p:txBody>
+        </p:sp>
+        <p:sp>
+          <p:nvSpPr>
+            <p:cNvPr id="8" name="TextBox 7"/>
+            <p:cNvSpPr txBox="1"/>
+            <p:nvPr/>
+          </p:nvSpPr>
+          <p:spPr>
+            <a:xfrm>
+              <a:off x="3276600" y="4152900"/>
+              <a:ext cx="1905000" cy="831850"/>
+            </a:xfrm>
+            <a:prstGeom prst="rect">
+              <a:avLst/>
+            </a:prstGeom>
+            <a:solidFill>
+              <a:schemeClr val="accent5">
+                <a:lumMod val="40000"/>
+                <a:lumOff val="60000"/>
+              </a:schemeClr>
+            </a:solidFill>
+          </p:spPr>
+          <p:style>
+            <a:lnRef idx="2">
+              <a:schemeClr val="dk1"/>
+            </a:lnRef>
+            <a:fillRef idx="1">
+              <a:schemeClr val="lt1"/>
+            </a:fillRef>
+            <a:effectRef idx="0">
+              <a:schemeClr val="dk1"/>
+            </a:effectRef>
+            <a:fontRef idx="minor">
+              <a:schemeClr val="dk1"/>
+            </a:fontRef>
+          </p:style>
+          <p:txBody>
+            <a:bodyPr anchor="ctr">
+              <a:spAutoFit/>
+            </a:bodyPr>
+            <a:lstStyle/>
+            <a:p>
+              <a:pPr algn="ctr">
+                <a:defRPr/>
+              </a:pPr>
+              <a:r>
+                <a:rPr lang="en-US" sz="1600" dirty="0">
+                  <a:solidFill>
+                    <a:schemeClr val="tx1"/>
+                  </a:solidFill>
+                  <a:latin typeface="Calibri" pitchFamily="34" charset="0"/>
+                  <a:cs typeface="Calibri" pitchFamily="34" charset="0"/>
+                </a:rPr>
+                <a:t>Configure VCS Module XML Configuration File</a:t>
+              </a:r>
+            </a:p>
+          </p:txBody>
+        </p:sp>
+        <p:sp>
+          <p:nvSpPr>
+            <p:cNvPr id="9" name="TextBox 8"/>
+            <p:cNvSpPr txBox="1"/>
+            <p:nvPr/>
+          </p:nvSpPr>
+          <p:spPr>
+            <a:xfrm>
+              <a:off x="3276600" y="5182027"/>
+              <a:ext cx="1905000" cy="830997"/>
+            </a:xfrm>
+            <a:prstGeom prst="rect">
+              <a:avLst/>
+            </a:prstGeom>
+            <a:solidFill>
+              <a:schemeClr val="accent5">
+                <a:lumMod val="40000"/>
+                <a:lumOff val="60000"/>
+              </a:schemeClr>
+            </a:solidFill>
+          </p:spPr>
+          <p:style>
+            <a:lnRef idx="2">
+              <a:schemeClr val="dk1"/>
+            </a:lnRef>
+            <a:fillRef idx="1">
+              <a:schemeClr val="lt1"/>
+            </a:fillRef>
+            <a:effectRef idx="0">
+              <a:schemeClr val="dk1"/>
+            </a:effectRef>
+            <a:fontRef idx="minor">
+              <a:schemeClr val="dk1"/>
+            </a:fontRef>
+          </p:style>
+          <p:txBody>
+            <a:bodyPr anchor="ctr">
+              <a:spAutoFit/>
+            </a:bodyPr>
+            <a:lstStyle/>
+            <a:p>
+              <a:pPr algn="ctr">
+                <a:defRPr/>
+              </a:pPr>
+              <a:r>
+                <a:rPr lang="en-US" sz="1600" dirty="0">
+                  <a:solidFill>
+                    <a:schemeClr val="tx1"/>
+                  </a:solidFill>
+                  <a:latin typeface="Calibri" pitchFamily="34" charset="0"/>
+                  <a:cs typeface="Calibri" pitchFamily="34" charset="0"/>
+                </a:rPr>
+                <a:t>Configure VCS </a:t>
+              </a:r>
+              <a:r>
+                <a:rPr lang="en-US" sz="1600" dirty="0" smtClean="0">
+                  <a:solidFill>
+                    <a:schemeClr val="tx1"/>
+                  </a:solidFill>
+                  <a:latin typeface="Calibri" pitchFamily="34" charset="0"/>
+                  <a:cs typeface="Calibri" pitchFamily="34" charset="0"/>
+                </a:rPr>
+                <a:t>Deployment Plan File</a:t>
+              </a:r>
+              <a:endParaRPr lang="en-US" sz="1600" dirty="0">
                 <a:solidFill>
                   <a:schemeClr val="tx1"/>
                 </a:solidFill>
                 <a:latin typeface="Calibri" pitchFamily="34" charset="0"/>
                 <a:cs typeface="Calibri" pitchFamily="34" charset="0"/>
-              </a:rPr>
-              <a:t>Install </a:t>
-            </a:r>
-          </a:p>
-          <a:p>
-            <a:pPr algn="ctr">
-              <a:defRPr/>
-            </a:pPr>
-            <a:r>
-              <a:rPr lang="en-US" sz="1600" dirty="0">
+              </a:endParaRPr>
+            </a:p>
+          </p:txBody>
+        </p:sp>
+        <p:sp>
+          <p:nvSpPr>
+            <p:cNvPr id="10" name="TextBox 9"/>
+            <p:cNvSpPr txBox="1"/>
+            <p:nvPr/>
+          </p:nvSpPr>
+          <p:spPr>
+            <a:xfrm>
+              <a:off x="3276600" y="6211888"/>
+              <a:ext cx="1905000" cy="646112"/>
+            </a:xfrm>
+            <a:prstGeom prst="rect">
+              <a:avLst/>
+            </a:prstGeom>
+            <a:solidFill>
+              <a:schemeClr val="accent5">
+                <a:lumMod val="40000"/>
+                <a:lumOff val="60000"/>
+              </a:schemeClr>
+            </a:solidFill>
+          </p:spPr>
+          <p:style>
+            <a:lnRef idx="2">
+              <a:schemeClr val="dk1"/>
+            </a:lnRef>
+            <a:fillRef idx="1">
+              <a:schemeClr val="lt1"/>
+            </a:fillRef>
+            <a:effectRef idx="0">
+              <a:schemeClr val="dk1"/>
+            </a:effectRef>
+            <a:fontRef idx="minor">
+              <a:schemeClr val="dk1"/>
+            </a:fontRef>
+          </p:style>
+          <p:txBody>
+            <a:bodyPr>
+              <a:spAutoFit/>
+            </a:bodyPr>
+            <a:lstStyle/>
+            <a:p>
+              <a:pPr algn="ctr">
+                <a:defRPr/>
+              </a:pPr>
+              <a:endParaRPr lang="en-US" sz="1000" dirty="0">
                 <a:solidFill>
                   <a:schemeClr val="tx1"/>
                 </a:solidFill>
                 <a:latin typeface="Calibri" pitchFamily="34" charset="0"/>
                 <a:cs typeface="Calibri" pitchFamily="34" charset="0"/>
-              </a:rPr>
-              <a:t>PD Tool</a:t>
-            </a:r>
-          </a:p>
-        </p:txBody>
-      </p:sp>
-      <p:sp>
-        <p:nvSpPr>
-          <p:cNvPr id="6" name="TextBox 5"/>
-          <p:cNvSpPr txBox="1"/>
-          <p:nvPr/>
-        </p:nvSpPr>
-        <p:spPr>
-          <a:xfrm>
-            <a:off x="3276600" y="2341563"/>
-            <a:ext cx="1905000" cy="831850"/>
-          </a:xfrm>
-          <a:prstGeom prst="rect">
-            <a:avLst/>
-          </a:prstGeom>
-          <a:solidFill>
-            <a:schemeClr val="accent1"/>
-          </a:solidFill>
-        </p:spPr>
-        <p:style>
-          <a:lnRef idx="2">
-            <a:schemeClr val="dk1"/>
-          </a:lnRef>
-          <a:fillRef idx="1">
-            <a:schemeClr val="lt1"/>
-          </a:fillRef>
-          <a:effectRef idx="0">
-            <a:schemeClr val="dk1"/>
-          </a:effectRef>
-          <a:fontRef idx="minor">
-            <a:schemeClr val="dk1"/>
-          </a:fontRef>
-        </p:style>
-        <p:txBody>
-          <a:bodyPr anchor="ctr">
-            <a:spAutoFit/>
-          </a:bodyPr>
-          <a:lstStyle/>
-          <a:p>
-            <a:pPr algn="ctr">
-              <a:defRPr/>
-            </a:pPr>
-            <a:r>
-              <a:rPr lang="en-US" sz="1600" dirty="0">
+              </a:endParaRPr>
+            </a:p>
+            <a:p>
+              <a:pPr algn="ctr">
+                <a:defRPr/>
+              </a:pPr>
+              <a:r>
+                <a:rPr lang="en-US" sz="1600" dirty="0">
+                  <a:solidFill>
+                    <a:schemeClr val="tx1"/>
+                  </a:solidFill>
+                  <a:latin typeface="Calibri" pitchFamily="34" charset="0"/>
+                  <a:cs typeface="Calibri" pitchFamily="34" charset="0"/>
+                </a:rPr>
+                <a:t>Test VCS</a:t>
+              </a:r>
+            </a:p>
+            <a:p>
+              <a:pPr algn="ctr">
+                <a:defRPr/>
+              </a:pPr>
+              <a:endParaRPr lang="en-US" sz="1000" dirty="0">
                 <a:solidFill>
                   <a:schemeClr val="tx1"/>
                 </a:solidFill>
                 <a:latin typeface="Calibri" pitchFamily="34" charset="0"/>
                 <a:cs typeface="Calibri" pitchFamily="34" charset="0"/>
-              </a:rPr>
-              <a:t>Configure VCS Environment Properties</a:t>
-            </a:r>
-          </a:p>
-        </p:txBody>
-      </p:sp>
-      <p:sp>
-        <p:nvSpPr>
-          <p:cNvPr id="7" name="TextBox 6"/>
-          <p:cNvSpPr txBox="1"/>
-          <p:nvPr/>
-        </p:nvSpPr>
-        <p:spPr>
-          <a:xfrm>
-            <a:off x="3276600" y="3370263"/>
-            <a:ext cx="1905000" cy="585787"/>
-          </a:xfrm>
-          <a:prstGeom prst="rect">
-            <a:avLst/>
-          </a:prstGeom>
-          <a:solidFill>
-            <a:schemeClr val="accent1"/>
-          </a:solidFill>
-        </p:spPr>
-        <p:style>
-          <a:lnRef idx="2">
-            <a:schemeClr val="dk1"/>
-          </a:lnRef>
-          <a:fillRef idx="1">
-            <a:schemeClr val="lt1"/>
-          </a:fillRef>
-          <a:effectRef idx="0">
-            <a:schemeClr val="dk1"/>
-          </a:effectRef>
-          <a:fontRef idx="minor">
-            <a:schemeClr val="dk1"/>
-          </a:fontRef>
-        </p:style>
-        <p:txBody>
-          <a:bodyPr>
-            <a:spAutoFit/>
-          </a:bodyPr>
-          <a:lstStyle/>
-          <a:p>
-            <a:pPr algn="ctr">
-              <a:defRPr/>
-            </a:pPr>
-            <a:r>
-              <a:rPr lang="en-US" sz="1600" dirty="0">
-                <a:solidFill>
-                  <a:schemeClr val="tx1"/>
-                </a:solidFill>
-                <a:latin typeface="Calibri" pitchFamily="34" charset="0"/>
-                <a:cs typeface="Calibri" pitchFamily="34" charset="0"/>
-              </a:rPr>
-              <a:t>Initialize VCS Workspace</a:t>
-            </a:r>
-          </a:p>
-        </p:txBody>
-      </p:sp>
-      <p:sp>
-        <p:nvSpPr>
-          <p:cNvPr id="8" name="TextBox 7"/>
-          <p:cNvSpPr txBox="1"/>
-          <p:nvPr/>
-        </p:nvSpPr>
-        <p:spPr>
-          <a:xfrm>
-            <a:off x="3276600" y="4152900"/>
-            <a:ext cx="1905000" cy="831850"/>
-          </a:xfrm>
-          <a:prstGeom prst="rect">
-            <a:avLst/>
-          </a:prstGeom>
-          <a:solidFill>
-            <a:schemeClr val="accent1"/>
-          </a:solidFill>
-        </p:spPr>
-        <p:style>
-          <a:lnRef idx="2">
-            <a:schemeClr val="dk1"/>
-          </a:lnRef>
-          <a:fillRef idx="1">
-            <a:schemeClr val="lt1"/>
-          </a:fillRef>
-          <a:effectRef idx="0">
-            <a:schemeClr val="dk1"/>
-          </a:effectRef>
-          <a:fontRef idx="minor">
-            <a:schemeClr val="dk1"/>
-          </a:fontRef>
-        </p:style>
-        <p:txBody>
-          <a:bodyPr anchor="ctr">
-            <a:spAutoFit/>
-          </a:bodyPr>
-          <a:lstStyle/>
-          <a:p>
-            <a:pPr algn="ctr">
-              <a:defRPr/>
-            </a:pPr>
-            <a:r>
-              <a:rPr lang="en-US" sz="1600" dirty="0">
-                <a:solidFill>
-                  <a:schemeClr val="tx1"/>
-                </a:solidFill>
-                <a:latin typeface="Calibri" pitchFamily="34" charset="0"/>
-                <a:cs typeface="Calibri" pitchFamily="34" charset="0"/>
-              </a:rPr>
-              <a:t>Configure VCS Module XML Configuration File</a:t>
-            </a:r>
-          </a:p>
-        </p:txBody>
-      </p:sp>
-      <p:sp>
-        <p:nvSpPr>
-          <p:cNvPr id="9" name="TextBox 8"/>
-          <p:cNvSpPr txBox="1"/>
-          <p:nvPr/>
-        </p:nvSpPr>
-        <p:spPr>
-          <a:xfrm>
-            <a:off x="3276600" y="5181600"/>
-            <a:ext cx="1905000" cy="831850"/>
-          </a:xfrm>
-          <a:prstGeom prst="rect">
-            <a:avLst/>
-          </a:prstGeom>
-          <a:solidFill>
-            <a:schemeClr val="accent1"/>
-          </a:solidFill>
-        </p:spPr>
-        <p:style>
-          <a:lnRef idx="2">
-            <a:schemeClr val="dk1"/>
-          </a:lnRef>
-          <a:fillRef idx="1">
-            <a:schemeClr val="lt1"/>
-          </a:fillRef>
-          <a:effectRef idx="0">
-            <a:schemeClr val="dk1"/>
-          </a:effectRef>
-          <a:fontRef idx="minor">
-            <a:schemeClr val="dk1"/>
-          </a:fontRef>
-        </p:style>
-        <p:txBody>
-          <a:bodyPr anchor="ctr">
-            <a:spAutoFit/>
-          </a:bodyPr>
-          <a:lstStyle/>
-          <a:p>
-            <a:pPr algn="ctr">
-              <a:defRPr/>
-            </a:pPr>
-            <a:r>
-              <a:rPr lang="en-US" sz="1600" dirty="0">
-                <a:solidFill>
-                  <a:schemeClr val="tx1"/>
-                </a:solidFill>
-                <a:latin typeface="Calibri" pitchFamily="34" charset="0"/>
-                <a:cs typeface="Calibri" pitchFamily="34" charset="0"/>
-              </a:rPr>
-              <a:t>Configure VCS Orchestration Property File</a:t>
-            </a:r>
-          </a:p>
-        </p:txBody>
-      </p:sp>
-      <p:sp>
-        <p:nvSpPr>
-          <p:cNvPr id="10" name="TextBox 9"/>
-          <p:cNvSpPr txBox="1"/>
-          <p:nvPr/>
-        </p:nvSpPr>
-        <p:spPr>
-          <a:xfrm>
-            <a:off x="3276600" y="6211888"/>
-            <a:ext cx="1905000" cy="646112"/>
-          </a:xfrm>
-          <a:prstGeom prst="rect">
-            <a:avLst/>
-          </a:prstGeom>
-          <a:solidFill>
-            <a:schemeClr val="accent1"/>
-          </a:solidFill>
-        </p:spPr>
-        <p:style>
-          <a:lnRef idx="2">
-            <a:schemeClr val="dk1"/>
-          </a:lnRef>
-          <a:fillRef idx="1">
-            <a:schemeClr val="lt1"/>
-          </a:fillRef>
-          <a:effectRef idx="0">
-            <a:schemeClr val="dk1"/>
-          </a:effectRef>
-          <a:fontRef idx="minor">
-            <a:schemeClr val="dk1"/>
-          </a:fontRef>
-        </p:style>
-        <p:txBody>
-          <a:bodyPr>
-            <a:spAutoFit/>
-          </a:bodyPr>
-          <a:lstStyle/>
-          <a:p>
-            <a:pPr algn="ctr">
-              <a:defRPr/>
-            </a:pPr>
-            <a:endParaRPr lang="en-US" sz="1000" dirty="0">
+              </a:endParaRPr>
+            </a:p>
+          </p:txBody>
+        </p:sp>
+        <p:sp>
+          <p:nvSpPr>
+            <p:cNvPr id="11" name="Arc 10"/>
+            <p:cNvSpPr/>
+            <p:nvPr/>
+          </p:nvSpPr>
+          <p:spPr bwMode="auto">
+            <a:xfrm>
+              <a:off x="4137025" y="4586288"/>
+              <a:ext cx="1981200" cy="1811337"/>
+            </a:xfrm>
+            <a:prstGeom prst="arc">
+              <a:avLst>
+                <a:gd name="adj1" fmla="val 16343477"/>
+                <a:gd name="adj2" fmla="val 5274007"/>
+              </a:avLst>
+            </a:prstGeom>
+            <a:noFill/>
+            <a:ln w="9525" cap="flat" cmpd="sng" algn="ctr">
+              <a:solidFill>
+                <a:schemeClr val="dk1"/>
+              </a:solidFill>
+              <a:prstDash val="solid"/>
+              <a:round/>
+              <a:headEnd type="none" w="med" len="med"/>
+              <a:tailEnd type="triangle" w="med" len="med"/>
+            </a:ln>
+            <a:effectLst/>
+          </p:spPr>
+          <p:txBody>
+            <a:bodyPr/>
+            <a:lstStyle/>
+            <a:p>
+              <a:pPr>
+                <a:defRPr/>
+              </a:pPr>
+              <a:endParaRPr lang="en-US">
+                <a:ln>
+                  <a:solidFill>
+                    <a:schemeClr val="tx1"/>
+                  </a:solidFill>
+                </a:ln>
+                <a:ea typeface="ＭＳ Ｐゴシック" charset="-128"/>
+              </a:endParaRPr>
+            </a:p>
+          </p:txBody>
+        </p:sp>
+        <p:sp>
+          <p:nvSpPr>
+            <p:cNvPr id="13" name="Arc 12"/>
+            <p:cNvSpPr/>
+            <p:nvPr/>
+          </p:nvSpPr>
+          <p:spPr bwMode="auto">
+            <a:xfrm rot="10800000">
+              <a:off x="2297113" y="4662488"/>
+              <a:ext cx="1981200" cy="1811337"/>
+            </a:xfrm>
+            <a:prstGeom prst="arc">
+              <a:avLst>
+                <a:gd name="adj1" fmla="val 16343477"/>
+                <a:gd name="adj2" fmla="val 5274007"/>
+              </a:avLst>
+            </a:prstGeom>
+            <a:noFill/>
+            <a:ln w="9525" cap="flat" cmpd="sng" algn="ctr">
+              <a:solidFill>
+                <a:schemeClr val="dk1"/>
+              </a:solidFill>
+              <a:prstDash val="solid"/>
+              <a:round/>
+              <a:headEnd type="none" w="med" len="med"/>
+              <a:tailEnd type="triangle" w="med" len="med"/>
+            </a:ln>
+            <a:effectLst/>
+          </p:spPr>
+          <p:txBody>
+            <a:bodyPr/>
+            <a:lstStyle/>
+            <a:p>
+              <a:pPr>
+                <a:defRPr/>
+              </a:pPr>
+              <a:endParaRPr lang="en-US">
+                <a:ln>
+                  <a:solidFill>
+                    <a:schemeClr val="tx1"/>
+                  </a:solidFill>
+                </a:ln>
+                <a:ea typeface="ＭＳ Ｐゴシック" charset="-128"/>
+              </a:endParaRPr>
+            </a:p>
+          </p:txBody>
+        </p:sp>
+        <p:cxnSp>
+          <p:nvCxnSpPr>
+            <p:cNvPr id="25614" name="Straight Arrow Connector 13"/>
+            <p:cNvCxnSpPr>
+              <a:cxnSpLocks noChangeShapeType="1"/>
+            </p:cNvCxnSpPr>
+            <p:nvPr/>
+          </p:nvCxnSpPr>
+          <p:spPr bwMode="auto">
+            <a:xfrm>
+              <a:off x="4229100" y="1368425"/>
+              <a:ext cx="0" cy="198438"/>
+            </a:xfrm>
+            <a:prstGeom prst="straightConnector1">
+              <a:avLst/>
+            </a:prstGeom>
+            <a:noFill/>
+            <a:ln w="19050" algn="ctr">
               <a:solidFill>
                 <a:schemeClr val="tx1"/>
               </a:solidFill>
-              <a:latin typeface="Calibri" pitchFamily="34" charset="0"/>
-              <a:cs typeface="Calibri" pitchFamily="34" charset="0"/>
-            </a:endParaRPr>
-          </a:p>
-          <a:p>
-            <a:pPr algn="ctr">
-              <a:defRPr/>
-            </a:pPr>
-            <a:r>
-              <a:rPr lang="en-US" sz="1600" dirty="0">
-                <a:solidFill>
-                  <a:schemeClr val="tx1"/>
-                </a:solidFill>
-                <a:latin typeface="Calibri" pitchFamily="34" charset="0"/>
-                <a:cs typeface="Calibri" pitchFamily="34" charset="0"/>
-              </a:rPr>
-              <a:t>Test VCS</a:t>
-            </a:r>
-          </a:p>
-          <a:p>
-            <a:pPr algn="ctr">
-              <a:defRPr/>
-            </a:pPr>
-            <a:endParaRPr lang="en-US" sz="1000" dirty="0">
+              <a:round/>
+              <a:headEnd/>
+              <a:tailEnd type="triangle" w="med" len="med"/>
+            </a:ln>
+            <a:extLst>
+              <a:ext uri="{909E8E84-426E-40DD-AFC4-6F175D3DCCD1}">
+                <a14:hiddenFill xmlns:a14="http://schemas.microsoft.com/office/drawing/2010/main">
+                  <a:noFill/>
+                </a14:hiddenFill>
+              </a:ext>
+            </a:extLst>
+          </p:spPr>
+        </p:cxnSp>
+        <p:cxnSp>
+          <p:nvCxnSpPr>
+            <p:cNvPr id="25615" name="Straight Arrow Connector 17"/>
+            <p:cNvCxnSpPr>
+              <a:cxnSpLocks noChangeShapeType="1"/>
+            </p:cNvCxnSpPr>
+            <p:nvPr/>
+          </p:nvCxnSpPr>
+          <p:spPr bwMode="auto">
+            <a:xfrm>
+              <a:off x="4229100" y="2130425"/>
+              <a:ext cx="0" cy="198438"/>
+            </a:xfrm>
+            <a:prstGeom prst="straightConnector1">
+              <a:avLst/>
+            </a:prstGeom>
+            <a:noFill/>
+            <a:ln w="19050" algn="ctr">
               <a:solidFill>
                 <a:schemeClr val="tx1"/>
               </a:solidFill>
-              <a:latin typeface="Calibri" pitchFamily="34" charset="0"/>
-              <a:cs typeface="Calibri" pitchFamily="34" charset="0"/>
-            </a:endParaRPr>
-          </a:p>
-        </p:txBody>
-      </p:sp>
-      <p:sp>
-        <p:nvSpPr>
-          <p:cNvPr id="11" name="Arc 10"/>
-          <p:cNvSpPr/>
-          <p:nvPr/>
-        </p:nvSpPr>
-        <p:spPr bwMode="auto">
-          <a:xfrm>
-            <a:off x="4137025" y="4586288"/>
-            <a:ext cx="1981200" cy="1811337"/>
-          </a:xfrm>
-          <a:prstGeom prst="arc">
-            <a:avLst>
-              <a:gd name="adj1" fmla="val 16343477"/>
-              <a:gd name="adj2" fmla="val 5274007"/>
-            </a:avLst>
-          </a:prstGeom>
-          <a:noFill/>
-          <a:ln w="9525" cap="flat" cmpd="sng" algn="ctr">
-            <a:solidFill>
-              <a:schemeClr val="dk1"/>
-            </a:solidFill>
-            <a:prstDash val="solid"/>
-            <a:round/>
-            <a:headEnd type="none" w="med" len="med"/>
-            <a:tailEnd type="triangle" w="med" len="med"/>
-          </a:ln>
-          <a:effectLst/>
-        </p:spPr>
-        <p:txBody>
-          <a:bodyPr/>
-          <a:lstStyle/>
-          <a:p>
-            <a:pPr>
-              <a:defRPr/>
-            </a:pPr>
-            <a:endParaRPr lang="en-US">
-              <a:ln>
-                <a:solidFill>
-                  <a:schemeClr val="tx1"/>
-                </a:solidFill>
-              </a:ln>
-              <a:ea typeface="ＭＳ Ｐゴシック" charset="-128"/>
-            </a:endParaRPr>
-          </a:p>
-        </p:txBody>
-      </p:sp>
-      <p:cxnSp>
-        <p:nvCxnSpPr>
-          <p:cNvPr id="25612" name="Straight Arrow Connector 11"/>
-          <p:cNvCxnSpPr>
-            <a:cxnSpLocks noChangeShapeType="1"/>
-          </p:cNvCxnSpPr>
-          <p:nvPr/>
-        </p:nvCxnSpPr>
-        <p:spPr bwMode="auto">
-          <a:xfrm>
-            <a:off x="8153400" y="4027488"/>
-            <a:ext cx="914400" cy="914400"/>
-          </a:xfrm>
-          <a:prstGeom prst="straightConnector1">
-            <a:avLst/>
-          </a:prstGeom>
-          <a:noFill/>
-          <a:ln>
+              <a:round/>
+              <a:headEnd/>
+              <a:tailEnd type="triangle" w="med" len="med"/>
+            </a:ln>
+            <a:extLst>
+              <a:ext uri="{909E8E84-426E-40DD-AFC4-6F175D3DCCD1}">
+                <a14:hiddenFill xmlns:a14="http://schemas.microsoft.com/office/drawing/2010/main">
+                  <a:noFill/>
+                </a14:hiddenFill>
+              </a:ext>
+            </a:extLst>
+          </p:spPr>
+        </p:cxnSp>
+        <p:cxnSp>
+          <p:nvCxnSpPr>
+            <p:cNvPr id="25616" name="Straight Arrow Connector 18"/>
+            <p:cNvCxnSpPr>
+              <a:cxnSpLocks noChangeShapeType="1"/>
+            </p:cNvCxnSpPr>
+            <p:nvPr/>
+          </p:nvCxnSpPr>
+          <p:spPr bwMode="auto">
+            <a:xfrm>
+              <a:off x="4229100" y="3186113"/>
+              <a:ext cx="0" cy="198437"/>
+            </a:xfrm>
+            <a:prstGeom prst="straightConnector1">
+              <a:avLst/>
+            </a:prstGeom>
             <a:noFill/>
-          </a:ln>
-          <a:extLst>
-            <a:ext uri="{909E8E84-426E-40DD-AFC4-6F175D3DCCD1}">
-              <a14:hiddenFill xmlns:a14="http://schemas.microsoft.com/office/drawing/2010/main">
-                <a:noFill/>
-              </a14:hiddenFill>
-            </a:ext>
-            <a:ext uri="{91240B29-F687-4F45-9708-019B960494DF}">
-              <a14:hiddenLine xmlns:a14="http://schemas.microsoft.com/office/drawing/2010/main" w="9525" algn="ctr">
-                <a:solidFill>
-                  <a:srgbClr val="000000"/>
-                </a:solidFill>
-                <a:round/>
-                <a:headEnd/>
-                <a:tailEnd type="arrow" w="med" len="med"/>
-              </a14:hiddenLine>
-            </a:ext>
-          </a:extLst>
-        </p:spPr>
-      </p:cxnSp>
-      <p:sp>
-        <p:nvSpPr>
-          <p:cNvPr id="13" name="Arc 12"/>
-          <p:cNvSpPr/>
-          <p:nvPr/>
-        </p:nvSpPr>
-        <p:spPr bwMode="auto">
-          <a:xfrm rot="10800000">
-            <a:off x="2297113" y="4662488"/>
-            <a:ext cx="1981200" cy="1811337"/>
-          </a:xfrm>
-          <a:prstGeom prst="arc">
-            <a:avLst>
-              <a:gd name="adj1" fmla="val 16343477"/>
-              <a:gd name="adj2" fmla="val 5274007"/>
-            </a:avLst>
-          </a:prstGeom>
-          <a:noFill/>
-          <a:ln w="9525" cap="flat" cmpd="sng" algn="ctr">
-            <a:solidFill>
-              <a:schemeClr val="dk1"/>
-            </a:solidFill>
-            <a:prstDash val="solid"/>
-            <a:round/>
-            <a:headEnd type="none" w="med" len="med"/>
-            <a:tailEnd type="triangle" w="med" len="med"/>
-          </a:ln>
-          <a:effectLst/>
-        </p:spPr>
-        <p:txBody>
-          <a:bodyPr/>
-          <a:lstStyle/>
-          <a:p>
-            <a:pPr>
-              <a:defRPr/>
-            </a:pPr>
-            <a:endParaRPr lang="en-US">
-              <a:ln>
-                <a:solidFill>
-                  <a:schemeClr val="tx1"/>
-                </a:solidFill>
-              </a:ln>
-              <a:ea typeface="ＭＳ Ｐゴシック" charset="-128"/>
-            </a:endParaRPr>
-          </a:p>
-        </p:txBody>
-      </p:sp>
-      <p:cxnSp>
-        <p:nvCxnSpPr>
-          <p:cNvPr id="25614" name="Straight Arrow Connector 13"/>
-          <p:cNvCxnSpPr>
-            <a:cxnSpLocks noChangeShapeType="1"/>
-          </p:cNvCxnSpPr>
-          <p:nvPr/>
-        </p:nvCxnSpPr>
-        <p:spPr bwMode="auto">
-          <a:xfrm>
-            <a:off x="4229100" y="1368425"/>
-            <a:ext cx="0" cy="198438"/>
-          </a:xfrm>
-          <a:prstGeom prst="straightConnector1">
-            <a:avLst/>
-          </a:prstGeom>
-          <a:noFill/>
-          <a:ln w="19050" algn="ctr">
-            <a:solidFill>
-              <a:schemeClr val="tx1"/>
-            </a:solidFill>
-            <a:round/>
-            <a:headEnd/>
-            <a:tailEnd type="triangle" w="med" len="med"/>
-          </a:ln>
-          <a:extLst>
-            <a:ext uri="{909E8E84-426E-40DD-AFC4-6F175D3DCCD1}">
-              <a14:hiddenFill xmlns:a14="http://schemas.microsoft.com/office/drawing/2010/main">
-                <a:noFill/>
-              </a14:hiddenFill>
-            </a:ext>
-          </a:extLst>
-        </p:spPr>
-      </p:cxnSp>
-      <p:cxnSp>
-        <p:nvCxnSpPr>
-          <p:cNvPr id="25615" name="Straight Arrow Connector 17"/>
-          <p:cNvCxnSpPr>
-            <a:cxnSpLocks noChangeShapeType="1"/>
-          </p:cNvCxnSpPr>
-          <p:nvPr/>
-        </p:nvCxnSpPr>
-        <p:spPr bwMode="auto">
-          <a:xfrm>
-            <a:off x="4229100" y="2130425"/>
-            <a:ext cx="0" cy="198438"/>
-          </a:xfrm>
-          <a:prstGeom prst="straightConnector1">
-            <a:avLst/>
-          </a:prstGeom>
-          <a:noFill/>
-          <a:ln w="19050" algn="ctr">
-            <a:solidFill>
-              <a:schemeClr val="tx1"/>
-            </a:solidFill>
-            <a:round/>
-            <a:headEnd/>
-            <a:tailEnd type="triangle" w="med" len="med"/>
-          </a:ln>
-          <a:extLst>
-            <a:ext uri="{909E8E84-426E-40DD-AFC4-6F175D3DCCD1}">
-              <a14:hiddenFill xmlns:a14="http://schemas.microsoft.com/office/drawing/2010/main">
-                <a:noFill/>
-              </a14:hiddenFill>
-            </a:ext>
-          </a:extLst>
-        </p:spPr>
-      </p:cxnSp>
-      <p:cxnSp>
-        <p:nvCxnSpPr>
-          <p:cNvPr id="25616" name="Straight Arrow Connector 18"/>
-          <p:cNvCxnSpPr>
-            <a:cxnSpLocks noChangeShapeType="1"/>
-          </p:cNvCxnSpPr>
-          <p:nvPr/>
-        </p:nvCxnSpPr>
-        <p:spPr bwMode="auto">
-          <a:xfrm>
-            <a:off x="4229100" y="3186113"/>
-            <a:ext cx="0" cy="198437"/>
-          </a:xfrm>
-          <a:prstGeom prst="straightConnector1">
-            <a:avLst/>
-          </a:prstGeom>
-          <a:noFill/>
-          <a:ln w="19050" algn="ctr">
-            <a:solidFill>
-              <a:schemeClr val="tx1"/>
-            </a:solidFill>
-            <a:round/>
-            <a:headEnd/>
-            <a:tailEnd type="triangle" w="med" len="med"/>
-          </a:ln>
-          <a:extLst>
-            <a:ext uri="{909E8E84-426E-40DD-AFC4-6F175D3DCCD1}">
-              <a14:hiddenFill xmlns:a14="http://schemas.microsoft.com/office/drawing/2010/main">
-                <a:noFill/>
-              </a14:hiddenFill>
-            </a:ext>
-          </a:extLst>
-        </p:spPr>
-      </p:cxnSp>
-      <p:cxnSp>
-        <p:nvCxnSpPr>
-          <p:cNvPr id="25617" name="Straight Arrow Connector 19"/>
-          <p:cNvCxnSpPr>
-            <a:cxnSpLocks noChangeShapeType="1"/>
-          </p:cNvCxnSpPr>
-          <p:nvPr/>
-        </p:nvCxnSpPr>
-        <p:spPr bwMode="auto">
-          <a:xfrm>
-            <a:off x="4229100" y="3959225"/>
-            <a:ext cx="0" cy="198438"/>
-          </a:xfrm>
-          <a:prstGeom prst="straightConnector1">
-            <a:avLst/>
-          </a:prstGeom>
-          <a:noFill/>
-          <a:ln w="19050" algn="ctr">
-            <a:solidFill>
-              <a:schemeClr val="tx1"/>
-            </a:solidFill>
-            <a:round/>
-            <a:headEnd/>
-            <a:tailEnd type="triangle" w="med" len="med"/>
-          </a:ln>
-          <a:extLst>
-            <a:ext uri="{909E8E84-426E-40DD-AFC4-6F175D3DCCD1}">
-              <a14:hiddenFill xmlns:a14="http://schemas.microsoft.com/office/drawing/2010/main">
-                <a:noFill/>
-              </a14:hiddenFill>
-            </a:ext>
-          </a:extLst>
-        </p:spPr>
-      </p:cxnSp>
-      <p:cxnSp>
-        <p:nvCxnSpPr>
-          <p:cNvPr id="25618" name="Straight Arrow Connector 20"/>
-          <p:cNvCxnSpPr>
-            <a:cxnSpLocks noChangeShapeType="1"/>
-          </p:cNvCxnSpPr>
-          <p:nvPr/>
-        </p:nvCxnSpPr>
-        <p:spPr bwMode="auto">
-          <a:xfrm>
-            <a:off x="4229100" y="4979988"/>
-            <a:ext cx="0" cy="198437"/>
-          </a:xfrm>
-          <a:prstGeom prst="straightConnector1">
-            <a:avLst/>
-          </a:prstGeom>
-          <a:noFill/>
-          <a:ln w="19050" algn="ctr">
-            <a:solidFill>
-              <a:schemeClr val="tx1"/>
-            </a:solidFill>
-            <a:round/>
-            <a:headEnd/>
-            <a:tailEnd type="triangle" w="med" len="med"/>
-          </a:ln>
-          <a:extLst>
-            <a:ext uri="{909E8E84-426E-40DD-AFC4-6F175D3DCCD1}">
-              <a14:hiddenFill xmlns:a14="http://schemas.microsoft.com/office/drawing/2010/main">
-                <a:noFill/>
-              </a14:hiddenFill>
-            </a:ext>
-          </a:extLst>
-        </p:spPr>
-      </p:cxnSp>
-      <p:cxnSp>
-        <p:nvCxnSpPr>
-          <p:cNvPr id="25619" name="Straight Arrow Connector 21"/>
-          <p:cNvCxnSpPr>
-            <a:cxnSpLocks noChangeShapeType="1"/>
-          </p:cNvCxnSpPr>
-          <p:nvPr/>
-        </p:nvCxnSpPr>
-        <p:spPr bwMode="auto">
-          <a:xfrm>
-            <a:off x="4229100" y="6016625"/>
-            <a:ext cx="0" cy="198438"/>
-          </a:xfrm>
-          <a:prstGeom prst="straightConnector1">
-            <a:avLst/>
-          </a:prstGeom>
-          <a:noFill/>
-          <a:ln w="19050" algn="ctr">
-            <a:solidFill>
-              <a:schemeClr val="tx1"/>
-            </a:solidFill>
-            <a:round/>
-            <a:headEnd/>
-            <a:tailEnd type="triangle" w="med" len="med"/>
-          </a:ln>
-          <a:extLst>
-            <a:ext uri="{909E8E84-426E-40DD-AFC4-6F175D3DCCD1}">
-              <a14:hiddenFill xmlns:a14="http://schemas.microsoft.com/office/drawing/2010/main">
-                <a:noFill/>
-              </a14:hiddenFill>
-            </a:ext>
-          </a:extLst>
-        </p:spPr>
-      </p:cxnSp>
-      <p:sp>
-        <p:nvSpPr>
-          <p:cNvPr id="25620" name="TextBox 15"/>
-          <p:cNvSpPr txBox="1">
-            <a:spLocks noChangeArrowheads="1"/>
-          </p:cNvSpPr>
-          <p:nvPr/>
-        </p:nvSpPr>
-        <p:spPr bwMode="auto">
-          <a:xfrm>
-            <a:off x="5486400" y="2571750"/>
-            <a:ext cx="1654175" cy="338138"/>
-          </a:xfrm>
-          <a:prstGeom prst="rect">
-            <a:avLst/>
-          </a:prstGeom>
-          <a:noFill/>
-          <a:ln>
+            <a:ln w="19050" algn="ctr">
+              <a:solidFill>
+                <a:schemeClr val="tx1"/>
+              </a:solidFill>
+              <a:round/>
+              <a:headEnd/>
+              <a:tailEnd type="triangle" w="med" len="med"/>
+            </a:ln>
+            <a:extLst>
+              <a:ext uri="{909E8E84-426E-40DD-AFC4-6F175D3DCCD1}">
+                <a14:hiddenFill xmlns:a14="http://schemas.microsoft.com/office/drawing/2010/main">
+                  <a:noFill/>
+                </a14:hiddenFill>
+              </a:ext>
+            </a:extLst>
+          </p:spPr>
+        </p:cxnSp>
+        <p:cxnSp>
+          <p:nvCxnSpPr>
+            <p:cNvPr id="25617" name="Straight Arrow Connector 19"/>
+            <p:cNvCxnSpPr>
+              <a:cxnSpLocks noChangeShapeType="1"/>
+            </p:cNvCxnSpPr>
+            <p:nvPr/>
+          </p:nvCxnSpPr>
+          <p:spPr bwMode="auto">
+            <a:xfrm>
+              <a:off x="4229100" y="3959225"/>
+              <a:ext cx="0" cy="198438"/>
+            </a:xfrm>
+            <a:prstGeom prst="straightConnector1">
+              <a:avLst/>
+            </a:prstGeom>
             <a:noFill/>
-          </a:ln>
-          <a:extLst>
-            <a:ext uri="{909E8E84-426E-40DD-AFC4-6F175D3DCCD1}">
-              <a14:hiddenFill xmlns:a14="http://schemas.microsoft.com/office/drawing/2010/main">
-                <a:solidFill>
-                  <a:srgbClr val="FFFFFF"/>
-                </a:solidFill>
-              </a14:hiddenFill>
-            </a:ext>
-            <a:ext uri="{91240B29-F687-4F45-9708-019B960494DF}">
-              <a14:hiddenLine xmlns:a14="http://schemas.microsoft.com/office/drawing/2010/main" w="9525">
-                <a:solidFill>
-                  <a:srgbClr val="000000"/>
-                </a:solidFill>
-                <a:miter lim="800000"/>
-                <a:headEnd/>
-                <a:tailEnd/>
-              </a14:hiddenLine>
-            </a:ext>
-          </a:extLst>
-        </p:spPr>
-        <p:txBody>
-          <a:bodyPr>
-            <a:spAutoFit/>
-          </a:bodyPr>
-          <a:lstStyle>
-            <a:lvl1pPr eaLnBrk="0" hangingPunct="0">
-              <a:defRPr sz="3000">
-                <a:solidFill>
-                  <a:schemeClr val="bg1"/>
-                </a:solidFill>
-                <a:latin typeface="Arial" charset="0"/>
-                <a:ea typeface="ＭＳ Ｐゴシック" pitchFamily="34" charset="-128"/>
-              </a:defRPr>
-            </a:lvl1pPr>
-            <a:lvl2pPr marL="742950" indent="-285750" eaLnBrk="0" hangingPunct="0">
-              <a:defRPr sz="3000">
-                <a:solidFill>
-                  <a:schemeClr val="bg1"/>
-                </a:solidFill>
-                <a:latin typeface="Arial" charset="0"/>
-                <a:ea typeface="ＭＳ Ｐゴシック" pitchFamily="34" charset="-128"/>
-              </a:defRPr>
-            </a:lvl2pPr>
-            <a:lvl3pPr marL="1143000" indent="-228600" eaLnBrk="0" hangingPunct="0">
-              <a:defRPr sz="3000">
-                <a:solidFill>
-                  <a:schemeClr val="bg1"/>
-                </a:solidFill>
-                <a:latin typeface="Arial" charset="0"/>
-                <a:ea typeface="ＭＳ Ｐゴシック" pitchFamily="34" charset="-128"/>
-              </a:defRPr>
-            </a:lvl3pPr>
-            <a:lvl4pPr marL="1600200" indent="-228600" eaLnBrk="0" hangingPunct="0">
-              <a:defRPr sz="3000">
-                <a:solidFill>
-                  <a:schemeClr val="bg1"/>
-                </a:solidFill>
-                <a:latin typeface="Arial" charset="0"/>
-                <a:ea typeface="ＭＳ Ｐゴシック" pitchFamily="34" charset="-128"/>
-              </a:defRPr>
-            </a:lvl4pPr>
-            <a:lvl5pPr marL="2057400" indent="-228600" eaLnBrk="0" hangingPunct="0">
-              <a:defRPr sz="3000">
-                <a:solidFill>
-                  <a:schemeClr val="bg1"/>
-                </a:solidFill>
-                <a:latin typeface="Arial" charset="0"/>
-                <a:ea typeface="ＭＳ Ｐゴシック" pitchFamily="34" charset="-128"/>
-              </a:defRPr>
-            </a:lvl5pPr>
-            <a:lvl6pPr marL="2514600" indent="-228600" eaLnBrk="0" fontAlgn="base" hangingPunct="0">
-              <a:spcBef>
-                <a:spcPct val="0"/>
-              </a:spcBef>
-              <a:spcAft>
-                <a:spcPct val="0"/>
-              </a:spcAft>
-              <a:defRPr sz="3000">
-                <a:solidFill>
-                  <a:schemeClr val="bg1"/>
-                </a:solidFill>
-                <a:latin typeface="Arial" charset="0"/>
-                <a:ea typeface="ＭＳ Ｐゴシック" pitchFamily="34" charset="-128"/>
-              </a:defRPr>
-            </a:lvl6pPr>
-            <a:lvl7pPr marL="2971800" indent="-228600" eaLnBrk="0" fontAlgn="base" hangingPunct="0">
-              <a:spcBef>
-                <a:spcPct val="0"/>
-              </a:spcBef>
-              <a:spcAft>
-                <a:spcPct val="0"/>
-              </a:spcAft>
-              <a:defRPr sz="3000">
-                <a:solidFill>
-                  <a:schemeClr val="bg1"/>
-                </a:solidFill>
-                <a:latin typeface="Arial" charset="0"/>
-                <a:ea typeface="ＭＳ Ｐゴシック" pitchFamily="34" charset="-128"/>
-              </a:defRPr>
-            </a:lvl7pPr>
-            <a:lvl8pPr marL="3429000" indent="-228600" eaLnBrk="0" fontAlgn="base" hangingPunct="0">
-              <a:spcBef>
-                <a:spcPct val="0"/>
-              </a:spcBef>
-              <a:spcAft>
-                <a:spcPct val="0"/>
-              </a:spcAft>
-              <a:defRPr sz="3000">
-                <a:solidFill>
-                  <a:schemeClr val="bg1"/>
-                </a:solidFill>
-                <a:latin typeface="Arial" charset="0"/>
-                <a:ea typeface="ＭＳ Ｐゴシック" pitchFamily="34" charset="-128"/>
-              </a:defRPr>
-            </a:lvl8pPr>
-            <a:lvl9pPr marL="3886200" indent="-228600" eaLnBrk="0" fontAlgn="base" hangingPunct="0">
-              <a:spcBef>
-                <a:spcPct val="0"/>
-              </a:spcBef>
-              <a:spcAft>
-                <a:spcPct val="0"/>
-              </a:spcAft>
-              <a:defRPr sz="3000">
-                <a:solidFill>
-                  <a:schemeClr val="bg1"/>
-                </a:solidFill>
-                <a:latin typeface="Arial" charset="0"/>
-                <a:ea typeface="ＭＳ Ｐゴシック" pitchFamily="34" charset="-128"/>
-              </a:defRPr>
-            </a:lvl9pPr>
-          </a:lstStyle>
-          <a:p>
-            <a:pPr eaLnBrk="1" hangingPunct="1"/>
-            <a:r>
-              <a:rPr lang="en-US" sz="1600">
-                <a:solidFill>
-                  <a:schemeClr val="tx1"/>
-                </a:solidFill>
-                <a:latin typeface="Calibri" pitchFamily="34" charset="0"/>
-                <a:cs typeface="Calibri" pitchFamily="34" charset="0"/>
-              </a:rPr>
-              <a:t>VCS specific</a:t>
-            </a:r>
-          </a:p>
-        </p:txBody>
-      </p:sp>
-      <p:sp>
-        <p:nvSpPr>
-          <p:cNvPr id="25621" name="TextBox 23"/>
-          <p:cNvSpPr txBox="1">
-            <a:spLocks noChangeArrowheads="1"/>
-          </p:cNvSpPr>
-          <p:nvPr/>
-        </p:nvSpPr>
-        <p:spPr bwMode="auto">
-          <a:xfrm>
-            <a:off x="6313488" y="5178425"/>
-            <a:ext cx="2297112" cy="584200"/>
-          </a:xfrm>
-          <a:prstGeom prst="rect">
-            <a:avLst/>
-          </a:prstGeom>
-          <a:noFill/>
-          <a:ln>
+            <a:ln w="19050" algn="ctr">
+              <a:solidFill>
+                <a:schemeClr val="tx1"/>
+              </a:solidFill>
+              <a:round/>
+              <a:headEnd/>
+              <a:tailEnd type="triangle" w="med" len="med"/>
+            </a:ln>
+            <a:extLst>
+              <a:ext uri="{909E8E84-426E-40DD-AFC4-6F175D3DCCD1}">
+                <a14:hiddenFill xmlns:a14="http://schemas.microsoft.com/office/drawing/2010/main">
+                  <a:noFill/>
+                </a14:hiddenFill>
+              </a:ext>
+            </a:extLst>
+          </p:spPr>
+        </p:cxnSp>
+        <p:cxnSp>
+          <p:nvCxnSpPr>
+            <p:cNvPr id="25618" name="Straight Arrow Connector 20"/>
+            <p:cNvCxnSpPr>
+              <a:cxnSpLocks noChangeShapeType="1"/>
+            </p:cNvCxnSpPr>
+            <p:nvPr/>
+          </p:nvCxnSpPr>
+          <p:spPr bwMode="auto">
+            <a:xfrm>
+              <a:off x="4229100" y="4979988"/>
+              <a:ext cx="0" cy="198437"/>
+            </a:xfrm>
+            <a:prstGeom prst="straightConnector1">
+              <a:avLst/>
+            </a:prstGeom>
             <a:noFill/>
-          </a:ln>
-          <a:extLst>
-            <a:ext uri="{909E8E84-426E-40DD-AFC4-6F175D3DCCD1}">
-              <a14:hiddenFill xmlns:a14="http://schemas.microsoft.com/office/drawing/2010/main">
-                <a:solidFill>
-                  <a:srgbClr val="FFFFFF"/>
-                </a:solidFill>
-              </a14:hiddenFill>
-            </a:ext>
-            <a:ext uri="{91240B29-F687-4F45-9708-019B960494DF}">
-              <a14:hiddenLine xmlns:a14="http://schemas.microsoft.com/office/drawing/2010/main" w="9525">
-                <a:solidFill>
-                  <a:srgbClr val="000000"/>
-                </a:solidFill>
-                <a:miter lim="800000"/>
-                <a:headEnd/>
-                <a:tailEnd/>
-              </a14:hiddenLine>
-            </a:ext>
-          </a:extLst>
-        </p:spPr>
-        <p:txBody>
-          <a:bodyPr>
-            <a:spAutoFit/>
-          </a:bodyPr>
-          <a:lstStyle>
-            <a:lvl1pPr eaLnBrk="0" hangingPunct="0">
-              <a:defRPr sz="3000">
-                <a:solidFill>
-                  <a:schemeClr val="bg1"/>
-                </a:solidFill>
-                <a:latin typeface="Arial" charset="0"/>
-                <a:ea typeface="ＭＳ Ｐゴシック" pitchFamily="34" charset="-128"/>
-              </a:defRPr>
-            </a:lvl1pPr>
-            <a:lvl2pPr marL="742950" indent="-285750" eaLnBrk="0" hangingPunct="0">
-              <a:defRPr sz="3000">
-                <a:solidFill>
-                  <a:schemeClr val="bg1"/>
-                </a:solidFill>
-                <a:latin typeface="Arial" charset="0"/>
-                <a:ea typeface="ＭＳ Ｐゴシック" pitchFamily="34" charset="-128"/>
-              </a:defRPr>
-            </a:lvl2pPr>
-            <a:lvl3pPr marL="1143000" indent="-228600" eaLnBrk="0" hangingPunct="0">
-              <a:defRPr sz="3000">
-                <a:solidFill>
-                  <a:schemeClr val="bg1"/>
-                </a:solidFill>
-                <a:latin typeface="Arial" charset="0"/>
-                <a:ea typeface="ＭＳ Ｐゴシック" pitchFamily="34" charset="-128"/>
-              </a:defRPr>
-            </a:lvl3pPr>
-            <a:lvl4pPr marL="1600200" indent="-228600" eaLnBrk="0" hangingPunct="0">
-              <a:defRPr sz="3000">
-                <a:solidFill>
-                  <a:schemeClr val="bg1"/>
-                </a:solidFill>
-                <a:latin typeface="Arial" charset="0"/>
-                <a:ea typeface="ＭＳ Ｐゴシック" pitchFamily="34" charset="-128"/>
-              </a:defRPr>
-            </a:lvl4pPr>
-            <a:lvl5pPr marL="2057400" indent="-228600" eaLnBrk="0" hangingPunct="0">
-              <a:defRPr sz="3000">
-                <a:solidFill>
-                  <a:schemeClr val="bg1"/>
-                </a:solidFill>
-                <a:latin typeface="Arial" charset="0"/>
-                <a:ea typeface="ＭＳ Ｐゴシック" pitchFamily="34" charset="-128"/>
-              </a:defRPr>
-            </a:lvl5pPr>
-            <a:lvl6pPr marL="2514600" indent="-228600" eaLnBrk="0" fontAlgn="base" hangingPunct="0">
-              <a:spcBef>
-                <a:spcPct val="0"/>
-              </a:spcBef>
-              <a:spcAft>
-                <a:spcPct val="0"/>
-              </a:spcAft>
-              <a:defRPr sz="3000">
-                <a:solidFill>
-                  <a:schemeClr val="bg1"/>
-                </a:solidFill>
-                <a:latin typeface="Arial" charset="0"/>
-                <a:ea typeface="ＭＳ Ｐゴシック" pitchFamily="34" charset="-128"/>
-              </a:defRPr>
-            </a:lvl6pPr>
-            <a:lvl7pPr marL="2971800" indent="-228600" eaLnBrk="0" fontAlgn="base" hangingPunct="0">
-              <a:spcBef>
-                <a:spcPct val="0"/>
-              </a:spcBef>
-              <a:spcAft>
-                <a:spcPct val="0"/>
-              </a:spcAft>
-              <a:defRPr sz="3000">
-                <a:solidFill>
-                  <a:schemeClr val="bg1"/>
-                </a:solidFill>
-                <a:latin typeface="Arial" charset="0"/>
-                <a:ea typeface="ＭＳ Ｐゴシック" pitchFamily="34" charset="-128"/>
-              </a:defRPr>
-            </a:lvl7pPr>
-            <a:lvl8pPr marL="3429000" indent="-228600" eaLnBrk="0" fontAlgn="base" hangingPunct="0">
-              <a:spcBef>
-                <a:spcPct val="0"/>
-              </a:spcBef>
-              <a:spcAft>
-                <a:spcPct val="0"/>
-              </a:spcAft>
-              <a:defRPr sz="3000">
-                <a:solidFill>
-                  <a:schemeClr val="bg1"/>
-                </a:solidFill>
-                <a:latin typeface="Arial" charset="0"/>
-                <a:ea typeface="ＭＳ Ｐゴシック" pitchFamily="34" charset="-128"/>
-              </a:defRPr>
-            </a:lvl8pPr>
-            <a:lvl9pPr marL="3886200" indent="-228600" eaLnBrk="0" fontAlgn="base" hangingPunct="0">
-              <a:spcBef>
-                <a:spcPct val="0"/>
-              </a:spcBef>
-              <a:spcAft>
-                <a:spcPct val="0"/>
-              </a:spcAft>
-              <a:defRPr sz="3000">
-                <a:solidFill>
-                  <a:schemeClr val="bg1"/>
-                </a:solidFill>
-                <a:latin typeface="Arial" charset="0"/>
-                <a:ea typeface="ＭＳ Ｐゴシック" pitchFamily="34" charset="-128"/>
-              </a:defRPr>
-            </a:lvl9pPr>
-          </a:lstStyle>
-          <a:p>
-            <a:pPr eaLnBrk="1" hangingPunct="1"/>
-            <a:r>
-              <a:rPr lang="en-US" sz="1600">
-                <a:solidFill>
-                  <a:schemeClr val="tx1"/>
-                </a:solidFill>
-                <a:latin typeface="Calibri" pitchFamily="34" charset="0"/>
-                <a:cs typeface="Calibri" pitchFamily="34" charset="0"/>
-              </a:rPr>
-              <a:t>Repeat for different deployment scenarios</a:t>
-            </a:r>
-          </a:p>
-        </p:txBody>
-      </p:sp>
-      <p:sp>
-        <p:nvSpPr>
-          <p:cNvPr id="22" name="TextBox 21"/>
-          <p:cNvSpPr txBox="1"/>
-          <p:nvPr/>
-        </p:nvSpPr>
-        <p:spPr>
-          <a:xfrm>
-            <a:off x="2743200" y="899397"/>
-            <a:ext cx="609600" cy="338554"/>
-          </a:xfrm>
-          <a:prstGeom prst="rect">
-            <a:avLst/>
-          </a:prstGeom>
-          <a:noFill/>
-        </p:spPr>
-        <p:txBody>
-          <a:bodyPr>
-            <a:spAutoFit/>
-            <a:scene3d>
-              <a:camera prst="orthographicFront"/>
-              <a:lightRig rig="soft" dir="tl">
-                <a:rot lat="0" lon="0" rev="0"/>
-              </a:lightRig>
-            </a:scene3d>
-            <a:sp3d contourW="25400" prstMaterial="matte">
-              <a:bevelT w="25400" h="55880" prst="artDeco"/>
-              <a:contourClr>
-                <a:schemeClr val="accent2">
-                  <a:tint val="20000"/>
-                </a:schemeClr>
-              </a:contourClr>
-            </a:sp3d>
-          </a:bodyPr>
-          <a:lstStyle/>
-          <a:p>
-            <a:pPr algn="ctr">
-              <a:defRPr/>
-            </a:pPr>
-            <a:r>
-              <a:rPr lang="en-US" sz="1600" b="1" spc="50" dirty="0">
+            <a:ln w="19050" algn="ctr">
+              <a:solidFill>
+                <a:schemeClr val="tx1"/>
+              </a:solidFill>
+              <a:round/>
+              <a:headEnd/>
+              <a:tailEnd type="triangle" w="med" len="med"/>
+            </a:ln>
+            <a:extLst>
+              <a:ext uri="{909E8E84-426E-40DD-AFC4-6F175D3DCCD1}">
+                <a14:hiddenFill xmlns:a14="http://schemas.microsoft.com/office/drawing/2010/main">
+                  <a:noFill/>
+                </a14:hiddenFill>
+              </a:ext>
+            </a:extLst>
+          </p:spPr>
+        </p:cxnSp>
+        <p:cxnSp>
+          <p:nvCxnSpPr>
+            <p:cNvPr id="25619" name="Straight Arrow Connector 21"/>
+            <p:cNvCxnSpPr>
+              <a:cxnSpLocks noChangeShapeType="1"/>
+            </p:cNvCxnSpPr>
+            <p:nvPr/>
+          </p:nvCxnSpPr>
+          <p:spPr bwMode="auto">
+            <a:xfrm>
+              <a:off x="4229100" y="6016625"/>
+              <a:ext cx="0" cy="198438"/>
+            </a:xfrm>
+            <a:prstGeom prst="straightConnector1">
+              <a:avLst/>
+            </a:prstGeom>
+            <a:noFill/>
+            <a:ln w="19050" algn="ctr">
+              <a:solidFill>
+                <a:schemeClr val="tx1"/>
+              </a:solidFill>
+              <a:round/>
+              <a:headEnd/>
+              <a:tailEnd type="triangle" w="med" len="med"/>
+            </a:ln>
+            <a:extLst>
+              <a:ext uri="{909E8E84-426E-40DD-AFC4-6F175D3DCCD1}">
+                <a14:hiddenFill xmlns:a14="http://schemas.microsoft.com/office/drawing/2010/main">
+                  <a:noFill/>
+                </a14:hiddenFill>
+              </a:ext>
+            </a:extLst>
+          </p:spPr>
+        </p:cxnSp>
+        <p:sp>
+          <p:nvSpPr>
+            <p:cNvPr id="25620" name="TextBox 15"/>
+            <p:cNvSpPr txBox="1">
+              <a:spLocks noChangeArrowheads="1"/>
+            </p:cNvSpPr>
+            <p:nvPr/>
+          </p:nvSpPr>
+          <p:spPr bwMode="auto">
+            <a:xfrm>
+              <a:off x="5486400" y="2571750"/>
+              <a:ext cx="1654175" cy="338138"/>
+            </a:xfrm>
+            <a:prstGeom prst="rect">
+              <a:avLst/>
+            </a:prstGeom>
+            <a:noFill/>
+            <a:ln>
+              <a:noFill/>
+            </a:ln>
+            <a:extLst>
+              <a:ext uri="{909E8E84-426E-40DD-AFC4-6F175D3DCCD1}">
+                <a14:hiddenFill xmlns:a14="http://schemas.microsoft.com/office/drawing/2010/main">
+                  <a:solidFill>
+                    <a:srgbClr val="FFFFFF"/>
+                  </a:solidFill>
+                </a14:hiddenFill>
+              </a:ext>
+              <a:ext uri="{91240B29-F687-4F45-9708-019B960494DF}">
+                <a14:hiddenLine xmlns:a14="http://schemas.microsoft.com/office/drawing/2010/main" w="9525">
+                  <a:solidFill>
+                    <a:srgbClr val="000000"/>
+                  </a:solidFill>
+                  <a:miter lim="800000"/>
+                  <a:headEnd/>
+                  <a:tailEnd/>
+                </a14:hiddenLine>
+              </a:ext>
+            </a:extLst>
+          </p:spPr>
+          <p:txBody>
+            <a:bodyPr>
+              <a:spAutoFit/>
+            </a:bodyPr>
+            <a:lstStyle>
+              <a:lvl1pPr eaLnBrk="0" hangingPunct="0">
+                <a:defRPr sz="3000">
+                  <a:solidFill>
+                    <a:schemeClr val="bg1"/>
+                  </a:solidFill>
+                  <a:latin typeface="Arial" charset="0"/>
+                  <a:ea typeface="ＭＳ Ｐゴシック" pitchFamily="34" charset="-128"/>
+                </a:defRPr>
+              </a:lvl1pPr>
+              <a:lvl2pPr marL="742950" indent="-285750" eaLnBrk="0" hangingPunct="0">
+                <a:defRPr sz="3000">
+                  <a:solidFill>
+                    <a:schemeClr val="bg1"/>
+                  </a:solidFill>
+                  <a:latin typeface="Arial" charset="0"/>
+                  <a:ea typeface="ＭＳ Ｐゴシック" pitchFamily="34" charset="-128"/>
+                </a:defRPr>
+              </a:lvl2pPr>
+              <a:lvl3pPr marL="1143000" indent="-228600" eaLnBrk="0" hangingPunct="0">
+                <a:defRPr sz="3000">
+                  <a:solidFill>
+                    <a:schemeClr val="bg1"/>
+                  </a:solidFill>
+                  <a:latin typeface="Arial" charset="0"/>
+                  <a:ea typeface="ＭＳ Ｐゴシック" pitchFamily="34" charset="-128"/>
+                </a:defRPr>
+              </a:lvl3pPr>
+              <a:lvl4pPr marL="1600200" indent="-228600" eaLnBrk="0" hangingPunct="0">
+                <a:defRPr sz="3000">
+                  <a:solidFill>
+                    <a:schemeClr val="bg1"/>
+                  </a:solidFill>
+                  <a:latin typeface="Arial" charset="0"/>
+                  <a:ea typeface="ＭＳ Ｐゴシック" pitchFamily="34" charset="-128"/>
+                </a:defRPr>
+              </a:lvl4pPr>
+              <a:lvl5pPr marL="2057400" indent="-228600" eaLnBrk="0" hangingPunct="0">
+                <a:defRPr sz="3000">
+                  <a:solidFill>
+                    <a:schemeClr val="bg1"/>
+                  </a:solidFill>
+                  <a:latin typeface="Arial" charset="0"/>
+                  <a:ea typeface="ＭＳ Ｐゴシック" pitchFamily="34" charset="-128"/>
+                </a:defRPr>
+              </a:lvl5pPr>
+              <a:lvl6pPr marL="2514600" indent="-228600" eaLnBrk="0" fontAlgn="base" hangingPunct="0">
+                <a:spcBef>
+                  <a:spcPct val="0"/>
+                </a:spcBef>
+                <a:spcAft>
+                  <a:spcPct val="0"/>
+                </a:spcAft>
+                <a:defRPr sz="3000">
+                  <a:solidFill>
+                    <a:schemeClr val="bg1"/>
+                  </a:solidFill>
+                  <a:latin typeface="Arial" charset="0"/>
+                  <a:ea typeface="ＭＳ Ｐゴシック" pitchFamily="34" charset="-128"/>
+                </a:defRPr>
+              </a:lvl6pPr>
+              <a:lvl7pPr marL="2971800" indent="-228600" eaLnBrk="0" fontAlgn="base" hangingPunct="0">
+                <a:spcBef>
+                  <a:spcPct val="0"/>
+                </a:spcBef>
+                <a:spcAft>
+                  <a:spcPct val="0"/>
+                </a:spcAft>
+                <a:defRPr sz="3000">
+                  <a:solidFill>
+                    <a:schemeClr val="bg1"/>
+                  </a:solidFill>
+                  <a:latin typeface="Arial" charset="0"/>
+                  <a:ea typeface="ＭＳ Ｐゴシック" pitchFamily="34" charset="-128"/>
+                </a:defRPr>
+              </a:lvl7pPr>
+              <a:lvl8pPr marL="3429000" indent="-228600" eaLnBrk="0" fontAlgn="base" hangingPunct="0">
+                <a:spcBef>
+                  <a:spcPct val="0"/>
+                </a:spcBef>
+                <a:spcAft>
+                  <a:spcPct val="0"/>
+                </a:spcAft>
+                <a:defRPr sz="3000">
+                  <a:solidFill>
+                    <a:schemeClr val="bg1"/>
+                  </a:solidFill>
+                  <a:latin typeface="Arial" charset="0"/>
+                  <a:ea typeface="ＭＳ Ｐゴシック" pitchFamily="34" charset="-128"/>
+                </a:defRPr>
+              </a:lvl8pPr>
+              <a:lvl9pPr marL="3886200" indent="-228600" eaLnBrk="0" fontAlgn="base" hangingPunct="0">
+                <a:spcBef>
+                  <a:spcPct val="0"/>
+                </a:spcBef>
+                <a:spcAft>
+                  <a:spcPct val="0"/>
+                </a:spcAft>
+                <a:defRPr sz="3000">
+                  <a:solidFill>
+                    <a:schemeClr val="bg1"/>
+                  </a:solidFill>
+                  <a:latin typeface="Arial" charset="0"/>
+                  <a:ea typeface="ＭＳ Ｐゴシック" pitchFamily="34" charset="-128"/>
+                </a:defRPr>
+              </a:lvl9pPr>
+            </a:lstStyle>
+            <a:p>
+              <a:pPr eaLnBrk="1" hangingPunct="1"/>
+              <a:r>
+                <a:rPr lang="en-US" sz="1600">
+                  <a:solidFill>
+                    <a:schemeClr val="tx1"/>
+                  </a:solidFill>
+                  <a:latin typeface="Calibri" pitchFamily="34" charset="0"/>
+                  <a:cs typeface="Calibri" pitchFamily="34" charset="0"/>
+                </a:rPr>
+                <a:t>VCS specific</a:t>
+              </a:r>
+            </a:p>
+          </p:txBody>
+        </p:sp>
+        <p:sp>
+          <p:nvSpPr>
+            <p:cNvPr id="22" name="TextBox 21"/>
+            <p:cNvSpPr txBox="1"/>
+            <p:nvPr/>
+          </p:nvSpPr>
+          <p:spPr>
+            <a:xfrm>
+              <a:off x="2743200" y="899397"/>
+              <a:ext cx="609600" cy="338554"/>
+            </a:xfrm>
+            <a:prstGeom prst="rect">
+              <a:avLst/>
+            </a:prstGeom>
+            <a:noFill/>
+          </p:spPr>
+          <p:txBody>
+            <a:bodyPr>
+              <a:spAutoFit/>
+              <a:scene3d>
+                <a:camera prst="orthographicFront"/>
+                <a:lightRig rig="soft" dir="tl">
+                  <a:rot lat="0" lon="0" rev="0"/>
+                </a:lightRig>
+              </a:scene3d>
+              <a:sp3d contourW="25400" prstMaterial="matte">
+                <a:bevelT w="25400" h="55880" prst="artDeco"/>
+                <a:contourClr>
+                  <a:schemeClr val="accent2">
+                    <a:tint val="20000"/>
+                  </a:schemeClr>
+                </a:contourClr>
+              </a:sp3d>
+            </a:bodyPr>
+            <a:lstStyle/>
+            <a:p>
+              <a:pPr algn="ctr">
+                <a:defRPr/>
+              </a:pPr>
+              <a:r>
+                <a:rPr lang="en-US" sz="1600" b="1" spc="50" dirty="0">
+                  <a:ln w="11430"/>
+                  <a:gradFill>
+                    <a:gsLst>
+                      <a:gs pos="25000">
+                        <a:schemeClr val="accent2">
+                          <a:satMod val="155000"/>
+                        </a:schemeClr>
+                      </a:gs>
+                      <a:gs pos="100000">
+                        <a:schemeClr val="accent2">
+                          <a:shade val="45000"/>
+                          <a:satMod val="165000"/>
+                        </a:schemeClr>
+                      </a:gs>
+                    </a:gsLst>
+                    <a:lin ang="5400000"/>
+                  </a:gradFill>
+                  <a:effectLst>
+                    <a:outerShdw blurRad="76200" dist="50800" dir="5400000" algn="tl" rotWithShape="0">
+                      <a:srgbClr val="000000">
+                        <a:alpha val="65000"/>
+                      </a:srgbClr>
+                    </a:outerShdw>
+                  </a:effectLst>
+                  <a:ea typeface="ＭＳ Ｐゴシック" charset="-128"/>
+                </a:rPr>
+                <a:t>1</a:t>
+              </a:r>
+            </a:p>
+          </p:txBody>
+        </p:sp>
+        <p:sp>
+          <p:nvSpPr>
+            <p:cNvPr id="23" name="TextBox 22"/>
+            <p:cNvSpPr txBox="1"/>
+            <p:nvPr/>
+          </p:nvSpPr>
+          <p:spPr>
+            <a:xfrm>
+              <a:off x="2743200" y="1715512"/>
+              <a:ext cx="609600" cy="338554"/>
+            </a:xfrm>
+            <a:prstGeom prst="rect">
+              <a:avLst/>
+            </a:prstGeom>
+            <a:noFill/>
+          </p:spPr>
+          <p:txBody>
+            <a:bodyPr>
+              <a:spAutoFit/>
+              <a:scene3d>
+                <a:camera prst="orthographicFront"/>
+                <a:lightRig rig="soft" dir="tl">
+                  <a:rot lat="0" lon="0" rev="0"/>
+                </a:lightRig>
+              </a:scene3d>
+              <a:sp3d contourW="25400" prstMaterial="matte">
+                <a:bevelT w="25400" h="55880" prst="artDeco"/>
+                <a:contourClr>
+                  <a:schemeClr val="accent2">
+                    <a:tint val="20000"/>
+                  </a:schemeClr>
+                </a:contourClr>
+              </a:sp3d>
+            </a:bodyPr>
+            <a:lstStyle/>
+            <a:p>
+              <a:pPr algn="ctr">
+                <a:defRPr/>
+              </a:pPr>
+              <a:r>
+                <a:rPr lang="en-US" sz="1600" b="1" spc="50" dirty="0">
+                  <a:ln w="11430"/>
+                  <a:gradFill>
+                    <a:gsLst>
+                      <a:gs pos="25000">
+                        <a:schemeClr val="accent2">
+                          <a:satMod val="155000"/>
+                        </a:schemeClr>
+                      </a:gs>
+                      <a:gs pos="100000">
+                        <a:schemeClr val="accent2">
+                          <a:shade val="45000"/>
+                          <a:satMod val="165000"/>
+                        </a:schemeClr>
+                      </a:gs>
+                    </a:gsLst>
+                    <a:lin ang="5400000"/>
+                  </a:gradFill>
+                  <a:effectLst>
+                    <a:outerShdw blurRad="76200" dist="50800" dir="5400000" algn="tl" rotWithShape="0">
+                      <a:srgbClr val="000000">
+                        <a:alpha val="65000"/>
+                      </a:srgbClr>
+                    </a:outerShdw>
+                  </a:effectLst>
+                  <a:ea typeface="ＭＳ Ｐゴシック" charset="-128"/>
+                </a:rPr>
+                <a:t>2</a:t>
+              </a:r>
+            </a:p>
+          </p:txBody>
+        </p:sp>
+        <p:sp>
+          <p:nvSpPr>
+            <p:cNvPr id="24" name="TextBox 23"/>
+            <p:cNvSpPr txBox="1"/>
+            <p:nvPr/>
+          </p:nvSpPr>
+          <p:spPr>
+            <a:xfrm>
+              <a:off x="2743200" y="2587962"/>
+              <a:ext cx="609600" cy="338554"/>
+            </a:xfrm>
+            <a:prstGeom prst="rect">
+              <a:avLst/>
+            </a:prstGeom>
+            <a:noFill/>
+          </p:spPr>
+          <p:txBody>
+            <a:bodyPr>
+              <a:spAutoFit/>
+              <a:scene3d>
+                <a:camera prst="orthographicFront"/>
+                <a:lightRig rig="soft" dir="tl">
+                  <a:rot lat="0" lon="0" rev="0"/>
+                </a:lightRig>
+              </a:scene3d>
+              <a:sp3d contourW="25400" prstMaterial="matte">
+                <a:bevelT w="25400" h="55880" prst="artDeco"/>
+                <a:contourClr>
+                  <a:schemeClr val="accent2">
+                    <a:tint val="20000"/>
+                  </a:schemeClr>
+                </a:contourClr>
+              </a:sp3d>
+            </a:bodyPr>
+            <a:lstStyle/>
+            <a:p>
+              <a:pPr algn="ctr">
+                <a:defRPr/>
+              </a:pPr>
+              <a:r>
+                <a:rPr lang="en-US" sz="1600" b="1" spc="50" dirty="0">
+                  <a:ln w="11430"/>
+                  <a:gradFill>
+                    <a:gsLst>
+                      <a:gs pos="25000">
+                        <a:schemeClr val="accent2">
+                          <a:satMod val="155000"/>
+                        </a:schemeClr>
+                      </a:gs>
+                      <a:gs pos="100000">
+                        <a:schemeClr val="accent2">
+                          <a:shade val="45000"/>
+                          <a:satMod val="165000"/>
+                        </a:schemeClr>
+                      </a:gs>
+                    </a:gsLst>
+                    <a:lin ang="5400000"/>
+                  </a:gradFill>
+                  <a:effectLst>
+                    <a:outerShdw blurRad="76200" dist="50800" dir="5400000" algn="tl" rotWithShape="0">
+                      <a:srgbClr val="000000">
+                        <a:alpha val="65000"/>
+                      </a:srgbClr>
+                    </a:outerShdw>
+                  </a:effectLst>
+                  <a:ea typeface="ＭＳ Ｐゴシック" charset="-128"/>
+                </a:rPr>
+                <a:t>3</a:t>
+              </a:r>
+            </a:p>
+          </p:txBody>
+        </p:sp>
+        <p:sp>
+          <p:nvSpPr>
+            <p:cNvPr id="25" name="TextBox 24"/>
+            <p:cNvSpPr txBox="1"/>
+            <p:nvPr/>
+          </p:nvSpPr>
+          <p:spPr>
+            <a:xfrm>
+              <a:off x="2743200" y="3493800"/>
+              <a:ext cx="609600" cy="338554"/>
+            </a:xfrm>
+            <a:prstGeom prst="rect">
+              <a:avLst/>
+            </a:prstGeom>
+            <a:noFill/>
+          </p:spPr>
+          <p:txBody>
+            <a:bodyPr>
+              <a:spAutoFit/>
+              <a:scene3d>
+                <a:camera prst="orthographicFront"/>
+                <a:lightRig rig="soft" dir="tl">
+                  <a:rot lat="0" lon="0" rev="0"/>
+                </a:lightRig>
+              </a:scene3d>
+              <a:sp3d contourW="25400" prstMaterial="matte">
+                <a:bevelT w="25400" h="55880" prst="artDeco"/>
+                <a:contourClr>
+                  <a:schemeClr val="accent2">
+                    <a:tint val="20000"/>
+                  </a:schemeClr>
+                </a:contourClr>
+              </a:sp3d>
+            </a:bodyPr>
+            <a:lstStyle/>
+            <a:p>
+              <a:pPr algn="ctr">
+                <a:defRPr/>
+              </a:pPr>
+              <a:r>
+                <a:rPr lang="en-US" sz="1600" b="1" spc="50" dirty="0" smtClean="0">
+                  <a:ln w="11430"/>
+                  <a:gradFill>
+                    <a:gsLst>
+                      <a:gs pos="25000">
+                        <a:schemeClr val="accent2">
+                          <a:satMod val="155000"/>
+                        </a:schemeClr>
+                      </a:gs>
+                      <a:gs pos="100000">
+                        <a:schemeClr val="accent2">
+                          <a:shade val="45000"/>
+                          <a:satMod val="165000"/>
+                        </a:schemeClr>
+                      </a:gs>
+                    </a:gsLst>
+                    <a:lin ang="5400000"/>
+                  </a:gradFill>
+                  <a:effectLst>
+                    <a:outerShdw blurRad="76200" dist="50800" dir="5400000" algn="tl" rotWithShape="0">
+                      <a:srgbClr val="000000">
+                        <a:alpha val="65000"/>
+                      </a:srgbClr>
+                    </a:outerShdw>
+                  </a:effectLst>
+                  <a:ea typeface="ＭＳ Ｐゴシック" charset="-128"/>
+                </a:rPr>
+                <a:t>4.1</a:t>
+              </a:r>
+              <a:endParaRPr lang="en-US" sz="1600" b="1" spc="50" dirty="0">
                 <a:ln w="11430"/>
                 <a:gradFill>
                   <a:gsLst>
@@ -14412,53 +14726,370 @@
                   </a:outerShdw>
                 </a:effectLst>
                 <a:ea typeface="ＭＳ Ｐゴシック" charset="-128"/>
-              </a:rPr>
-              <a:t>1</a:t>
-            </a:r>
-          </a:p>
-        </p:txBody>
-      </p:sp>
-      <p:sp>
-        <p:nvSpPr>
-          <p:cNvPr id="23" name="TextBox 22"/>
-          <p:cNvSpPr txBox="1"/>
-          <p:nvPr/>
-        </p:nvSpPr>
-        <p:spPr>
-          <a:xfrm>
-            <a:off x="2743200" y="1715512"/>
-            <a:ext cx="609600" cy="338554"/>
-          </a:xfrm>
-          <a:prstGeom prst="rect">
-            <a:avLst/>
-          </a:prstGeom>
-          <a:noFill/>
-        </p:spPr>
-        <p:txBody>
-          <a:bodyPr>
-            <a:spAutoFit/>
-            <a:scene3d>
-              <a:camera prst="orthographicFront"/>
-              <a:lightRig rig="soft" dir="tl">
-                <a:rot lat="0" lon="0" rev="0"/>
-              </a:lightRig>
-            </a:scene3d>
-            <a:sp3d contourW="25400" prstMaterial="matte">
-              <a:bevelT w="25400" h="55880" prst="artDeco"/>
-              <a:contourClr>
-                <a:schemeClr val="accent2">
-                  <a:tint val="20000"/>
-                </a:schemeClr>
-              </a:contourClr>
-            </a:sp3d>
-          </a:bodyPr>
-          <a:lstStyle/>
-          <a:p>
-            <a:pPr algn="ctr">
-              <a:defRPr/>
-            </a:pPr>
-            <a:r>
-              <a:rPr lang="en-US" sz="1600" b="1" spc="50" dirty="0">
+              </a:endParaRPr>
+            </a:p>
+          </p:txBody>
+        </p:sp>
+        <p:sp>
+          <p:nvSpPr>
+            <p:cNvPr id="26" name="TextBox 25"/>
+            <p:cNvSpPr txBox="1"/>
+            <p:nvPr/>
+          </p:nvSpPr>
+          <p:spPr>
+            <a:xfrm>
+              <a:off x="2743200" y="4333096"/>
+              <a:ext cx="609600" cy="338554"/>
+            </a:xfrm>
+            <a:prstGeom prst="rect">
+              <a:avLst/>
+            </a:prstGeom>
+            <a:noFill/>
+          </p:spPr>
+          <p:txBody>
+            <a:bodyPr>
+              <a:spAutoFit/>
+              <a:scene3d>
+                <a:camera prst="orthographicFront"/>
+                <a:lightRig rig="soft" dir="tl">
+                  <a:rot lat="0" lon="0" rev="0"/>
+                </a:lightRig>
+              </a:scene3d>
+              <a:sp3d contourW="25400" prstMaterial="matte">
+                <a:bevelT w="25400" h="55880" prst="artDeco"/>
+                <a:contourClr>
+                  <a:schemeClr val="accent2">
+                    <a:tint val="20000"/>
+                  </a:schemeClr>
+                </a:contourClr>
+              </a:sp3d>
+            </a:bodyPr>
+            <a:lstStyle/>
+            <a:p>
+              <a:pPr algn="ctr">
+                <a:defRPr/>
+              </a:pPr>
+              <a:r>
+                <a:rPr lang="en-US" sz="1600" b="1" spc="50" dirty="0">
+                  <a:ln w="11430"/>
+                  <a:gradFill>
+                    <a:gsLst>
+                      <a:gs pos="25000">
+                        <a:schemeClr val="accent2">
+                          <a:satMod val="155000"/>
+                        </a:schemeClr>
+                      </a:gs>
+                      <a:gs pos="100000">
+                        <a:schemeClr val="accent2">
+                          <a:shade val="45000"/>
+                          <a:satMod val="165000"/>
+                        </a:schemeClr>
+                      </a:gs>
+                    </a:gsLst>
+                    <a:lin ang="5400000"/>
+                  </a:gradFill>
+                  <a:effectLst>
+                    <a:outerShdw blurRad="76200" dist="50800" dir="5400000" algn="tl" rotWithShape="0">
+                      <a:srgbClr val="000000">
+                        <a:alpha val="65000"/>
+                      </a:srgbClr>
+                    </a:outerShdw>
+                  </a:effectLst>
+                  <a:ea typeface="ＭＳ Ｐゴシック" charset="-128"/>
+                </a:rPr>
+                <a:t>5</a:t>
+              </a:r>
+            </a:p>
+          </p:txBody>
+        </p:sp>
+        <p:sp>
+          <p:nvSpPr>
+            <p:cNvPr id="27" name="TextBox 26"/>
+            <p:cNvSpPr txBox="1"/>
+            <p:nvPr/>
+          </p:nvSpPr>
+          <p:spPr>
+            <a:xfrm>
+              <a:off x="2743200" y="5418979"/>
+              <a:ext cx="609600" cy="338554"/>
+            </a:xfrm>
+            <a:prstGeom prst="rect">
+              <a:avLst/>
+            </a:prstGeom>
+            <a:noFill/>
+          </p:spPr>
+          <p:txBody>
+            <a:bodyPr>
+              <a:spAutoFit/>
+              <a:scene3d>
+                <a:camera prst="orthographicFront"/>
+                <a:lightRig rig="soft" dir="tl">
+                  <a:rot lat="0" lon="0" rev="0"/>
+                </a:lightRig>
+              </a:scene3d>
+              <a:sp3d contourW="25400" prstMaterial="matte">
+                <a:bevelT w="25400" h="55880" prst="artDeco"/>
+                <a:contourClr>
+                  <a:schemeClr val="accent2">
+                    <a:tint val="20000"/>
+                  </a:schemeClr>
+                </a:contourClr>
+              </a:sp3d>
+            </a:bodyPr>
+            <a:lstStyle/>
+            <a:p>
+              <a:pPr algn="ctr">
+                <a:defRPr/>
+              </a:pPr>
+              <a:r>
+                <a:rPr lang="en-US" sz="1600" b="1" spc="50" dirty="0">
+                  <a:ln w="11430"/>
+                  <a:gradFill>
+                    <a:gsLst>
+                      <a:gs pos="25000">
+                        <a:schemeClr val="accent2">
+                          <a:satMod val="155000"/>
+                        </a:schemeClr>
+                      </a:gs>
+                      <a:gs pos="100000">
+                        <a:schemeClr val="accent2">
+                          <a:shade val="45000"/>
+                          <a:satMod val="165000"/>
+                        </a:schemeClr>
+                      </a:gs>
+                    </a:gsLst>
+                    <a:lin ang="5400000"/>
+                  </a:gradFill>
+                  <a:effectLst>
+                    <a:outerShdw blurRad="76200" dist="50800" dir="5400000" algn="tl" rotWithShape="0">
+                      <a:srgbClr val="000000">
+                        <a:alpha val="65000"/>
+                      </a:srgbClr>
+                    </a:outerShdw>
+                  </a:effectLst>
+                  <a:ea typeface="ＭＳ Ｐゴシック" charset="-128"/>
+                </a:rPr>
+                <a:t>6</a:t>
+              </a:r>
+            </a:p>
+          </p:txBody>
+        </p:sp>
+        <p:sp>
+          <p:nvSpPr>
+            <p:cNvPr id="28" name="TextBox 27"/>
+            <p:cNvSpPr txBox="1"/>
+            <p:nvPr/>
+          </p:nvSpPr>
+          <p:spPr>
+            <a:xfrm>
+              <a:off x="2743200" y="6168866"/>
+              <a:ext cx="609600" cy="338554"/>
+            </a:xfrm>
+            <a:prstGeom prst="rect">
+              <a:avLst/>
+            </a:prstGeom>
+            <a:noFill/>
+          </p:spPr>
+          <p:txBody>
+            <a:bodyPr>
+              <a:spAutoFit/>
+              <a:scene3d>
+                <a:camera prst="orthographicFront"/>
+                <a:lightRig rig="soft" dir="tl">
+                  <a:rot lat="0" lon="0" rev="0"/>
+                </a:lightRig>
+              </a:scene3d>
+              <a:sp3d contourW="25400" prstMaterial="matte">
+                <a:bevelT w="25400" h="55880" prst="artDeco"/>
+                <a:contourClr>
+                  <a:schemeClr val="accent2">
+                    <a:tint val="20000"/>
+                  </a:schemeClr>
+                </a:contourClr>
+              </a:sp3d>
+            </a:bodyPr>
+            <a:lstStyle/>
+            <a:p>
+              <a:pPr algn="ctr">
+                <a:defRPr/>
+              </a:pPr>
+              <a:r>
+                <a:rPr lang="en-US" sz="1600" b="1" spc="50" dirty="0">
+                  <a:ln w="11430"/>
+                  <a:gradFill>
+                    <a:gsLst>
+                      <a:gs pos="25000">
+                        <a:schemeClr val="accent2">
+                          <a:satMod val="155000"/>
+                        </a:schemeClr>
+                      </a:gs>
+                      <a:gs pos="100000">
+                        <a:schemeClr val="accent2">
+                          <a:shade val="45000"/>
+                          <a:satMod val="165000"/>
+                        </a:schemeClr>
+                      </a:gs>
+                    </a:gsLst>
+                    <a:lin ang="5400000"/>
+                  </a:gradFill>
+                  <a:effectLst>
+                    <a:outerShdw blurRad="76200" dist="50800" dir="5400000" algn="tl" rotWithShape="0">
+                      <a:srgbClr val="000000">
+                        <a:alpha val="65000"/>
+                      </a:srgbClr>
+                    </a:outerShdw>
+                  </a:effectLst>
+                  <a:ea typeface="ＭＳ Ｐゴシック" charset="-128"/>
+                </a:rPr>
+                <a:t>7</a:t>
+              </a:r>
+            </a:p>
+          </p:txBody>
+        </p:sp>
+        <p:sp>
+          <p:nvSpPr>
+            <p:cNvPr id="30" name="TextBox 29"/>
+            <p:cNvSpPr txBox="1"/>
+            <p:nvPr/>
+          </p:nvSpPr>
+          <p:spPr>
+            <a:xfrm>
+              <a:off x="5715000" y="3363686"/>
+              <a:ext cx="1905000" cy="584775"/>
+            </a:xfrm>
+            <a:prstGeom prst="rect">
+              <a:avLst/>
+            </a:prstGeom>
+            <a:solidFill>
+              <a:schemeClr val="accent5">
+                <a:lumMod val="40000"/>
+                <a:lumOff val="60000"/>
+              </a:schemeClr>
+            </a:solidFill>
+          </p:spPr>
+          <p:style>
+            <a:lnRef idx="2">
+              <a:schemeClr val="dk1"/>
+            </a:lnRef>
+            <a:fillRef idx="1">
+              <a:schemeClr val="lt1"/>
+            </a:fillRef>
+            <a:effectRef idx="0">
+              <a:schemeClr val="dk1"/>
+            </a:effectRef>
+            <a:fontRef idx="minor">
+              <a:schemeClr val="dk1"/>
+            </a:fontRef>
+          </p:style>
+          <p:txBody>
+            <a:bodyPr>
+              <a:spAutoFit/>
+            </a:bodyPr>
+            <a:lstStyle/>
+            <a:p>
+              <a:pPr algn="ctr">
+                <a:defRPr/>
+              </a:pPr>
+              <a:r>
+                <a:rPr lang="en-US" sz="1600" dirty="0">
+                  <a:solidFill>
+                    <a:schemeClr val="tx1"/>
+                  </a:solidFill>
+                  <a:latin typeface="Calibri" pitchFamily="34" charset="0"/>
+                  <a:cs typeface="Calibri" pitchFamily="34" charset="0"/>
+                </a:rPr>
+                <a:t>Initialize VCS </a:t>
+              </a:r>
+              <a:r>
+                <a:rPr lang="en-US" sz="1600" dirty="0" smtClean="0">
+                  <a:solidFill>
+                    <a:schemeClr val="tx1"/>
+                  </a:solidFill>
+                  <a:latin typeface="Calibri" pitchFamily="34" charset="0"/>
+                  <a:cs typeface="Calibri" pitchFamily="34" charset="0"/>
+                </a:rPr>
+                <a:t>Base Folders (admin)</a:t>
+              </a:r>
+              <a:endParaRPr lang="en-US" sz="1600" dirty="0">
+                <a:solidFill>
+                  <a:schemeClr val="tx1"/>
+                </a:solidFill>
+                <a:latin typeface="Calibri" pitchFamily="34" charset="0"/>
+                <a:cs typeface="Calibri" pitchFamily="34" charset="0"/>
+              </a:endParaRPr>
+            </a:p>
+          </p:txBody>
+        </p:sp>
+        <p:sp>
+          <p:nvSpPr>
+            <p:cNvPr id="31" name="TextBox 30"/>
+            <p:cNvSpPr txBox="1"/>
+            <p:nvPr/>
+          </p:nvSpPr>
+          <p:spPr>
+            <a:xfrm>
+              <a:off x="5181600" y="3487223"/>
+              <a:ext cx="609600" cy="338554"/>
+            </a:xfrm>
+            <a:prstGeom prst="rect">
+              <a:avLst/>
+            </a:prstGeom>
+            <a:noFill/>
+          </p:spPr>
+          <p:txBody>
+            <a:bodyPr>
+              <a:spAutoFit/>
+              <a:scene3d>
+                <a:camera prst="orthographicFront"/>
+                <a:lightRig rig="soft" dir="tl">
+                  <a:rot lat="0" lon="0" rev="0"/>
+                </a:lightRig>
+              </a:scene3d>
+              <a:sp3d contourW="25400" prstMaterial="matte">
+                <a:bevelT w="25400" h="55880" prst="artDeco"/>
+                <a:contourClr>
+                  <a:schemeClr val="accent2">
+                    <a:tint val="20000"/>
+                  </a:schemeClr>
+                </a:contourClr>
+              </a:sp3d>
+            </a:bodyPr>
+            <a:lstStyle/>
+            <a:p>
+              <a:pPr algn="ctr">
+                <a:defRPr/>
+              </a:pPr>
+              <a:r>
+                <a:rPr lang="en-US" sz="1600" b="1" spc="50" dirty="0" smtClean="0">
+                  <a:ln w="11430"/>
+                  <a:gradFill>
+                    <a:gsLst>
+                      <a:gs pos="25000">
+                        <a:schemeClr val="accent2">
+                          <a:satMod val="155000"/>
+                        </a:schemeClr>
+                      </a:gs>
+                      <a:gs pos="100000">
+                        <a:schemeClr val="accent2">
+                          <a:shade val="45000"/>
+                          <a:satMod val="165000"/>
+                        </a:schemeClr>
+                      </a:gs>
+                    </a:gsLst>
+                    <a:lin ang="5400000"/>
+                  </a:gradFill>
+                  <a:effectLst>
+                    <a:outerShdw blurRad="76200" dist="50800" dir="5400000" algn="tl" rotWithShape="0">
+                      <a:srgbClr val="000000">
+                        <a:alpha val="65000"/>
+                      </a:srgbClr>
+                    </a:outerShdw>
+                  </a:effectLst>
+                  <a:ea typeface="ＭＳ Ｐゴシック" charset="-128"/>
+                </a:rPr>
+                <a:t>4.2</a:t>
+              </a:r>
+              <a:endParaRPr lang="en-US" sz="1600" b="1" spc="50" dirty="0">
                 <a:ln w="11430"/>
                 <a:gradFill>
                   <a:gsLst>
@@ -14484,372 +15115,11 @@
                   </a:outerShdw>
                 </a:effectLst>
                 <a:ea typeface="ＭＳ Ｐゴシック" charset="-128"/>
-              </a:rPr>
-              <a:t>2</a:t>
-            </a:r>
-          </a:p>
-        </p:txBody>
-      </p:sp>
-      <p:sp>
-        <p:nvSpPr>
-          <p:cNvPr id="24" name="TextBox 23"/>
-          <p:cNvSpPr txBox="1"/>
-          <p:nvPr/>
-        </p:nvSpPr>
-        <p:spPr>
-          <a:xfrm>
-            <a:off x="2743200" y="2587962"/>
-            <a:ext cx="609600" cy="338554"/>
-          </a:xfrm>
-          <a:prstGeom prst="rect">
-            <a:avLst/>
-          </a:prstGeom>
-          <a:noFill/>
-        </p:spPr>
-        <p:txBody>
-          <a:bodyPr>
-            <a:spAutoFit/>
-            <a:scene3d>
-              <a:camera prst="orthographicFront"/>
-              <a:lightRig rig="soft" dir="tl">
-                <a:rot lat="0" lon="0" rev="0"/>
-              </a:lightRig>
-            </a:scene3d>
-            <a:sp3d contourW="25400" prstMaterial="matte">
-              <a:bevelT w="25400" h="55880" prst="artDeco"/>
-              <a:contourClr>
-                <a:schemeClr val="accent2">
-                  <a:tint val="20000"/>
-                </a:schemeClr>
-              </a:contourClr>
-            </a:sp3d>
-          </a:bodyPr>
-          <a:lstStyle/>
-          <a:p>
-            <a:pPr algn="ctr">
-              <a:defRPr/>
-            </a:pPr>
-            <a:r>
-              <a:rPr lang="en-US" sz="1600" b="1" spc="50" dirty="0">
-                <a:ln w="11430"/>
-                <a:gradFill>
-                  <a:gsLst>
-                    <a:gs pos="25000">
-                      <a:schemeClr val="accent2">
-                        <a:satMod val="155000"/>
-                      </a:schemeClr>
-                    </a:gs>
-                    <a:gs pos="100000">
-                      <a:schemeClr val="accent2">
-                        <a:shade val="45000"/>
-                        <a:satMod val="165000"/>
-                      </a:schemeClr>
-                    </a:gs>
-                  </a:gsLst>
-                  <a:lin ang="5400000"/>
-                </a:gradFill>
-                <a:effectLst>
-                  <a:outerShdw blurRad="76200" dist="50800" dir="5400000" algn="tl" rotWithShape="0">
-                    <a:srgbClr val="000000">
-                      <a:alpha val="65000"/>
-                    </a:srgbClr>
-                  </a:outerShdw>
-                </a:effectLst>
-                <a:ea typeface="ＭＳ Ｐゴシック" charset="-128"/>
-              </a:rPr>
-              <a:t>3</a:t>
-            </a:r>
-          </a:p>
-        </p:txBody>
-      </p:sp>
-      <p:sp>
-        <p:nvSpPr>
-          <p:cNvPr id="25" name="TextBox 24"/>
-          <p:cNvSpPr txBox="1"/>
-          <p:nvPr/>
-        </p:nvSpPr>
-        <p:spPr>
-          <a:xfrm>
-            <a:off x="2743200" y="3493800"/>
-            <a:ext cx="609600" cy="338554"/>
-          </a:xfrm>
-          <a:prstGeom prst="rect">
-            <a:avLst/>
-          </a:prstGeom>
-          <a:noFill/>
-        </p:spPr>
-        <p:txBody>
-          <a:bodyPr>
-            <a:spAutoFit/>
-            <a:scene3d>
-              <a:camera prst="orthographicFront"/>
-              <a:lightRig rig="soft" dir="tl">
-                <a:rot lat="0" lon="0" rev="0"/>
-              </a:lightRig>
-            </a:scene3d>
-            <a:sp3d contourW="25400" prstMaterial="matte">
-              <a:bevelT w="25400" h="55880" prst="artDeco"/>
-              <a:contourClr>
-                <a:schemeClr val="accent2">
-                  <a:tint val="20000"/>
-                </a:schemeClr>
-              </a:contourClr>
-            </a:sp3d>
-          </a:bodyPr>
-          <a:lstStyle/>
-          <a:p>
-            <a:pPr algn="ctr">
-              <a:defRPr/>
-            </a:pPr>
-            <a:r>
-              <a:rPr lang="en-US" sz="1600" b="1" spc="50" dirty="0">
-                <a:ln w="11430"/>
-                <a:gradFill>
-                  <a:gsLst>
-                    <a:gs pos="25000">
-                      <a:schemeClr val="accent2">
-                        <a:satMod val="155000"/>
-                      </a:schemeClr>
-                    </a:gs>
-                    <a:gs pos="100000">
-                      <a:schemeClr val="accent2">
-                        <a:shade val="45000"/>
-                        <a:satMod val="165000"/>
-                      </a:schemeClr>
-                    </a:gs>
-                  </a:gsLst>
-                  <a:lin ang="5400000"/>
-                </a:gradFill>
-                <a:effectLst>
-                  <a:outerShdw blurRad="76200" dist="50800" dir="5400000" algn="tl" rotWithShape="0">
-                    <a:srgbClr val="000000">
-                      <a:alpha val="65000"/>
-                    </a:srgbClr>
-                  </a:outerShdw>
-                </a:effectLst>
-                <a:ea typeface="ＭＳ Ｐゴシック" charset="-128"/>
-              </a:rPr>
-              <a:t>4</a:t>
-            </a:r>
-          </a:p>
-        </p:txBody>
-      </p:sp>
-      <p:sp>
-        <p:nvSpPr>
-          <p:cNvPr id="26" name="TextBox 25"/>
-          <p:cNvSpPr txBox="1"/>
-          <p:nvPr/>
-        </p:nvSpPr>
-        <p:spPr>
-          <a:xfrm>
-            <a:off x="2743200" y="4333096"/>
-            <a:ext cx="609600" cy="338554"/>
-          </a:xfrm>
-          <a:prstGeom prst="rect">
-            <a:avLst/>
-          </a:prstGeom>
-          <a:noFill/>
-        </p:spPr>
-        <p:txBody>
-          <a:bodyPr>
-            <a:spAutoFit/>
-            <a:scene3d>
-              <a:camera prst="orthographicFront"/>
-              <a:lightRig rig="soft" dir="tl">
-                <a:rot lat="0" lon="0" rev="0"/>
-              </a:lightRig>
-            </a:scene3d>
-            <a:sp3d contourW="25400" prstMaterial="matte">
-              <a:bevelT w="25400" h="55880" prst="artDeco"/>
-              <a:contourClr>
-                <a:schemeClr val="accent2">
-                  <a:tint val="20000"/>
-                </a:schemeClr>
-              </a:contourClr>
-            </a:sp3d>
-          </a:bodyPr>
-          <a:lstStyle/>
-          <a:p>
-            <a:pPr algn="ctr">
-              <a:defRPr/>
-            </a:pPr>
-            <a:r>
-              <a:rPr lang="en-US" sz="1600" b="1" spc="50" dirty="0">
-                <a:ln w="11430"/>
-                <a:gradFill>
-                  <a:gsLst>
-                    <a:gs pos="25000">
-                      <a:schemeClr val="accent2">
-                        <a:satMod val="155000"/>
-                      </a:schemeClr>
-                    </a:gs>
-                    <a:gs pos="100000">
-                      <a:schemeClr val="accent2">
-                        <a:shade val="45000"/>
-                        <a:satMod val="165000"/>
-                      </a:schemeClr>
-                    </a:gs>
-                  </a:gsLst>
-                  <a:lin ang="5400000"/>
-                </a:gradFill>
-                <a:effectLst>
-                  <a:outerShdw blurRad="76200" dist="50800" dir="5400000" algn="tl" rotWithShape="0">
-                    <a:srgbClr val="000000">
-                      <a:alpha val="65000"/>
-                    </a:srgbClr>
-                  </a:outerShdw>
-                </a:effectLst>
-                <a:ea typeface="ＭＳ Ｐゴシック" charset="-128"/>
-              </a:rPr>
-              <a:t>5</a:t>
-            </a:r>
-          </a:p>
-        </p:txBody>
-      </p:sp>
-      <p:sp>
-        <p:nvSpPr>
-          <p:cNvPr id="27" name="TextBox 26"/>
-          <p:cNvSpPr txBox="1"/>
-          <p:nvPr/>
-        </p:nvSpPr>
-        <p:spPr>
-          <a:xfrm>
-            <a:off x="2743200" y="5418979"/>
-            <a:ext cx="609600" cy="338554"/>
-          </a:xfrm>
-          <a:prstGeom prst="rect">
-            <a:avLst/>
-          </a:prstGeom>
-          <a:noFill/>
-        </p:spPr>
-        <p:txBody>
-          <a:bodyPr>
-            <a:spAutoFit/>
-            <a:scene3d>
-              <a:camera prst="orthographicFront"/>
-              <a:lightRig rig="soft" dir="tl">
-                <a:rot lat="0" lon="0" rev="0"/>
-              </a:lightRig>
-            </a:scene3d>
-            <a:sp3d contourW="25400" prstMaterial="matte">
-              <a:bevelT w="25400" h="55880" prst="artDeco"/>
-              <a:contourClr>
-                <a:schemeClr val="accent2">
-                  <a:tint val="20000"/>
-                </a:schemeClr>
-              </a:contourClr>
-            </a:sp3d>
-          </a:bodyPr>
-          <a:lstStyle/>
-          <a:p>
-            <a:pPr algn="ctr">
-              <a:defRPr/>
-            </a:pPr>
-            <a:r>
-              <a:rPr lang="en-US" sz="1600" b="1" spc="50" dirty="0">
-                <a:ln w="11430"/>
-                <a:gradFill>
-                  <a:gsLst>
-                    <a:gs pos="25000">
-                      <a:schemeClr val="accent2">
-                        <a:satMod val="155000"/>
-                      </a:schemeClr>
-                    </a:gs>
-                    <a:gs pos="100000">
-                      <a:schemeClr val="accent2">
-                        <a:shade val="45000"/>
-                        <a:satMod val="165000"/>
-                      </a:schemeClr>
-                    </a:gs>
-                  </a:gsLst>
-                  <a:lin ang="5400000"/>
-                </a:gradFill>
-                <a:effectLst>
-                  <a:outerShdw blurRad="76200" dist="50800" dir="5400000" algn="tl" rotWithShape="0">
-                    <a:srgbClr val="000000">
-                      <a:alpha val="65000"/>
-                    </a:srgbClr>
-                  </a:outerShdw>
-                </a:effectLst>
-                <a:ea typeface="ＭＳ Ｐゴシック" charset="-128"/>
-              </a:rPr>
-              <a:t>6</a:t>
-            </a:r>
-          </a:p>
-        </p:txBody>
-      </p:sp>
-      <p:sp>
-        <p:nvSpPr>
-          <p:cNvPr id="28" name="TextBox 27"/>
-          <p:cNvSpPr txBox="1"/>
-          <p:nvPr/>
-        </p:nvSpPr>
-        <p:spPr>
-          <a:xfrm>
-            <a:off x="2743200" y="6168866"/>
-            <a:ext cx="609600" cy="338554"/>
-          </a:xfrm>
-          <a:prstGeom prst="rect">
-            <a:avLst/>
-          </a:prstGeom>
-          <a:noFill/>
-        </p:spPr>
-        <p:txBody>
-          <a:bodyPr>
-            <a:spAutoFit/>
-            <a:scene3d>
-              <a:camera prst="orthographicFront"/>
-              <a:lightRig rig="soft" dir="tl">
-                <a:rot lat="0" lon="0" rev="0"/>
-              </a:lightRig>
-            </a:scene3d>
-            <a:sp3d contourW="25400" prstMaterial="matte">
-              <a:bevelT w="25400" h="55880" prst="artDeco"/>
-              <a:contourClr>
-                <a:schemeClr val="accent2">
-                  <a:tint val="20000"/>
-                </a:schemeClr>
-              </a:contourClr>
-            </a:sp3d>
-          </a:bodyPr>
-          <a:lstStyle/>
-          <a:p>
-            <a:pPr algn="ctr">
-              <a:defRPr/>
-            </a:pPr>
-            <a:r>
-              <a:rPr lang="en-US" sz="1600" b="1" spc="50" dirty="0">
-                <a:ln w="11430"/>
-                <a:gradFill>
-                  <a:gsLst>
-                    <a:gs pos="25000">
-                      <a:schemeClr val="accent2">
-                        <a:satMod val="155000"/>
-                      </a:schemeClr>
-                    </a:gs>
-                    <a:gs pos="100000">
-                      <a:schemeClr val="accent2">
-                        <a:shade val="45000"/>
-                        <a:satMod val="165000"/>
-                      </a:schemeClr>
-                    </a:gs>
-                  </a:gsLst>
-                  <a:lin ang="5400000"/>
-                </a:gradFill>
-                <a:effectLst>
-                  <a:outerShdw blurRad="76200" dist="50800" dir="5400000" algn="tl" rotWithShape="0">
-                    <a:srgbClr val="000000">
-                      <a:alpha val="65000"/>
-                    </a:srgbClr>
-                  </a:outerShdw>
-                </a:effectLst>
-                <a:ea typeface="ＭＳ Ｐゴシック" charset="-128"/>
-              </a:rPr>
-              <a:t>7</a:t>
-            </a:r>
-          </a:p>
-        </p:txBody>
-      </p:sp>
+              </a:endParaRPr>
+            </a:p>
+          </p:txBody>
+        </p:sp>
+      </p:grpSp>
     </p:spTree>
     <p:extLst>
       <p:ext uri="{BB962C8B-B14F-4D97-AF65-F5344CB8AC3E}">
@@ -16048,773 +16318,1067 @@
           </a:p>
         </p:txBody>
       </p:sp>
-      <p:sp>
-        <p:nvSpPr>
-          <p:cNvPr id="29" name="TextBox 28"/>
-          <p:cNvSpPr txBox="1"/>
+      <p:grpSp>
+        <p:nvGrpSpPr>
+          <p:cNvPr id="3" name="Group 2"/>
+          <p:cNvGrpSpPr/>
           <p:nvPr/>
-        </p:nvSpPr>
-        <p:spPr>
+        </p:nvGrpSpPr>
+        <p:grpSpPr>
           <a:xfrm>
-            <a:off x="3298825" y="1322388"/>
-            <a:ext cx="1905000" cy="584200"/>
+            <a:off x="2765425" y="1322388"/>
+            <a:ext cx="4854575" cy="5002212"/>
+            <a:chOff x="2765425" y="1322388"/>
+            <a:chExt cx="4854575" cy="5002212"/>
           </a:xfrm>
-          <a:prstGeom prst="rect">
-            <a:avLst/>
-          </a:prstGeom>
-          <a:solidFill>
-            <a:schemeClr val="accent1"/>
-          </a:solidFill>
-        </p:spPr>
-        <p:style>
-          <a:lnRef idx="2">
-            <a:schemeClr val="dk1"/>
-          </a:lnRef>
-          <a:fillRef idx="1">
-            <a:schemeClr val="lt1"/>
-          </a:fillRef>
-          <a:effectRef idx="0">
-            <a:schemeClr val="dk1"/>
-          </a:effectRef>
-          <a:fontRef idx="minor">
-            <a:schemeClr val="dk1"/>
-          </a:fontRef>
-        </p:style>
-        <p:txBody>
-          <a:bodyPr anchor="ctr">
-            <a:spAutoFit/>
-          </a:bodyPr>
-          <a:lstStyle/>
-          <a:p>
-            <a:pPr algn="ctr">
-              <a:defRPr/>
-            </a:pPr>
-            <a:r>
-              <a:rPr lang="en-US" sz="1600" dirty="0">
+        </p:grpSpPr>
+        <p:sp>
+          <p:nvSpPr>
+            <p:cNvPr id="29" name="TextBox 28"/>
+            <p:cNvSpPr txBox="1"/>
+            <p:nvPr/>
+          </p:nvSpPr>
+          <p:spPr>
+            <a:xfrm>
+              <a:off x="3298825" y="1322388"/>
+              <a:ext cx="1905000" cy="584200"/>
+            </a:xfrm>
+            <a:prstGeom prst="rect">
+              <a:avLst/>
+            </a:prstGeom>
+            <a:solidFill>
+              <a:schemeClr val="accent5">
+                <a:lumMod val="40000"/>
+                <a:lumOff val="60000"/>
+              </a:schemeClr>
+            </a:solidFill>
+          </p:spPr>
+          <p:style>
+            <a:lnRef idx="2">
+              <a:schemeClr val="dk1"/>
+            </a:lnRef>
+            <a:fillRef idx="1">
+              <a:schemeClr val="lt1"/>
+            </a:fillRef>
+            <a:effectRef idx="0">
+              <a:schemeClr val="dk1"/>
+            </a:effectRef>
+            <a:fontRef idx="minor">
+              <a:schemeClr val="dk1"/>
+            </a:fontRef>
+          </p:style>
+          <p:txBody>
+            <a:bodyPr anchor="ctr">
+              <a:spAutoFit/>
+            </a:bodyPr>
+            <a:lstStyle/>
+            <a:p>
+              <a:pPr algn="ctr">
+                <a:defRPr/>
+              </a:pPr>
+              <a:r>
+                <a:rPr lang="en-US" sz="1600" dirty="0">
+                  <a:solidFill>
+                    <a:schemeClr val="tx1"/>
+                  </a:solidFill>
+                  <a:latin typeface="Calibri" pitchFamily="34" charset="0"/>
+                  <a:cs typeface="Calibri" pitchFamily="34" charset="0"/>
+                </a:rPr>
+                <a:t>Prepare VCS </a:t>
+              </a:r>
+              <a:r>
+                <a:rPr lang="en-US" sz="1600" dirty="0" smtClean="0">
+                  <a:solidFill>
+                    <a:schemeClr val="tx1"/>
+                  </a:solidFill>
+                  <a:latin typeface="Calibri" pitchFamily="34" charset="0"/>
+                  <a:cs typeface="Calibri" pitchFamily="34" charset="0"/>
+                </a:rPr>
+                <a:t>Repository (admin)</a:t>
+              </a:r>
+              <a:endParaRPr lang="en-US" sz="1600" dirty="0">
                 <a:solidFill>
                   <a:schemeClr val="tx1"/>
                 </a:solidFill>
                 <a:latin typeface="Calibri" pitchFamily="34" charset="0"/>
                 <a:cs typeface="Calibri" pitchFamily="34" charset="0"/>
-              </a:rPr>
-              <a:t>Prepare VCS Repository</a:t>
-            </a:r>
-          </a:p>
-        </p:txBody>
-      </p:sp>
-      <p:sp>
-        <p:nvSpPr>
-          <p:cNvPr id="30" name="TextBox 29"/>
-          <p:cNvSpPr txBox="1"/>
-          <p:nvPr/>
-        </p:nvSpPr>
-        <p:spPr>
-          <a:xfrm>
-            <a:off x="3298825" y="2117725"/>
-            <a:ext cx="1905000" cy="584200"/>
-          </a:xfrm>
-          <a:prstGeom prst="rect">
-            <a:avLst/>
-          </a:prstGeom>
-          <a:solidFill>
-            <a:schemeClr val="accent1"/>
-          </a:solidFill>
-        </p:spPr>
-        <p:style>
-          <a:lnRef idx="2">
-            <a:schemeClr val="dk1"/>
-          </a:lnRef>
-          <a:fillRef idx="1">
-            <a:schemeClr val="lt1"/>
-          </a:fillRef>
-          <a:effectRef idx="0">
-            <a:schemeClr val="dk1"/>
-          </a:effectRef>
-          <a:fontRef idx="minor">
-            <a:schemeClr val="dk1"/>
-          </a:fontRef>
-        </p:style>
-        <p:txBody>
-          <a:bodyPr>
-            <a:spAutoFit/>
-          </a:bodyPr>
-          <a:lstStyle/>
-          <a:p>
-            <a:pPr algn="ctr">
-              <a:defRPr/>
-            </a:pPr>
-            <a:r>
-              <a:rPr lang="en-US" sz="1600" dirty="0">
+              </a:endParaRPr>
+            </a:p>
+          </p:txBody>
+        </p:sp>
+        <p:sp>
+          <p:nvSpPr>
+            <p:cNvPr id="30" name="TextBox 29"/>
+            <p:cNvSpPr txBox="1"/>
+            <p:nvPr/>
+          </p:nvSpPr>
+          <p:spPr>
+            <a:xfrm>
+              <a:off x="3298825" y="2117725"/>
+              <a:ext cx="1905000" cy="584200"/>
+            </a:xfrm>
+            <a:prstGeom prst="rect">
+              <a:avLst/>
+            </a:prstGeom>
+            <a:solidFill>
+              <a:schemeClr val="accent5">
+                <a:lumMod val="40000"/>
+                <a:lumOff val="60000"/>
+              </a:schemeClr>
+            </a:solidFill>
+          </p:spPr>
+          <p:style>
+            <a:lnRef idx="2">
+              <a:schemeClr val="dk1"/>
+            </a:lnRef>
+            <a:fillRef idx="1">
+              <a:schemeClr val="lt1"/>
+            </a:fillRef>
+            <a:effectRef idx="0">
+              <a:schemeClr val="dk1"/>
+            </a:effectRef>
+            <a:fontRef idx="minor">
+              <a:schemeClr val="dk1"/>
+            </a:fontRef>
+          </p:style>
+          <p:txBody>
+            <a:bodyPr>
+              <a:spAutoFit/>
+            </a:bodyPr>
+            <a:lstStyle/>
+            <a:p>
+              <a:pPr algn="ctr">
+                <a:defRPr/>
+              </a:pPr>
+              <a:r>
+                <a:rPr lang="en-US" sz="1600" dirty="0">
+                  <a:solidFill>
+                    <a:schemeClr val="tx1"/>
+                  </a:solidFill>
+                  <a:latin typeface="Calibri" pitchFamily="34" charset="0"/>
+                  <a:cs typeface="Calibri" pitchFamily="34" charset="0"/>
+                </a:rPr>
+                <a:t>Install </a:t>
+              </a:r>
+            </a:p>
+            <a:p>
+              <a:pPr algn="ctr">
+                <a:defRPr/>
+              </a:pPr>
+              <a:r>
+                <a:rPr lang="en-US" sz="1600" dirty="0">
+                  <a:solidFill>
+                    <a:schemeClr val="tx1"/>
+                  </a:solidFill>
+                  <a:latin typeface="Calibri" pitchFamily="34" charset="0"/>
+                  <a:cs typeface="Calibri" pitchFamily="34" charset="0"/>
+                </a:rPr>
+                <a:t>PD Tool for Studio</a:t>
+              </a:r>
+            </a:p>
+          </p:txBody>
+        </p:sp>
+        <p:sp>
+          <p:nvSpPr>
+            <p:cNvPr id="31" name="TextBox 30"/>
+            <p:cNvSpPr txBox="1"/>
+            <p:nvPr/>
+          </p:nvSpPr>
+          <p:spPr>
+            <a:xfrm>
+              <a:off x="3298825" y="2900363"/>
+              <a:ext cx="1905000" cy="830262"/>
+            </a:xfrm>
+            <a:prstGeom prst="rect">
+              <a:avLst/>
+            </a:prstGeom>
+            <a:solidFill>
+              <a:schemeClr val="accent5">
+                <a:lumMod val="40000"/>
+                <a:lumOff val="60000"/>
+              </a:schemeClr>
+            </a:solidFill>
+          </p:spPr>
+          <p:style>
+            <a:lnRef idx="2">
+              <a:schemeClr val="dk1"/>
+            </a:lnRef>
+            <a:fillRef idx="1">
+              <a:schemeClr val="lt1"/>
+            </a:fillRef>
+            <a:effectRef idx="0">
+              <a:schemeClr val="dk1"/>
+            </a:effectRef>
+            <a:fontRef idx="minor">
+              <a:schemeClr val="dk1"/>
+            </a:fontRef>
+          </p:style>
+          <p:txBody>
+            <a:bodyPr anchor="ctr">
+              <a:spAutoFit/>
+            </a:bodyPr>
+            <a:lstStyle/>
+            <a:p>
+              <a:pPr algn="ctr">
+                <a:defRPr/>
+              </a:pPr>
+              <a:r>
+                <a:rPr lang="en-US" sz="1600" dirty="0">
+                  <a:solidFill>
+                    <a:schemeClr val="tx1"/>
+                  </a:solidFill>
+                  <a:latin typeface="Calibri" pitchFamily="34" charset="0"/>
+                  <a:cs typeface="Calibri" pitchFamily="34" charset="0"/>
+                </a:rPr>
+                <a:t>Configure VCS Environment Properties</a:t>
+              </a:r>
+            </a:p>
+          </p:txBody>
+        </p:sp>
+        <p:sp>
+          <p:nvSpPr>
+            <p:cNvPr id="32" name="TextBox 31"/>
+            <p:cNvSpPr txBox="1"/>
+            <p:nvPr/>
+          </p:nvSpPr>
+          <p:spPr>
+            <a:xfrm>
+              <a:off x="3298825" y="3941763"/>
+              <a:ext cx="1905000" cy="584200"/>
+            </a:xfrm>
+            <a:prstGeom prst="rect">
+              <a:avLst/>
+            </a:prstGeom>
+            <a:solidFill>
+              <a:schemeClr val="accent5">
+                <a:lumMod val="40000"/>
+                <a:lumOff val="60000"/>
+              </a:schemeClr>
+            </a:solidFill>
+          </p:spPr>
+          <p:style>
+            <a:lnRef idx="2">
+              <a:schemeClr val="dk1"/>
+            </a:lnRef>
+            <a:fillRef idx="1">
+              <a:schemeClr val="lt1"/>
+            </a:fillRef>
+            <a:effectRef idx="0">
+              <a:schemeClr val="dk1"/>
+            </a:effectRef>
+            <a:fontRef idx="minor">
+              <a:schemeClr val="dk1"/>
+            </a:fontRef>
+          </p:style>
+          <p:txBody>
+            <a:bodyPr>
+              <a:spAutoFit/>
+            </a:bodyPr>
+            <a:lstStyle/>
+            <a:p>
+              <a:pPr algn="ctr">
+                <a:defRPr/>
+              </a:pPr>
+              <a:r>
+                <a:rPr lang="en-US" sz="1600" dirty="0">
+                  <a:solidFill>
+                    <a:schemeClr val="tx1"/>
+                  </a:solidFill>
+                  <a:latin typeface="Calibri" pitchFamily="34" charset="0"/>
+                  <a:cs typeface="Calibri" pitchFamily="34" charset="0"/>
+                </a:rPr>
+                <a:t>Initialize VCS Workspace</a:t>
+              </a:r>
+            </a:p>
+          </p:txBody>
+        </p:sp>
+        <p:sp>
+          <p:nvSpPr>
+            <p:cNvPr id="33" name="TextBox 32"/>
+            <p:cNvSpPr txBox="1"/>
+            <p:nvPr/>
+          </p:nvSpPr>
+          <p:spPr>
+            <a:xfrm>
+              <a:off x="3298825" y="4722813"/>
+              <a:ext cx="1905000" cy="738187"/>
+            </a:xfrm>
+            <a:prstGeom prst="rect">
+              <a:avLst/>
+            </a:prstGeom>
+            <a:solidFill>
+              <a:schemeClr val="accent5">
+                <a:lumMod val="40000"/>
+                <a:lumOff val="60000"/>
+              </a:schemeClr>
+            </a:solidFill>
+          </p:spPr>
+          <p:style>
+            <a:lnRef idx="2">
+              <a:schemeClr val="dk1"/>
+            </a:lnRef>
+            <a:fillRef idx="1">
+              <a:schemeClr val="lt1"/>
+            </a:fillRef>
+            <a:effectRef idx="0">
+              <a:schemeClr val="dk1"/>
+            </a:effectRef>
+            <a:fontRef idx="minor">
+              <a:schemeClr val="dk1"/>
+            </a:fontRef>
+          </p:style>
+          <p:txBody>
+            <a:bodyPr anchor="ctr">
+              <a:spAutoFit/>
+            </a:bodyPr>
+            <a:lstStyle/>
+            <a:p>
+              <a:pPr algn="ctr">
+                <a:defRPr/>
+              </a:pPr>
+              <a:r>
+                <a:rPr lang="en-US" sz="1600" dirty="0">
+                  <a:solidFill>
+                    <a:schemeClr val="tx1"/>
+                  </a:solidFill>
+                  <a:latin typeface="Calibri" pitchFamily="34" charset="0"/>
+                  <a:cs typeface="Calibri" pitchFamily="34" charset="0"/>
+                </a:rPr>
+                <a:t>Enable</a:t>
+              </a:r>
+            </a:p>
+            <a:p>
+              <a:pPr algn="ctr">
+                <a:defRPr/>
+              </a:pPr>
+              <a:r>
+                <a:rPr lang="en-US" sz="1600" dirty="0">
+                  <a:solidFill>
+                    <a:schemeClr val="tx1"/>
+                  </a:solidFill>
+                  <a:latin typeface="Calibri" pitchFamily="34" charset="0"/>
+                  <a:cs typeface="Calibri" pitchFamily="34" charset="0"/>
+                </a:rPr>
+                <a:t>VCS in Studio</a:t>
+              </a:r>
+            </a:p>
+            <a:p>
+              <a:pPr algn="ctr">
+                <a:defRPr/>
+              </a:pPr>
+              <a:endParaRPr lang="en-US" sz="1000" dirty="0">
                 <a:solidFill>
                   <a:schemeClr val="tx1"/>
                 </a:solidFill>
                 <a:latin typeface="Calibri" pitchFamily="34" charset="0"/>
                 <a:cs typeface="Calibri" pitchFamily="34" charset="0"/>
-              </a:rPr>
-              <a:t>Install </a:t>
-            </a:r>
-          </a:p>
-          <a:p>
-            <a:pPr algn="ctr">
-              <a:defRPr/>
-            </a:pPr>
-            <a:r>
-              <a:rPr lang="en-US" sz="1600" dirty="0">
+              </a:endParaRPr>
+            </a:p>
+          </p:txBody>
+        </p:sp>
+        <p:sp>
+          <p:nvSpPr>
+            <p:cNvPr id="34" name="TextBox 33"/>
+            <p:cNvSpPr txBox="1"/>
+            <p:nvPr/>
+          </p:nvSpPr>
+          <p:spPr>
+            <a:xfrm>
+              <a:off x="3298825" y="5678488"/>
+              <a:ext cx="1905000" cy="646112"/>
+            </a:xfrm>
+            <a:prstGeom prst="rect">
+              <a:avLst/>
+            </a:prstGeom>
+            <a:solidFill>
+              <a:schemeClr val="accent5">
+                <a:lumMod val="40000"/>
+                <a:lumOff val="60000"/>
+              </a:schemeClr>
+            </a:solidFill>
+          </p:spPr>
+          <p:style>
+            <a:lnRef idx="2">
+              <a:schemeClr val="dk1"/>
+            </a:lnRef>
+            <a:fillRef idx="1">
+              <a:schemeClr val="lt1"/>
+            </a:fillRef>
+            <a:effectRef idx="0">
+              <a:schemeClr val="dk1"/>
+            </a:effectRef>
+            <a:fontRef idx="minor">
+              <a:schemeClr val="dk1"/>
+            </a:fontRef>
+          </p:style>
+          <p:txBody>
+            <a:bodyPr>
+              <a:spAutoFit/>
+            </a:bodyPr>
+            <a:lstStyle/>
+            <a:p>
+              <a:pPr algn="ctr">
+                <a:defRPr/>
+              </a:pPr>
+              <a:endParaRPr lang="en-US" sz="1000" dirty="0">
                 <a:solidFill>
                   <a:schemeClr val="tx1"/>
                 </a:solidFill>
                 <a:latin typeface="Calibri" pitchFamily="34" charset="0"/>
                 <a:cs typeface="Calibri" pitchFamily="34" charset="0"/>
-              </a:rPr>
-              <a:t>PD Tool for Studio</a:t>
-            </a:r>
-          </a:p>
-        </p:txBody>
-      </p:sp>
-      <p:sp>
-        <p:nvSpPr>
-          <p:cNvPr id="31" name="TextBox 30"/>
-          <p:cNvSpPr txBox="1"/>
-          <p:nvPr/>
-        </p:nvSpPr>
-        <p:spPr>
-          <a:xfrm>
-            <a:off x="3298825" y="2900363"/>
-            <a:ext cx="1905000" cy="830262"/>
-          </a:xfrm>
-          <a:prstGeom prst="rect">
-            <a:avLst/>
-          </a:prstGeom>
-          <a:solidFill>
-            <a:schemeClr val="accent1"/>
-          </a:solidFill>
-        </p:spPr>
-        <p:style>
-          <a:lnRef idx="2">
-            <a:schemeClr val="dk1"/>
-          </a:lnRef>
-          <a:fillRef idx="1">
-            <a:schemeClr val="lt1"/>
-          </a:fillRef>
-          <a:effectRef idx="0">
-            <a:schemeClr val="dk1"/>
-          </a:effectRef>
-          <a:fontRef idx="minor">
-            <a:schemeClr val="dk1"/>
-          </a:fontRef>
-        </p:style>
-        <p:txBody>
-          <a:bodyPr anchor="ctr">
-            <a:spAutoFit/>
-          </a:bodyPr>
-          <a:lstStyle/>
-          <a:p>
-            <a:pPr algn="ctr">
-              <a:defRPr/>
-            </a:pPr>
-            <a:r>
-              <a:rPr lang="en-US" sz="1600" dirty="0">
+              </a:endParaRPr>
+            </a:p>
+            <a:p>
+              <a:pPr algn="ctr">
+                <a:defRPr/>
+              </a:pPr>
+              <a:r>
+                <a:rPr lang="en-US" sz="1600" dirty="0">
+                  <a:solidFill>
+                    <a:schemeClr val="tx1"/>
+                  </a:solidFill>
+                  <a:latin typeface="Calibri" pitchFamily="34" charset="0"/>
+                  <a:cs typeface="Calibri" pitchFamily="34" charset="0"/>
+                </a:rPr>
+                <a:t>Test VCS</a:t>
+              </a:r>
+            </a:p>
+            <a:p>
+              <a:pPr algn="ctr">
+                <a:defRPr/>
+              </a:pPr>
+              <a:endParaRPr lang="en-US" sz="1000" dirty="0">
                 <a:solidFill>
                   <a:schemeClr val="tx1"/>
                 </a:solidFill>
                 <a:latin typeface="Calibri" pitchFamily="34" charset="0"/>
                 <a:cs typeface="Calibri" pitchFamily="34" charset="0"/>
-              </a:rPr>
-              <a:t>Configure VCS Environment Properties</a:t>
-            </a:r>
-          </a:p>
-        </p:txBody>
-      </p:sp>
-      <p:sp>
-        <p:nvSpPr>
-          <p:cNvPr id="32" name="TextBox 31"/>
-          <p:cNvSpPr txBox="1"/>
-          <p:nvPr/>
-        </p:nvSpPr>
-        <p:spPr>
-          <a:xfrm>
-            <a:off x="3298825" y="3941763"/>
-            <a:ext cx="1905000" cy="584200"/>
-          </a:xfrm>
-          <a:prstGeom prst="rect">
-            <a:avLst/>
-          </a:prstGeom>
-          <a:solidFill>
-            <a:schemeClr val="accent1"/>
-          </a:solidFill>
-        </p:spPr>
-        <p:style>
-          <a:lnRef idx="2">
-            <a:schemeClr val="dk1"/>
-          </a:lnRef>
-          <a:fillRef idx="1">
-            <a:schemeClr val="lt1"/>
-          </a:fillRef>
-          <a:effectRef idx="0">
-            <a:schemeClr val="dk1"/>
-          </a:effectRef>
-          <a:fontRef idx="minor">
-            <a:schemeClr val="dk1"/>
-          </a:fontRef>
-        </p:style>
-        <p:txBody>
-          <a:bodyPr>
-            <a:spAutoFit/>
-          </a:bodyPr>
-          <a:lstStyle/>
-          <a:p>
-            <a:pPr algn="ctr">
-              <a:defRPr/>
-            </a:pPr>
-            <a:r>
-              <a:rPr lang="en-US" sz="1600" dirty="0">
-                <a:solidFill>
-                  <a:schemeClr val="tx1"/>
-                </a:solidFill>
-                <a:latin typeface="Calibri" pitchFamily="34" charset="0"/>
-                <a:cs typeface="Calibri" pitchFamily="34" charset="0"/>
-              </a:rPr>
-              <a:t>Initialize VCS Workspace</a:t>
-            </a:r>
-          </a:p>
-        </p:txBody>
-      </p:sp>
-      <p:sp>
-        <p:nvSpPr>
-          <p:cNvPr id="33" name="TextBox 32"/>
-          <p:cNvSpPr txBox="1"/>
-          <p:nvPr/>
-        </p:nvSpPr>
-        <p:spPr>
-          <a:xfrm>
-            <a:off x="3298825" y="4722813"/>
-            <a:ext cx="1905000" cy="738187"/>
-          </a:xfrm>
-          <a:prstGeom prst="rect">
-            <a:avLst/>
-          </a:prstGeom>
-          <a:solidFill>
-            <a:schemeClr val="accent1"/>
-          </a:solidFill>
-        </p:spPr>
-        <p:style>
-          <a:lnRef idx="2">
-            <a:schemeClr val="dk1"/>
-          </a:lnRef>
-          <a:fillRef idx="1">
-            <a:schemeClr val="lt1"/>
-          </a:fillRef>
-          <a:effectRef idx="0">
-            <a:schemeClr val="dk1"/>
-          </a:effectRef>
-          <a:fontRef idx="minor">
-            <a:schemeClr val="dk1"/>
-          </a:fontRef>
-        </p:style>
-        <p:txBody>
-          <a:bodyPr anchor="ctr">
-            <a:spAutoFit/>
-          </a:bodyPr>
-          <a:lstStyle/>
-          <a:p>
-            <a:pPr algn="ctr">
-              <a:defRPr/>
-            </a:pPr>
-            <a:r>
-              <a:rPr lang="en-US" sz="1600" dirty="0">
-                <a:solidFill>
-                  <a:schemeClr val="tx1"/>
-                </a:solidFill>
-                <a:latin typeface="Calibri" pitchFamily="34" charset="0"/>
-                <a:cs typeface="Calibri" pitchFamily="34" charset="0"/>
-              </a:rPr>
-              <a:t>Enable</a:t>
-            </a:r>
-          </a:p>
-          <a:p>
-            <a:pPr algn="ctr">
-              <a:defRPr/>
-            </a:pPr>
-            <a:r>
-              <a:rPr lang="en-US" sz="1600" dirty="0">
-                <a:solidFill>
-                  <a:schemeClr val="tx1"/>
-                </a:solidFill>
-                <a:latin typeface="Calibri" pitchFamily="34" charset="0"/>
-                <a:cs typeface="Calibri" pitchFamily="34" charset="0"/>
-              </a:rPr>
-              <a:t>VCS in Studio</a:t>
-            </a:r>
-          </a:p>
-          <a:p>
-            <a:pPr algn="ctr">
-              <a:defRPr/>
-            </a:pPr>
-            <a:endParaRPr lang="en-US" sz="1000" dirty="0">
+              </a:endParaRPr>
+            </a:p>
+          </p:txBody>
+        </p:sp>
+        <p:cxnSp>
+          <p:nvCxnSpPr>
+            <p:cNvPr id="30729" name="Straight Arrow Connector 13"/>
+            <p:cNvCxnSpPr>
+              <a:cxnSpLocks noChangeShapeType="1"/>
+            </p:cNvCxnSpPr>
+            <p:nvPr/>
+          </p:nvCxnSpPr>
+          <p:spPr bwMode="auto">
+            <a:xfrm>
+              <a:off x="4251325" y="1914525"/>
+              <a:ext cx="0" cy="198438"/>
+            </a:xfrm>
+            <a:prstGeom prst="straightConnector1">
+              <a:avLst/>
+            </a:prstGeom>
+            <a:noFill/>
+            <a:ln w="19050" algn="ctr">
               <a:solidFill>
                 <a:schemeClr val="tx1"/>
               </a:solidFill>
-              <a:latin typeface="Calibri" pitchFamily="34" charset="0"/>
-              <a:cs typeface="Calibri" pitchFamily="34" charset="0"/>
-            </a:endParaRPr>
-          </a:p>
-        </p:txBody>
-      </p:sp>
-      <p:sp>
-        <p:nvSpPr>
-          <p:cNvPr id="34" name="TextBox 33"/>
-          <p:cNvSpPr txBox="1"/>
-          <p:nvPr/>
-        </p:nvSpPr>
-        <p:spPr>
-          <a:xfrm>
-            <a:off x="3298825" y="5678488"/>
-            <a:ext cx="1905000" cy="646112"/>
-          </a:xfrm>
-          <a:prstGeom prst="rect">
-            <a:avLst/>
-          </a:prstGeom>
-          <a:solidFill>
-            <a:schemeClr val="accent1"/>
-          </a:solidFill>
-        </p:spPr>
-        <p:style>
-          <a:lnRef idx="2">
-            <a:schemeClr val="dk1"/>
-          </a:lnRef>
-          <a:fillRef idx="1">
-            <a:schemeClr val="lt1"/>
-          </a:fillRef>
-          <a:effectRef idx="0">
-            <a:schemeClr val="dk1"/>
-          </a:effectRef>
-          <a:fontRef idx="minor">
-            <a:schemeClr val="dk1"/>
-          </a:fontRef>
-        </p:style>
-        <p:txBody>
-          <a:bodyPr>
-            <a:spAutoFit/>
-          </a:bodyPr>
-          <a:lstStyle/>
-          <a:p>
-            <a:pPr algn="ctr">
-              <a:defRPr/>
-            </a:pPr>
-            <a:endParaRPr lang="en-US" sz="1000" dirty="0">
+              <a:round/>
+              <a:headEnd/>
+              <a:tailEnd type="triangle" w="med" len="med"/>
+            </a:ln>
+            <a:extLst>
+              <a:ext uri="{909E8E84-426E-40DD-AFC4-6F175D3DCCD1}">
+                <a14:hiddenFill xmlns:a14="http://schemas.microsoft.com/office/drawing/2010/main">
+                  <a:noFill/>
+                </a14:hiddenFill>
+              </a:ext>
+            </a:extLst>
+          </p:spPr>
+        </p:cxnSp>
+        <p:cxnSp>
+          <p:nvCxnSpPr>
+            <p:cNvPr id="30730" name="Straight Arrow Connector 17"/>
+            <p:cNvCxnSpPr>
+              <a:cxnSpLocks noChangeShapeType="1"/>
+            </p:cNvCxnSpPr>
+            <p:nvPr/>
+          </p:nvCxnSpPr>
+          <p:spPr bwMode="auto">
+            <a:xfrm>
+              <a:off x="4251325" y="2689225"/>
+              <a:ext cx="0" cy="196850"/>
+            </a:xfrm>
+            <a:prstGeom prst="straightConnector1">
+              <a:avLst/>
+            </a:prstGeom>
+            <a:noFill/>
+            <a:ln w="19050" algn="ctr">
               <a:solidFill>
                 <a:schemeClr val="tx1"/>
               </a:solidFill>
-              <a:latin typeface="Calibri" pitchFamily="34" charset="0"/>
-              <a:cs typeface="Calibri" pitchFamily="34" charset="0"/>
-            </a:endParaRPr>
-          </a:p>
-          <a:p>
-            <a:pPr algn="ctr">
-              <a:defRPr/>
-            </a:pPr>
-            <a:r>
-              <a:rPr lang="en-US" sz="1600" dirty="0">
-                <a:solidFill>
-                  <a:schemeClr val="tx1"/>
-                </a:solidFill>
-                <a:latin typeface="Calibri" pitchFamily="34" charset="0"/>
-                <a:cs typeface="Calibri" pitchFamily="34" charset="0"/>
-              </a:rPr>
-              <a:t>Test VCS</a:t>
-            </a:r>
-          </a:p>
-          <a:p>
-            <a:pPr algn="ctr">
-              <a:defRPr/>
-            </a:pPr>
-            <a:endParaRPr lang="en-US" sz="1000" dirty="0">
+              <a:round/>
+              <a:headEnd/>
+              <a:tailEnd type="triangle" w="med" len="med"/>
+            </a:ln>
+            <a:extLst>
+              <a:ext uri="{909E8E84-426E-40DD-AFC4-6F175D3DCCD1}">
+                <a14:hiddenFill xmlns:a14="http://schemas.microsoft.com/office/drawing/2010/main">
+                  <a:noFill/>
+                </a14:hiddenFill>
+              </a:ext>
+            </a:extLst>
+          </p:spPr>
+        </p:cxnSp>
+        <p:cxnSp>
+          <p:nvCxnSpPr>
+            <p:cNvPr id="30731" name="Straight Arrow Connector 18"/>
+            <p:cNvCxnSpPr>
+              <a:cxnSpLocks noChangeShapeType="1"/>
+            </p:cNvCxnSpPr>
+            <p:nvPr/>
+          </p:nvCxnSpPr>
+          <p:spPr bwMode="auto">
+            <a:xfrm>
+              <a:off x="4251325" y="3744913"/>
+              <a:ext cx="0" cy="196850"/>
+            </a:xfrm>
+            <a:prstGeom prst="straightConnector1">
+              <a:avLst/>
+            </a:prstGeom>
+            <a:noFill/>
+            <a:ln w="19050" algn="ctr">
               <a:solidFill>
                 <a:schemeClr val="tx1"/>
               </a:solidFill>
-              <a:latin typeface="Calibri" pitchFamily="34" charset="0"/>
-              <a:cs typeface="Calibri" pitchFamily="34" charset="0"/>
-            </a:endParaRPr>
-          </a:p>
-        </p:txBody>
-      </p:sp>
-      <p:cxnSp>
-        <p:nvCxnSpPr>
-          <p:cNvPr id="30729" name="Straight Arrow Connector 13"/>
-          <p:cNvCxnSpPr>
-            <a:cxnSpLocks noChangeShapeType="1"/>
-          </p:cNvCxnSpPr>
-          <p:nvPr/>
-        </p:nvCxnSpPr>
-        <p:spPr bwMode="auto">
-          <a:xfrm>
-            <a:off x="4251325" y="1914525"/>
-            <a:ext cx="0" cy="198438"/>
-          </a:xfrm>
-          <a:prstGeom prst="straightConnector1">
-            <a:avLst/>
-          </a:prstGeom>
-          <a:noFill/>
-          <a:ln w="19050" algn="ctr">
-            <a:solidFill>
-              <a:schemeClr val="tx1"/>
-            </a:solidFill>
-            <a:round/>
-            <a:headEnd/>
-            <a:tailEnd type="triangle" w="med" len="med"/>
-          </a:ln>
-          <a:extLst>
-            <a:ext uri="{909E8E84-426E-40DD-AFC4-6F175D3DCCD1}">
-              <a14:hiddenFill xmlns:a14="http://schemas.microsoft.com/office/drawing/2010/main">
-                <a:noFill/>
-              </a14:hiddenFill>
-            </a:ext>
-          </a:extLst>
-        </p:spPr>
-      </p:cxnSp>
-      <p:cxnSp>
-        <p:nvCxnSpPr>
-          <p:cNvPr id="30730" name="Straight Arrow Connector 17"/>
-          <p:cNvCxnSpPr>
-            <a:cxnSpLocks noChangeShapeType="1"/>
-          </p:cNvCxnSpPr>
-          <p:nvPr/>
-        </p:nvCxnSpPr>
-        <p:spPr bwMode="auto">
-          <a:xfrm>
-            <a:off x="4251325" y="2689225"/>
-            <a:ext cx="0" cy="196850"/>
-          </a:xfrm>
-          <a:prstGeom prst="straightConnector1">
-            <a:avLst/>
-          </a:prstGeom>
-          <a:noFill/>
-          <a:ln w="19050" algn="ctr">
-            <a:solidFill>
-              <a:schemeClr val="tx1"/>
-            </a:solidFill>
-            <a:round/>
-            <a:headEnd/>
-            <a:tailEnd type="triangle" w="med" len="med"/>
-          </a:ln>
-          <a:extLst>
-            <a:ext uri="{909E8E84-426E-40DD-AFC4-6F175D3DCCD1}">
-              <a14:hiddenFill xmlns:a14="http://schemas.microsoft.com/office/drawing/2010/main">
-                <a:noFill/>
-              </a14:hiddenFill>
-            </a:ext>
-          </a:extLst>
-        </p:spPr>
-      </p:cxnSp>
-      <p:cxnSp>
-        <p:nvCxnSpPr>
-          <p:cNvPr id="30731" name="Straight Arrow Connector 18"/>
-          <p:cNvCxnSpPr>
-            <a:cxnSpLocks noChangeShapeType="1"/>
-          </p:cNvCxnSpPr>
-          <p:nvPr/>
-        </p:nvCxnSpPr>
-        <p:spPr bwMode="auto">
-          <a:xfrm>
-            <a:off x="4251325" y="3744913"/>
-            <a:ext cx="0" cy="196850"/>
-          </a:xfrm>
-          <a:prstGeom prst="straightConnector1">
-            <a:avLst/>
-          </a:prstGeom>
-          <a:noFill/>
-          <a:ln w="19050" algn="ctr">
-            <a:solidFill>
-              <a:schemeClr val="tx1"/>
-            </a:solidFill>
-            <a:round/>
-            <a:headEnd/>
-            <a:tailEnd type="triangle" w="med" len="med"/>
-          </a:ln>
-          <a:extLst>
-            <a:ext uri="{909E8E84-426E-40DD-AFC4-6F175D3DCCD1}">
-              <a14:hiddenFill xmlns:a14="http://schemas.microsoft.com/office/drawing/2010/main">
-                <a:noFill/>
-              </a14:hiddenFill>
-            </a:ext>
-          </a:extLst>
-        </p:spPr>
-      </p:cxnSp>
-      <p:cxnSp>
-        <p:nvCxnSpPr>
-          <p:cNvPr id="30732" name="Straight Arrow Connector 19"/>
-          <p:cNvCxnSpPr>
-            <a:cxnSpLocks noChangeShapeType="1"/>
-          </p:cNvCxnSpPr>
-          <p:nvPr/>
-        </p:nvCxnSpPr>
-        <p:spPr bwMode="auto">
-          <a:xfrm>
-            <a:off x="4251325" y="4529138"/>
-            <a:ext cx="0" cy="198437"/>
-          </a:xfrm>
-          <a:prstGeom prst="straightConnector1">
-            <a:avLst/>
-          </a:prstGeom>
-          <a:noFill/>
-          <a:ln w="19050" algn="ctr">
-            <a:solidFill>
-              <a:schemeClr val="tx1"/>
-            </a:solidFill>
-            <a:round/>
-            <a:headEnd/>
-            <a:tailEnd type="triangle" w="med" len="med"/>
-          </a:ln>
-          <a:extLst>
-            <a:ext uri="{909E8E84-426E-40DD-AFC4-6F175D3DCCD1}">
-              <a14:hiddenFill xmlns:a14="http://schemas.microsoft.com/office/drawing/2010/main">
-                <a:noFill/>
-              </a14:hiddenFill>
-            </a:ext>
-          </a:extLst>
-        </p:spPr>
-      </p:cxnSp>
-      <p:cxnSp>
-        <p:nvCxnSpPr>
-          <p:cNvPr id="30733" name="Straight Arrow Connector 20"/>
-          <p:cNvCxnSpPr>
-            <a:cxnSpLocks noChangeShapeType="1"/>
-          </p:cNvCxnSpPr>
-          <p:nvPr/>
-        </p:nvCxnSpPr>
-        <p:spPr bwMode="auto">
-          <a:xfrm>
-            <a:off x="4251325" y="5461000"/>
-            <a:ext cx="0" cy="198438"/>
-          </a:xfrm>
-          <a:prstGeom prst="straightConnector1">
-            <a:avLst/>
-          </a:prstGeom>
-          <a:noFill/>
-          <a:ln w="19050" algn="ctr">
-            <a:solidFill>
-              <a:schemeClr val="tx1"/>
-            </a:solidFill>
-            <a:round/>
-            <a:headEnd/>
-            <a:tailEnd type="triangle" w="med" len="med"/>
-          </a:ln>
-          <a:extLst>
-            <a:ext uri="{909E8E84-426E-40DD-AFC4-6F175D3DCCD1}">
-              <a14:hiddenFill xmlns:a14="http://schemas.microsoft.com/office/drawing/2010/main">
-                <a:noFill/>
-              </a14:hiddenFill>
-            </a:ext>
-          </a:extLst>
-        </p:spPr>
-      </p:cxnSp>
-      <p:sp>
-        <p:nvSpPr>
-          <p:cNvPr id="30734" name="TextBox 15"/>
-          <p:cNvSpPr txBox="1">
-            <a:spLocks noChangeArrowheads="1"/>
-          </p:cNvSpPr>
-          <p:nvPr/>
-        </p:nvSpPr>
-        <p:spPr bwMode="auto">
-          <a:xfrm>
-            <a:off x="5508625" y="3128963"/>
-            <a:ext cx="1654175" cy="339725"/>
-          </a:xfrm>
-          <a:prstGeom prst="rect">
-            <a:avLst/>
-          </a:prstGeom>
-          <a:noFill/>
-          <a:ln>
+              <a:round/>
+              <a:headEnd/>
+              <a:tailEnd type="triangle" w="med" len="med"/>
+            </a:ln>
+            <a:extLst>
+              <a:ext uri="{909E8E84-426E-40DD-AFC4-6F175D3DCCD1}">
+                <a14:hiddenFill xmlns:a14="http://schemas.microsoft.com/office/drawing/2010/main">
+                  <a:noFill/>
+                </a14:hiddenFill>
+              </a:ext>
+            </a:extLst>
+          </p:spPr>
+        </p:cxnSp>
+        <p:cxnSp>
+          <p:nvCxnSpPr>
+            <p:cNvPr id="30732" name="Straight Arrow Connector 19"/>
+            <p:cNvCxnSpPr>
+              <a:cxnSpLocks noChangeShapeType="1"/>
+            </p:cNvCxnSpPr>
+            <p:nvPr/>
+          </p:nvCxnSpPr>
+          <p:spPr bwMode="auto">
+            <a:xfrm>
+              <a:off x="4251325" y="4529138"/>
+              <a:ext cx="0" cy="198437"/>
+            </a:xfrm>
+            <a:prstGeom prst="straightConnector1">
+              <a:avLst/>
+            </a:prstGeom>
             <a:noFill/>
-          </a:ln>
-          <a:extLst>
-            <a:ext uri="{909E8E84-426E-40DD-AFC4-6F175D3DCCD1}">
-              <a14:hiddenFill xmlns:a14="http://schemas.microsoft.com/office/drawing/2010/main">
-                <a:solidFill>
-                  <a:srgbClr val="FFFFFF"/>
-                </a:solidFill>
-              </a14:hiddenFill>
-            </a:ext>
-            <a:ext uri="{91240B29-F687-4F45-9708-019B960494DF}">
-              <a14:hiddenLine xmlns:a14="http://schemas.microsoft.com/office/drawing/2010/main" w="9525">
-                <a:solidFill>
-                  <a:srgbClr val="000000"/>
-                </a:solidFill>
-                <a:miter lim="800000"/>
-                <a:headEnd/>
-                <a:tailEnd/>
-              </a14:hiddenLine>
-            </a:ext>
-          </a:extLst>
-        </p:spPr>
-        <p:txBody>
-          <a:bodyPr>
-            <a:spAutoFit/>
-          </a:bodyPr>
-          <a:lstStyle>
-            <a:lvl1pPr eaLnBrk="0" hangingPunct="0">
-              <a:defRPr sz="3000">
-                <a:solidFill>
-                  <a:schemeClr val="bg1"/>
-                </a:solidFill>
-                <a:latin typeface="Arial" charset="0"/>
-                <a:ea typeface="ＭＳ Ｐゴシック" pitchFamily="34" charset="-128"/>
-              </a:defRPr>
-            </a:lvl1pPr>
-            <a:lvl2pPr marL="742950" indent="-285750" eaLnBrk="0" hangingPunct="0">
-              <a:defRPr sz="3000">
-                <a:solidFill>
-                  <a:schemeClr val="bg1"/>
-                </a:solidFill>
-                <a:latin typeface="Arial" charset="0"/>
-                <a:ea typeface="ＭＳ Ｐゴシック" pitchFamily="34" charset="-128"/>
-              </a:defRPr>
-            </a:lvl2pPr>
-            <a:lvl3pPr marL="1143000" indent="-228600" eaLnBrk="0" hangingPunct="0">
-              <a:defRPr sz="3000">
-                <a:solidFill>
-                  <a:schemeClr val="bg1"/>
-                </a:solidFill>
-                <a:latin typeface="Arial" charset="0"/>
-                <a:ea typeface="ＭＳ Ｐゴシック" pitchFamily="34" charset="-128"/>
-              </a:defRPr>
-            </a:lvl3pPr>
-            <a:lvl4pPr marL="1600200" indent="-228600" eaLnBrk="0" hangingPunct="0">
-              <a:defRPr sz="3000">
-                <a:solidFill>
-                  <a:schemeClr val="bg1"/>
-                </a:solidFill>
-                <a:latin typeface="Arial" charset="0"/>
-                <a:ea typeface="ＭＳ Ｐゴシック" pitchFamily="34" charset="-128"/>
-              </a:defRPr>
-            </a:lvl4pPr>
-            <a:lvl5pPr marL="2057400" indent="-228600" eaLnBrk="0" hangingPunct="0">
-              <a:defRPr sz="3000">
-                <a:solidFill>
-                  <a:schemeClr val="bg1"/>
-                </a:solidFill>
-                <a:latin typeface="Arial" charset="0"/>
-                <a:ea typeface="ＭＳ Ｐゴシック" pitchFamily="34" charset="-128"/>
-              </a:defRPr>
-            </a:lvl5pPr>
-            <a:lvl6pPr marL="2514600" indent="-228600" eaLnBrk="0" fontAlgn="base" hangingPunct="0">
-              <a:spcBef>
-                <a:spcPct val="0"/>
-              </a:spcBef>
-              <a:spcAft>
-                <a:spcPct val="0"/>
-              </a:spcAft>
-              <a:defRPr sz="3000">
-                <a:solidFill>
-                  <a:schemeClr val="bg1"/>
-                </a:solidFill>
-                <a:latin typeface="Arial" charset="0"/>
-                <a:ea typeface="ＭＳ Ｐゴシック" pitchFamily="34" charset="-128"/>
-              </a:defRPr>
-            </a:lvl6pPr>
-            <a:lvl7pPr marL="2971800" indent="-228600" eaLnBrk="0" fontAlgn="base" hangingPunct="0">
-              <a:spcBef>
-                <a:spcPct val="0"/>
-              </a:spcBef>
-              <a:spcAft>
-                <a:spcPct val="0"/>
-              </a:spcAft>
-              <a:defRPr sz="3000">
-                <a:solidFill>
-                  <a:schemeClr val="bg1"/>
-                </a:solidFill>
-                <a:latin typeface="Arial" charset="0"/>
-                <a:ea typeface="ＭＳ Ｐゴシック" pitchFamily="34" charset="-128"/>
-              </a:defRPr>
-            </a:lvl7pPr>
-            <a:lvl8pPr marL="3429000" indent="-228600" eaLnBrk="0" fontAlgn="base" hangingPunct="0">
-              <a:spcBef>
-                <a:spcPct val="0"/>
-              </a:spcBef>
-              <a:spcAft>
-                <a:spcPct val="0"/>
-              </a:spcAft>
-              <a:defRPr sz="3000">
-                <a:solidFill>
-                  <a:schemeClr val="bg1"/>
-                </a:solidFill>
-                <a:latin typeface="Arial" charset="0"/>
-                <a:ea typeface="ＭＳ Ｐゴシック" pitchFamily="34" charset="-128"/>
-              </a:defRPr>
-            </a:lvl8pPr>
-            <a:lvl9pPr marL="3886200" indent="-228600" eaLnBrk="0" fontAlgn="base" hangingPunct="0">
-              <a:spcBef>
-                <a:spcPct val="0"/>
-              </a:spcBef>
-              <a:spcAft>
-                <a:spcPct val="0"/>
-              </a:spcAft>
-              <a:defRPr sz="3000">
-                <a:solidFill>
-                  <a:schemeClr val="bg1"/>
-                </a:solidFill>
-                <a:latin typeface="Arial" charset="0"/>
-                <a:ea typeface="ＭＳ Ｐゴシック" pitchFamily="34" charset="-128"/>
-              </a:defRPr>
-            </a:lvl9pPr>
-          </a:lstStyle>
-          <a:p>
-            <a:pPr eaLnBrk="1" hangingPunct="1"/>
-            <a:r>
-              <a:rPr lang="en-US" sz="1600">
-                <a:solidFill>
-                  <a:schemeClr val="tx1"/>
-                </a:solidFill>
-                <a:latin typeface="Calibri" pitchFamily="34" charset="0"/>
-                <a:cs typeface="Calibri" pitchFamily="34" charset="0"/>
-              </a:rPr>
-              <a:t>VCS specific</a:t>
-            </a:r>
-          </a:p>
-        </p:txBody>
-      </p:sp>
-      <p:sp>
-        <p:nvSpPr>
-          <p:cNvPr id="41" name="TextBox 40"/>
-          <p:cNvSpPr txBox="1"/>
-          <p:nvPr/>
-        </p:nvSpPr>
-        <p:spPr>
-          <a:xfrm>
-            <a:off x="2765425" y="1445497"/>
-            <a:ext cx="609600" cy="338554"/>
-          </a:xfrm>
-          <a:prstGeom prst="rect">
-            <a:avLst/>
-          </a:prstGeom>
-          <a:noFill/>
-        </p:spPr>
-        <p:txBody>
-          <a:bodyPr>
-            <a:spAutoFit/>
-            <a:scene3d>
-              <a:camera prst="orthographicFront"/>
-              <a:lightRig rig="soft" dir="tl">
-                <a:rot lat="0" lon="0" rev="0"/>
-              </a:lightRig>
-            </a:scene3d>
-            <a:sp3d contourW="25400" prstMaterial="matte">
-              <a:bevelT w="25400" h="55880" prst="artDeco"/>
-              <a:contourClr>
-                <a:schemeClr val="accent2">
-                  <a:tint val="20000"/>
-                </a:schemeClr>
-              </a:contourClr>
-            </a:sp3d>
-          </a:bodyPr>
-          <a:lstStyle/>
-          <a:p>
-            <a:pPr algn="ctr">
-              <a:defRPr/>
-            </a:pPr>
-            <a:r>
-              <a:rPr lang="en-US" sz="1600" b="1" spc="50" dirty="0">
+            <a:ln w="19050" algn="ctr">
+              <a:solidFill>
+                <a:schemeClr val="tx1"/>
+              </a:solidFill>
+              <a:round/>
+              <a:headEnd/>
+              <a:tailEnd type="triangle" w="med" len="med"/>
+            </a:ln>
+            <a:extLst>
+              <a:ext uri="{909E8E84-426E-40DD-AFC4-6F175D3DCCD1}">
+                <a14:hiddenFill xmlns:a14="http://schemas.microsoft.com/office/drawing/2010/main">
+                  <a:noFill/>
+                </a14:hiddenFill>
+              </a:ext>
+            </a:extLst>
+          </p:spPr>
+        </p:cxnSp>
+        <p:cxnSp>
+          <p:nvCxnSpPr>
+            <p:cNvPr id="30733" name="Straight Arrow Connector 20"/>
+            <p:cNvCxnSpPr>
+              <a:cxnSpLocks noChangeShapeType="1"/>
+            </p:cNvCxnSpPr>
+            <p:nvPr/>
+          </p:nvCxnSpPr>
+          <p:spPr bwMode="auto">
+            <a:xfrm>
+              <a:off x="4251325" y="5461000"/>
+              <a:ext cx="0" cy="198438"/>
+            </a:xfrm>
+            <a:prstGeom prst="straightConnector1">
+              <a:avLst/>
+            </a:prstGeom>
+            <a:noFill/>
+            <a:ln w="19050" algn="ctr">
+              <a:solidFill>
+                <a:schemeClr val="tx1"/>
+              </a:solidFill>
+              <a:round/>
+              <a:headEnd/>
+              <a:tailEnd type="triangle" w="med" len="med"/>
+            </a:ln>
+            <a:extLst>
+              <a:ext uri="{909E8E84-426E-40DD-AFC4-6F175D3DCCD1}">
+                <a14:hiddenFill xmlns:a14="http://schemas.microsoft.com/office/drawing/2010/main">
+                  <a:noFill/>
+                </a14:hiddenFill>
+              </a:ext>
+            </a:extLst>
+          </p:spPr>
+        </p:cxnSp>
+        <p:sp>
+          <p:nvSpPr>
+            <p:cNvPr id="30734" name="TextBox 15"/>
+            <p:cNvSpPr txBox="1">
+              <a:spLocks noChangeArrowheads="1"/>
+            </p:cNvSpPr>
+            <p:nvPr/>
+          </p:nvSpPr>
+          <p:spPr bwMode="auto">
+            <a:xfrm>
+              <a:off x="5508625" y="3128963"/>
+              <a:ext cx="1654175" cy="339725"/>
+            </a:xfrm>
+            <a:prstGeom prst="rect">
+              <a:avLst/>
+            </a:prstGeom>
+            <a:noFill/>
+            <a:ln>
+              <a:noFill/>
+            </a:ln>
+            <a:extLst>
+              <a:ext uri="{909E8E84-426E-40DD-AFC4-6F175D3DCCD1}">
+                <a14:hiddenFill xmlns:a14="http://schemas.microsoft.com/office/drawing/2010/main">
+                  <a:solidFill>
+                    <a:srgbClr val="FFFFFF"/>
+                  </a:solidFill>
+                </a14:hiddenFill>
+              </a:ext>
+              <a:ext uri="{91240B29-F687-4F45-9708-019B960494DF}">
+                <a14:hiddenLine xmlns:a14="http://schemas.microsoft.com/office/drawing/2010/main" w="9525">
+                  <a:solidFill>
+                    <a:srgbClr val="000000"/>
+                  </a:solidFill>
+                  <a:miter lim="800000"/>
+                  <a:headEnd/>
+                  <a:tailEnd/>
+                </a14:hiddenLine>
+              </a:ext>
+            </a:extLst>
+          </p:spPr>
+          <p:txBody>
+            <a:bodyPr>
+              <a:spAutoFit/>
+            </a:bodyPr>
+            <a:lstStyle>
+              <a:lvl1pPr eaLnBrk="0" hangingPunct="0">
+                <a:defRPr sz="3000">
+                  <a:solidFill>
+                    <a:schemeClr val="bg1"/>
+                  </a:solidFill>
+                  <a:latin typeface="Arial" charset="0"/>
+                  <a:ea typeface="ＭＳ Ｐゴシック" pitchFamily="34" charset="-128"/>
+                </a:defRPr>
+              </a:lvl1pPr>
+              <a:lvl2pPr marL="742950" indent="-285750" eaLnBrk="0" hangingPunct="0">
+                <a:defRPr sz="3000">
+                  <a:solidFill>
+                    <a:schemeClr val="bg1"/>
+                  </a:solidFill>
+                  <a:latin typeface="Arial" charset="0"/>
+                  <a:ea typeface="ＭＳ Ｐゴシック" pitchFamily="34" charset="-128"/>
+                </a:defRPr>
+              </a:lvl2pPr>
+              <a:lvl3pPr marL="1143000" indent="-228600" eaLnBrk="0" hangingPunct="0">
+                <a:defRPr sz="3000">
+                  <a:solidFill>
+                    <a:schemeClr val="bg1"/>
+                  </a:solidFill>
+                  <a:latin typeface="Arial" charset="0"/>
+                  <a:ea typeface="ＭＳ Ｐゴシック" pitchFamily="34" charset="-128"/>
+                </a:defRPr>
+              </a:lvl3pPr>
+              <a:lvl4pPr marL="1600200" indent="-228600" eaLnBrk="0" hangingPunct="0">
+                <a:defRPr sz="3000">
+                  <a:solidFill>
+                    <a:schemeClr val="bg1"/>
+                  </a:solidFill>
+                  <a:latin typeface="Arial" charset="0"/>
+                  <a:ea typeface="ＭＳ Ｐゴシック" pitchFamily="34" charset="-128"/>
+                </a:defRPr>
+              </a:lvl4pPr>
+              <a:lvl5pPr marL="2057400" indent="-228600" eaLnBrk="0" hangingPunct="0">
+                <a:defRPr sz="3000">
+                  <a:solidFill>
+                    <a:schemeClr val="bg1"/>
+                  </a:solidFill>
+                  <a:latin typeface="Arial" charset="0"/>
+                  <a:ea typeface="ＭＳ Ｐゴシック" pitchFamily="34" charset="-128"/>
+                </a:defRPr>
+              </a:lvl5pPr>
+              <a:lvl6pPr marL="2514600" indent="-228600" eaLnBrk="0" fontAlgn="base" hangingPunct="0">
+                <a:spcBef>
+                  <a:spcPct val="0"/>
+                </a:spcBef>
+                <a:spcAft>
+                  <a:spcPct val="0"/>
+                </a:spcAft>
+                <a:defRPr sz="3000">
+                  <a:solidFill>
+                    <a:schemeClr val="bg1"/>
+                  </a:solidFill>
+                  <a:latin typeface="Arial" charset="0"/>
+                  <a:ea typeface="ＭＳ Ｐゴシック" pitchFamily="34" charset="-128"/>
+                </a:defRPr>
+              </a:lvl6pPr>
+              <a:lvl7pPr marL="2971800" indent="-228600" eaLnBrk="0" fontAlgn="base" hangingPunct="0">
+                <a:spcBef>
+                  <a:spcPct val="0"/>
+                </a:spcBef>
+                <a:spcAft>
+                  <a:spcPct val="0"/>
+                </a:spcAft>
+                <a:defRPr sz="3000">
+                  <a:solidFill>
+                    <a:schemeClr val="bg1"/>
+                  </a:solidFill>
+                  <a:latin typeface="Arial" charset="0"/>
+                  <a:ea typeface="ＭＳ Ｐゴシック" pitchFamily="34" charset="-128"/>
+                </a:defRPr>
+              </a:lvl7pPr>
+              <a:lvl8pPr marL="3429000" indent="-228600" eaLnBrk="0" fontAlgn="base" hangingPunct="0">
+                <a:spcBef>
+                  <a:spcPct val="0"/>
+                </a:spcBef>
+                <a:spcAft>
+                  <a:spcPct val="0"/>
+                </a:spcAft>
+                <a:defRPr sz="3000">
+                  <a:solidFill>
+                    <a:schemeClr val="bg1"/>
+                  </a:solidFill>
+                  <a:latin typeface="Arial" charset="0"/>
+                  <a:ea typeface="ＭＳ Ｐゴシック" pitchFamily="34" charset="-128"/>
+                </a:defRPr>
+              </a:lvl8pPr>
+              <a:lvl9pPr marL="3886200" indent="-228600" eaLnBrk="0" fontAlgn="base" hangingPunct="0">
+                <a:spcBef>
+                  <a:spcPct val="0"/>
+                </a:spcBef>
+                <a:spcAft>
+                  <a:spcPct val="0"/>
+                </a:spcAft>
+                <a:defRPr sz="3000">
+                  <a:solidFill>
+                    <a:schemeClr val="bg1"/>
+                  </a:solidFill>
+                  <a:latin typeface="Arial" charset="0"/>
+                  <a:ea typeface="ＭＳ Ｐゴシック" pitchFamily="34" charset="-128"/>
+                </a:defRPr>
+              </a:lvl9pPr>
+            </a:lstStyle>
+            <a:p>
+              <a:pPr eaLnBrk="1" hangingPunct="1"/>
+              <a:r>
+                <a:rPr lang="en-US" sz="1600">
+                  <a:solidFill>
+                    <a:schemeClr val="tx1"/>
+                  </a:solidFill>
+                  <a:latin typeface="Calibri" pitchFamily="34" charset="0"/>
+                  <a:cs typeface="Calibri" pitchFamily="34" charset="0"/>
+                </a:rPr>
+                <a:t>VCS specific</a:t>
+              </a:r>
+            </a:p>
+          </p:txBody>
+        </p:sp>
+        <p:sp>
+          <p:nvSpPr>
+            <p:cNvPr id="41" name="TextBox 40"/>
+            <p:cNvSpPr txBox="1"/>
+            <p:nvPr/>
+          </p:nvSpPr>
+          <p:spPr>
+            <a:xfrm>
+              <a:off x="2765425" y="1445497"/>
+              <a:ext cx="609600" cy="338554"/>
+            </a:xfrm>
+            <a:prstGeom prst="rect">
+              <a:avLst/>
+            </a:prstGeom>
+            <a:noFill/>
+          </p:spPr>
+          <p:txBody>
+            <a:bodyPr>
+              <a:spAutoFit/>
+              <a:scene3d>
+                <a:camera prst="orthographicFront"/>
+                <a:lightRig rig="soft" dir="tl">
+                  <a:rot lat="0" lon="0" rev="0"/>
+                </a:lightRig>
+              </a:scene3d>
+              <a:sp3d contourW="25400" prstMaterial="matte">
+                <a:bevelT w="25400" h="55880" prst="artDeco"/>
+                <a:contourClr>
+                  <a:schemeClr val="accent2">
+                    <a:tint val="20000"/>
+                  </a:schemeClr>
+                </a:contourClr>
+              </a:sp3d>
+            </a:bodyPr>
+            <a:lstStyle/>
+            <a:p>
+              <a:pPr algn="ctr">
+                <a:defRPr/>
+              </a:pPr>
+              <a:r>
+                <a:rPr lang="en-US" sz="1600" b="1" spc="50" dirty="0">
+                  <a:ln w="11430"/>
+                  <a:gradFill>
+                    <a:gsLst>
+                      <a:gs pos="25000">
+                        <a:schemeClr val="accent2">
+                          <a:satMod val="155000"/>
+                        </a:schemeClr>
+                      </a:gs>
+                      <a:gs pos="100000">
+                        <a:schemeClr val="accent2">
+                          <a:shade val="45000"/>
+                          <a:satMod val="165000"/>
+                        </a:schemeClr>
+                      </a:gs>
+                    </a:gsLst>
+                    <a:lin ang="5400000"/>
+                  </a:gradFill>
+                  <a:effectLst>
+                    <a:outerShdw blurRad="76200" dist="50800" dir="5400000" algn="tl" rotWithShape="0">
+                      <a:srgbClr val="000000">
+                        <a:alpha val="65000"/>
+                      </a:srgbClr>
+                    </a:outerShdw>
+                  </a:effectLst>
+                  <a:ea typeface="ＭＳ Ｐゴシック" charset="-128"/>
+                </a:rPr>
+                <a:t>1</a:t>
+              </a:r>
+            </a:p>
+          </p:txBody>
+        </p:sp>
+        <p:sp>
+          <p:nvSpPr>
+            <p:cNvPr id="42" name="TextBox 41"/>
+            <p:cNvSpPr txBox="1"/>
+            <p:nvPr/>
+          </p:nvSpPr>
+          <p:spPr>
+            <a:xfrm>
+              <a:off x="2765425" y="2273804"/>
+              <a:ext cx="609600" cy="338554"/>
+            </a:xfrm>
+            <a:prstGeom prst="rect">
+              <a:avLst/>
+            </a:prstGeom>
+            <a:noFill/>
+          </p:spPr>
+          <p:txBody>
+            <a:bodyPr>
+              <a:spAutoFit/>
+              <a:scene3d>
+                <a:camera prst="orthographicFront"/>
+                <a:lightRig rig="soft" dir="tl">
+                  <a:rot lat="0" lon="0" rev="0"/>
+                </a:lightRig>
+              </a:scene3d>
+              <a:sp3d contourW="25400" prstMaterial="matte">
+                <a:bevelT w="25400" h="55880" prst="artDeco"/>
+                <a:contourClr>
+                  <a:schemeClr val="accent2">
+                    <a:tint val="20000"/>
+                  </a:schemeClr>
+                </a:contourClr>
+              </a:sp3d>
+            </a:bodyPr>
+            <a:lstStyle/>
+            <a:p>
+              <a:pPr algn="ctr">
+                <a:defRPr/>
+              </a:pPr>
+              <a:r>
+                <a:rPr lang="en-US" sz="1600" b="1" spc="50" dirty="0">
+                  <a:ln w="11430"/>
+                  <a:gradFill>
+                    <a:gsLst>
+                      <a:gs pos="25000">
+                        <a:schemeClr val="accent2">
+                          <a:satMod val="155000"/>
+                        </a:schemeClr>
+                      </a:gs>
+                      <a:gs pos="100000">
+                        <a:schemeClr val="accent2">
+                          <a:shade val="45000"/>
+                          <a:satMod val="165000"/>
+                        </a:schemeClr>
+                      </a:gs>
+                    </a:gsLst>
+                    <a:lin ang="5400000"/>
+                  </a:gradFill>
+                  <a:effectLst>
+                    <a:outerShdw blurRad="76200" dist="50800" dir="5400000" algn="tl" rotWithShape="0">
+                      <a:srgbClr val="000000">
+                        <a:alpha val="65000"/>
+                      </a:srgbClr>
+                    </a:outerShdw>
+                  </a:effectLst>
+                  <a:ea typeface="ＭＳ Ｐゴシック" charset="-128"/>
+                </a:rPr>
+                <a:t>2</a:t>
+              </a:r>
+            </a:p>
+          </p:txBody>
+        </p:sp>
+        <p:sp>
+          <p:nvSpPr>
+            <p:cNvPr id="43" name="TextBox 42"/>
+            <p:cNvSpPr txBox="1"/>
+            <p:nvPr/>
+          </p:nvSpPr>
+          <p:spPr>
+            <a:xfrm>
+              <a:off x="2765425" y="3146254"/>
+              <a:ext cx="609600" cy="338554"/>
+            </a:xfrm>
+            <a:prstGeom prst="rect">
+              <a:avLst/>
+            </a:prstGeom>
+            <a:noFill/>
+          </p:spPr>
+          <p:txBody>
+            <a:bodyPr>
+              <a:spAutoFit/>
+              <a:scene3d>
+                <a:camera prst="orthographicFront"/>
+                <a:lightRig rig="soft" dir="tl">
+                  <a:rot lat="0" lon="0" rev="0"/>
+                </a:lightRig>
+              </a:scene3d>
+              <a:sp3d contourW="25400" prstMaterial="matte">
+                <a:bevelT w="25400" h="55880" prst="artDeco"/>
+                <a:contourClr>
+                  <a:schemeClr val="accent2">
+                    <a:tint val="20000"/>
+                  </a:schemeClr>
+                </a:contourClr>
+              </a:sp3d>
+            </a:bodyPr>
+            <a:lstStyle/>
+            <a:p>
+              <a:pPr algn="ctr">
+                <a:defRPr/>
+              </a:pPr>
+              <a:r>
+                <a:rPr lang="en-US" sz="1600" b="1" spc="50" dirty="0">
+                  <a:ln w="11430"/>
+                  <a:gradFill>
+                    <a:gsLst>
+                      <a:gs pos="25000">
+                        <a:schemeClr val="accent2">
+                          <a:satMod val="155000"/>
+                        </a:schemeClr>
+                      </a:gs>
+                      <a:gs pos="100000">
+                        <a:schemeClr val="accent2">
+                          <a:shade val="45000"/>
+                          <a:satMod val="165000"/>
+                        </a:schemeClr>
+                      </a:gs>
+                    </a:gsLst>
+                    <a:lin ang="5400000"/>
+                  </a:gradFill>
+                  <a:effectLst>
+                    <a:outerShdw blurRad="76200" dist="50800" dir="5400000" algn="tl" rotWithShape="0">
+                      <a:srgbClr val="000000">
+                        <a:alpha val="65000"/>
+                      </a:srgbClr>
+                    </a:outerShdw>
+                  </a:effectLst>
+                  <a:ea typeface="ＭＳ Ｐゴシック" charset="-128"/>
+                </a:rPr>
+                <a:t>3</a:t>
+              </a:r>
+            </a:p>
+          </p:txBody>
+        </p:sp>
+        <p:sp>
+          <p:nvSpPr>
+            <p:cNvPr id="44" name="TextBox 43"/>
+            <p:cNvSpPr txBox="1"/>
+            <p:nvPr/>
+          </p:nvSpPr>
+          <p:spPr>
+            <a:xfrm>
+              <a:off x="2765425" y="4064284"/>
+              <a:ext cx="609600" cy="338554"/>
+            </a:xfrm>
+            <a:prstGeom prst="rect">
+              <a:avLst/>
+            </a:prstGeom>
+            <a:noFill/>
+          </p:spPr>
+          <p:txBody>
+            <a:bodyPr>
+              <a:spAutoFit/>
+              <a:scene3d>
+                <a:camera prst="orthographicFront"/>
+                <a:lightRig rig="soft" dir="tl">
+                  <a:rot lat="0" lon="0" rev="0"/>
+                </a:lightRig>
+              </a:scene3d>
+              <a:sp3d contourW="25400" prstMaterial="matte">
+                <a:bevelT w="25400" h="55880" prst="artDeco"/>
+                <a:contourClr>
+                  <a:schemeClr val="accent2">
+                    <a:tint val="20000"/>
+                  </a:schemeClr>
+                </a:contourClr>
+              </a:sp3d>
+            </a:bodyPr>
+            <a:lstStyle/>
+            <a:p>
+              <a:pPr algn="ctr">
+                <a:defRPr/>
+              </a:pPr>
+              <a:r>
+                <a:rPr lang="en-US" sz="1600" b="1" spc="50" dirty="0" smtClean="0">
+                  <a:ln w="11430"/>
+                  <a:gradFill>
+                    <a:gsLst>
+                      <a:gs pos="25000">
+                        <a:schemeClr val="accent2">
+                          <a:satMod val="155000"/>
+                        </a:schemeClr>
+                      </a:gs>
+                      <a:gs pos="100000">
+                        <a:schemeClr val="accent2">
+                          <a:shade val="45000"/>
+                          <a:satMod val="165000"/>
+                        </a:schemeClr>
+                      </a:gs>
+                    </a:gsLst>
+                    <a:lin ang="5400000"/>
+                  </a:gradFill>
+                  <a:effectLst>
+                    <a:outerShdw blurRad="76200" dist="50800" dir="5400000" algn="tl" rotWithShape="0">
+                      <a:srgbClr val="000000">
+                        <a:alpha val="65000"/>
+                      </a:srgbClr>
+                    </a:outerShdw>
+                  </a:effectLst>
+                  <a:ea typeface="ＭＳ Ｐゴシック" charset="-128"/>
+                </a:rPr>
+                <a:t>4.1</a:t>
+              </a:r>
+              <a:endParaRPr lang="en-US" sz="1600" b="1" spc="50" dirty="0">
                 <a:ln w="11430"/>
                 <a:gradFill>
                   <a:gsLst>
@@ -16840,53 +17404,298 @@
                   </a:outerShdw>
                 </a:effectLst>
                 <a:ea typeface="ＭＳ Ｐゴシック" charset="-128"/>
-              </a:rPr>
-              <a:t>1</a:t>
-            </a:r>
-          </a:p>
-        </p:txBody>
-      </p:sp>
-      <p:sp>
-        <p:nvSpPr>
-          <p:cNvPr id="42" name="TextBox 41"/>
-          <p:cNvSpPr txBox="1"/>
-          <p:nvPr/>
-        </p:nvSpPr>
-        <p:spPr>
-          <a:xfrm>
-            <a:off x="2765425" y="2273804"/>
-            <a:ext cx="609600" cy="338554"/>
-          </a:xfrm>
-          <a:prstGeom prst="rect">
-            <a:avLst/>
-          </a:prstGeom>
-          <a:noFill/>
-        </p:spPr>
-        <p:txBody>
-          <a:bodyPr>
-            <a:spAutoFit/>
-            <a:scene3d>
-              <a:camera prst="orthographicFront"/>
-              <a:lightRig rig="soft" dir="tl">
-                <a:rot lat="0" lon="0" rev="0"/>
-              </a:lightRig>
-            </a:scene3d>
-            <a:sp3d contourW="25400" prstMaterial="matte">
-              <a:bevelT w="25400" h="55880" prst="artDeco"/>
-              <a:contourClr>
-                <a:schemeClr val="accent2">
-                  <a:tint val="20000"/>
-                </a:schemeClr>
-              </a:contourClr>
-            </a:sp3d>
-          </a:bodyPr>
-          <a:lstStyle/>
-          <a:p>
-            <a:pPr algn="ctr">
-              <a:defRPr/>
-            </a:pPr>
-            <a:r>
-              <a:rPr lang="en-US" sz="1600" b="1" spc="50" dirty="0">
+              </a:endParaRPr>
+            </a:p>
+          </p:txBody>
+        </p:sp>
+        <p:sp>
+          <p:nvSpPr>
+            <p:cNvPr id="45" name="TextBox 44"/>
+            <p:cNvSpPr txBox="1"/>
+            <p:nvPr/>
+          </p:nvSpPr>
+          <p:spPr>
+            <a:xfrm>
+              <a:off x="2765425" y="4903580"/>
+              <a:ext cx="609600" cy="338554"/>
+            </a:xfrm>
+            <a:prstGeom prst="rect">
+              <a:avLst/>
+            </a:prstGeom>
+            <a:noFill/>
+          </p:spPr>
+          <p:txBody>
+            <a:bodyPr>
+              <a:spAutoFit/>
+              <a:scene3d>
+                <a:camera prst="orthographicFront"/>
+                <a:lightRig rig="soft" dir="tl">
+                  <a:rot lat="0" lon="0" rev="0"/>
+                </a:lightRig>
+              </a:scene3d>
+              <a:sp3d contourW="25400" prstMaterial="matte">
+                <a:bevelT w="25400" h="55880" prst="artDeco"/>
+                <a:contourClr>
+                  <a:schemeClr val="accent2">
+                    <a:tint val="20000"/>
+                  </a:schemeClr>
+                </a:contourClr>
+              </a:sp3d>
+            </a:bodyPr>
+            <a:lstStyle/>
+            <a:p>
+              <a:pPr algn="ctr">
+                <a:defRPr/>
+              </a:pPr>
+              <a:r>
+                <a:rPr lang="en-US" sz="1600" b="1" spc="50" dirty="0">
+                  <a:ln w="11430"/>
+                  <a:gradFill>
+                    <a:gsLst>
+                      <a:gs pos="25000">
+                        <a:schemeClr val="accent2">
+                          <a:satMod val="155000"/>
+                        </a:schemeClr>
+                      </a:gs>
+                      <a:gs pos="100000">
+                        <a:schemeClr val="accent2">
+                          <a:shade val="45000"/>
+                          <a:satMod val="165000"/>
+                        </a:schemeClr>
+                      </a:gs>
+                    </a:gsLst>
+                    <a:lin ang="5400000"/>
+                  </a:gradFill>
+                  <a:effectLst>
+                    <a:outerShdw blurRad="76200" dist="50800" dir="5400000" algn="tl" rotWithShape="0">
+                      <a:srgbClr val="000000">
+                        <a:alpha val="65000"/>
+                      </a:srgbClr>
+                    </a:outerShdw>
+                  </a:effectLst>
+                  <a:ea typeface="ＭＳ Ｐゴシック" charset="-128"/>
+                </a:rPr>
+                <a:t>5</a:t>
+              </a:r>
+            </a:p>
+          </p:txBody>
+        </p:sp>
+        <p:sp>
+          <p:nvSpPr>
+            <p:cNvPr id="46" name="TextBox 45"/>
+            <p:cNvSpPr txBox="1"/>
+            <p:nvPr/>
+          </p:nvSpPr>
+          <p:spPr>
+            <a:xfrm>
+              <a:off x="2765425" y="5766371"/>
+              <a:ext cx="609600" cy="338554"/>
+            </a:xfrm>
+            <a:prstGeom prst="rect">
+              <a:avLst/>
+            </a:prstGeom>
+            <a:noFill/>
+          </p:spPr>
+          <p:txBody>
+            <a:bodyPr>
+              <a:spAutoFit/>
+              <a:scene3d>
+                <a:camera prst="orthographicFront"/>
+                <a:lightRig rig="soft" dir="tl">
+                  <a:rot lat="0" lon="0" rev="0"/>
+                </a:lightRig>
+              </a:scene3d>
+              <a:sp3d contourW="25400" prstMaterial="matte">
+                <a:bevelT w="25400" h="55880" prst="artDeco"/>
+                <a:contourClr>
+                  <a:schemeClr val="accent2">
+                    <a:tint val="20000"/>
+                  </a:schemeClr>
+                </a:contourClr>
+              </a:sp3d>
+            </a:bodyPr>
+            <a:lstStyle/>
+            <a:p>
+              <a:pPr algn="ctr">
+                <a:defRPr/>
+              </a:pPr>
+              <a:r>
+                <a:rPr lang="en-US" sz="1600" b="1" spc="50" dirty="0">
+                  <a:ln w="11430"/>
+                  <a:gradFill>
+                    <a:gsLst>
+                      <a:gs pos="25000">
+                        <a:schemeClr val="accent2">
+                          <a:satMod val="155000"/>
+                        </a:schemeClr>
+                      </a:gs>
+                      <a:gs pos="100000">
+                        <a:schemeClr val="accent2">
+                          <a:shade val="45000"/>
+                          <a:satMod val="165000"/>
+                        </a:schemeClr>
+                      </a:gs>
+                    </a:gsLst>
+                    <a:lin ang="5400000"/>
+                  </a:gradFill>
+                  <a:effectLst>
+                    <a:outerShdw blurRad="76200" dist="50800" dir="5400000" algn="tl" rotWithShape="0">
+                      <a:srgbClr val="000000">
+                        <a:alpha val="65000"/>
+                      </a:srgbClr>
+                    </a:outerShdw>
+                  </a:effectLst>
+                  <a:ea typeface="ＭＳ Ｐゴシック" charset="-128"/>
+                </a:rPr>
+                <a:t>6</a:t>
+              </a:r>
+            </a:p>
+          </p:txBody>
+        </p:sp>
+        <p:sp>
+          <p:nvSpPr>
+            <p:cNvPr id="21" name="TextBox 20"/>
+            <p:cNvSpPr txBox="1"/>
+            <p:nvPr/>
+          </p:nvSpPr>
+          <p:spPr>
+            <a:xfrm>
+              <a:off x="5715000" y="3943683"/>
+              <a:ext cx="1905000" cy="584775"/>
+            </a:xfrm>
+            <a:prstGeom prst="rect">
+              <a:avLst/>
+            </a:prstGeom>
+            <a:solidFill>
+              <a:schemeClr val="accent5">
+                <a:lumMod val="40000"/>
+                <a:lumOff val="60000"/>
+              </a:schemeClr>
+            </a:solidFill>
+          </p:spPr>
+          <p:style>
+            <a:lnRef idx="2">
+              <a:schemeClr val="dk1"/>
+            </a:lnRef>
+            <a:fillRef idx="1">
+              <a:schemeClr val="lt1"/>
+            </a:fillRef>
+            <a:effectRef idx="0">
+              <a:schemeClr val="dk1"/>
+            </a:effectRef>
+            <a:fontRef idx="minor">
+              <a:schemeClr val="dk1"/>
+            </a:fontRef>
+          </p:style>
+          <p:txBody>
+            <a:bodyPr>
+              <a:spAutoFit/>
+            </a:bodyPr>
+            <a:lstStyle/>
+            <a:p>
+              <a:pPr algn="ctr">
+                <a:defRPr/>
+              </a:pPr>
+              <a:r>
+                <a:rPr lang="en-US" sz="1600" dirty="0">
+                  <a:solidFill>
+                    <a:schemeClr val="tx1"/>
+                  </a:solidFill>
+                  <a:latin typeface="Calibri" pitchFamily="34" charset="0"/>
+                  <a:cs typeface="Calibri" pitchFamily="34" charset="0"/>
+                </a:rPr>
+                <a:t>Initialize VCS </a:t>
+              </a:r>
+              <a:r>
+                <a:rPr lang="en-US" sz="1600" dirty="0" smtClean="0">
+                  <a:solidFill>
+                    <a:schemeClr val="tx1"/>
+                  </a:solidFill>
+                  <a:latin typeface="Calibri" pitchFamily="34" charset="0"/>
+                  <a:cs typeface="Calibri" pitchFamily="34" charset="0"/>
+                </a:rPr>
+                <a:t>Base Folders (admin)</a:t>
+              </a:r>
+              <a:endParaRPr lang="en-US" sz="1600" dirty="0">
+                <a:solidFill>
+                  <a:schemeClr val="tx1"/>
+                </a:solidFill>
+                <a:latin typeface="Calibri" pitchFamily="34" charset="0"/>
+                <a:cs typeface="Calibri" pitchFamily="34" charset="0"/>
+              </a:endParaRPr>
+            </a:p>
+          </p:txBody>
+        </p:sp>
+        <p:sp>
+          <p:nvSpPr>
+            <p:cNvPr id="22" name="TextBox 21"/>
+            <p:cNvSpPr txBox="1"/>
+            <p:nvPr/>
+          </p:nvSpPr>
+          <p:spPr>
+            <a:xfrm>
+              <a:off x="5181600" y="4067220"/>
+              <a:ext cx="609600" cy="338554"/>
+            </a:xfrm>
+            <a:prstGeom prst="rect">
+              <a:avLst/>
+            </a:prstGeom>
+            <a:noFill/>
+          </p:spPr>
+          <p:txBody>
+            <a:bodyPr>
+              <a:spAutoFit/>
+              <a:scene3d>
+                <a:camera prst="orthographicFront"/>
+                <a:lightRig rig="soft" dir="tl">
+                  <a:rot lat="0" lon="0" rev="0"/>
+                </a:lightRig>
+              </a:scene3d>
+              <a:sp3d contourW="25400" prstMaterial="matte">
+                <a:bevelT w="25400" h="55880" prst="artDeco"/>
+                <a:contourClr>
+                  <a:schemeClr val="accent2">
+                    <a:tint val="20000"/>
+                  </a:schemeClr>
+                </a:contourClr>
+              </a:sp3d>
+            </a:bodyPr>
+            <a:lstStyle/>
+            <a:p>
+              <a:pPr algn="ctr">
+                <a:defRPr/>
+              </a:pPr>
+              <a:r>
+                <a:rPr lang="en-US" sz="1600" b="1" spc="50" dirty="0" smtClean="0">
+                  <a:ln w="11430"/>
+                  <a:gradFill>
+                    <a:gsLst>
+                      <a:gs pos="25000">
+                        <a:schemeClr val="accent2">
+                          <a:satMod val="155000"/>
+                        </a:schemeClr>
+                      </a:gs>
+                      <a:gs pos="100000">
+                        <a:schemeClr val="accent2">
+                          <a:shade val="45000"/>
+                          <a:satMod val="165000"/>
+                        </a:schemeClr>
+                      </a:gs>
+                    </a:gsLst>
+                    <a:lin ang="5400000"/>
+                  </a:gradFill>
+                  <a:effectLst>
+                    <a:outerShdw blurRad="76200" dist="50800" dir="5400000" algn="tl" rotWithShape="0">
+                      <a:srgbClr val="000000">
+                        <a:alpha val="65000"/>
+                      </a:srgbClr>
+                    </a:outerShdw>
+                  </a:effectLst>
+                  <a:ea typeface="ＭＳ Ｐゴシック" charset="-128"/>
+                </a:rPr>
+                <a:t>4.2</a:t>
+              </a:r>
+              <a:endParaRPr lang="en-US" sz="1600" b="1" spc="50" dirty="0">
                 <a:ln w="11430"/>
                 <a:gradFill>
                   <a:gsLst>
@@ -16912,300 +17721,11 @@
                   </a:outerShdw>
                 </a:effectLst>
                 <a:ea typeface="ＭＳ Ｐゴシック" charset="-128"/>
-              </a:rPr>
-              <a:t>2</a:t>
-            </a:r>
-          </a:p>
-        </p:txBody>
-      </p:sp>
-      <p:sp>
-        <p:nvSpPr>
-          <p:cNvPr id="43" name="TextBox 42"/>
-          <p:cNvSpPr txBox="1"/>
-          <p:nvPr/>
-        </p:nvSpPr>
-        <p:spPr>
-          <a:xfrm>
-            <a:off x="2765425" y="3146254"/>
-            <a:ext cx="609600" cy="338554"/>
-          </a:xfrm>
-          <a:prstGeom prst="rect">
-            <a:avLst/>
-          </a:prstGeom>
-          <a:noFill/>
-        </p:spPr>
-        <p:txBody>
-          <a:bodyPr>
-            <a:spAutoFit/>
-            <a:scene3d>
-              <a:camera prst="orthographicFront"/>
-              <a:lightRig rig="soft" dir="tl">
-                <a:rot lat="0" lon="0" rev="0"/>
-              </a:lightRig>
-            </a:scene3d>
-            <a:sp3d contourW="25400" prstMaterial="matte">
-              <a:bevelT w="25400" h="55880" prst="artDeco"/>
-              <a:contourClr>
-                <a:schemeClr val="accent2">
-                  <a:tint val="20000"/>
-                </a:schemeClr>
-              </a:contourClr>
-            </a:sp3d>
-          </a:bodyPr>
-          <a:lstStyle/>
-          <a:p>
-            <a:pPr algn="ctr">
-              <a:defRPr/>
-            </a:pPr>
-            <a:r>
-              <a:rPr lang="en-US" sz="1600" b="1" spc="50" dirty="0">
-                <a:ln w="11430"/>
-                <a:gradFill>
-                  <a:gsLst>
-                    <a:gs pos="25000">
-                      <a:schemeClr val="accent2">
-                        <a:satMod val="155000"/>
-                      </a:schemeClr>
-                    </a:gs>
-                    <a:gs pos="100000">
-                      <a:schemeClr val="accent2">
-                        <a:shade val="45000"/>
-                        <a:satMod val="165000"/>
-                      </a:schemeClr>
-                    </a:gs>
-                  </a:gsLst>
-                  <a:lin ang="5400000"/>
-                </a:gradFill>
-                <a:effectLst>
-                  <a:outerShdw blurRad="76200" dist="50800" dir="5400000" algn="tl" rotWithShape="0">
-                    <a:srgbClr val="000000">
-                      <a:alpha val="65000"/>
-                    </a:srgbClr>
-                  </a:outerShdw>
-                </a:effectLst>
-                <a:ea typeface="ＭＳ Ｐゴシック" charset="-128"/>
-              </a:rPr>
-              <a:t>3</a:t>
-            </a:r>
-          </a:p>
-        </p:txBody>
-      </p:sp>
-      <p:sp>
-        <p:nvSpPr>
-          <p:cNvPr id="44" name="TextBox 43"/>
-          <p:cNvSpPr txBox="1"/>
-          <p:nvPr/>
-        </p:nvSpPr>
-        <p:spPr>
-          <a:xfrm>
-            <a:off x="2765425" y="4064284"/>
-            <a:ext cx="609600" cy="338554"/>
-          </a:xfrm>
-          <a:prstGeom prst="rect">
-            <a:avLst/>
-          </a:prstGeom>
-          <a:noFill/>
-        </p:spPr>
-        <p:txBody>
-          <a:bodyPr>
-            <a:spAutoFit/>
-            <a:scene3d>
-              <a:camera prst="orthographicFront"/>
-              <a:lightRig rig="soft" dir="tl">
-                <a:rot lat="0" lon="0" rev="0"/>
-              </a:lightRig>
-            </a:scene3d>
-            <a:sp3d contourW="25400" prstMaterial="matte">
-              <a:bevelT w="25400" h="55880" prst="artDeco"/>
-              <a:contourClr>
-                <a:schemeClr val="accent2">
-                  <a:tint val="20000"/>
-                </a:schemeClr>
-              </a:contourClr>
-            </a:sp3d>
-          </a:bodyPr>
-          <a:lstStyle/>
-          <a:p>
-            <a:pPr algn="ctr">
-              <a:defRPr/>
-            </a:pPr>
-            <a:r>
-              <a:rPr lang="en-US" sz="1600" b="1" spc="50" dirty="0">
-                <a:ln w="11430"/>
-                <a:gradFill>
-                  <a:gsLst>
-                    <a:gs pos="25000">
-                      <a:schemeClr val="accent2">
-                        <a:satMod val="155000"/>
-                      </a:schemeClr>
-                    </a:gs>
-                    <a:gs pos="100000">
-                      <a:schemeClr val="accent2">
-                        <a:shade val="45000"/>
-                        <a:satMod val="165000"/>
-                      </a:schemeClr>
-                    </a:gs>
-                  </a:gsLst>
-                  <a:lin ang="5400000"/>
-                </a:gradFill>
-                <a:effectLst>
-                  <a:outerShdw blurRad="76200" dist="50800" dir="5400000" algn="tl" rotWithShape="0">
-                    <a:srgbClr val="000000">
-                      <a:alpha val="65000"/>
-                    </a:srgbClr>
-                  </a:outerShdw>
-                </a:effectLst>
-                <a:ea typeface="ＭＳ Ｐゴシック" charset="-128"/>
-              </a:rPr>
-              <a:t>4</a:t>
-            </a:r>
-          </a:p>
-        </p:txBody>
-      </p:sp>
-      <p:sp>
-        <p:nvSpPr>
-          <p:cNvPr id="45" name="TextBox 44"/>
-          <p:cNvSpPr txBox="1"/>
-          <p:nvPr/>
-        </p:nvSpPr>
-        <p:spPr>
-          <a:xfrm>
-            <a:off x="2765425" y="4903580"/>
-            <a:ext cx="609600" cy="338554"/>
-          </a:xfrm>
-          <a:prstGeom prst="rect">
-            <a:avLst/>
-          </a:prstGeom>
-          <a:noFill/>
-        </p:spPr>
-        <p:txBody>
-          <a:bodyPr>
-            <a:spAutoFit/>
-            <a:scene3d>
-              <a:camera prst="orthographicFront"/>
-              <a:lightRig rig="soft" dir="tl">
-                <a:rot lat="0" lon="0" rev="0"/>
-              </a:lightRig>
-            </a:scene3d>
-            <a:sp3d contourW="25400" prstMaterial="matte">
-              <a:bevelT w="25400" h="55880" prst="artDeco"/>
-              <a:contourClr>
-                <a:schemeClr val="accent2">
-                  <a:tint val="20000"/>
-                </a:schemeClr>
-              </a:contourClr>
-            </a:sp3d>
-          </a:bodyPr>
-          <a:lstStyle/>
-          <a:p>
-            <a:pPr algn="ctr">
-              <a:defRPr/>
-            </a:pPr>
-            <a:r>
-              <a:rPr lang="en-US" sz="1600" b="1" spc="50" dirty="0">
-                <a:ln w="11430"/>
-                <a:gradFill>
-                  <a:gsLst>
-                    <a:gs pos="25000">
-                      <a:schemeClr val="accent2">
-                        <a:satMod val="155000"/>
-                      </a:schemeClr>
-                    </a:gs>
-                    <a:gs pos="100000">
-                      <a:schemeClr val="accent2">
-                        <a:shade val="45000"/>
-                        <a:satMod val="165000"/>
-                      </a:schemeClr>
-                    </a:gs>
-                  </a:gsLst>
-                  <a:lin ang="5400000"/>
-                </a:gradFill>
-                <a:effectLst>
-                  <a:outerShdw blurRad="76200" dist="50800" dir="5400000" algn="tl" rotWithShape="0">
-                    <a:srgbClr val="000000">
-                      <a:alpha val="65000"/>
-                    </a:srgbClr>
-                  </a:outerShdw>
-                </a:effectLst>
-                <a:ea typeface="ＭＳ Ｐゴシック" charset="-128"/>
-              </a:rPr>
-              <a:t>5</a:t>
-            </a:r>
-          </a:p>
-        </p:txBody>
-      </p:sp>
-      <p:sp>
-        <p:nvSpPr>
-          <p:cNvPr id="46" name="TextBox 45"/>
-          <p:cNvSpPr txBox="1"/>
-          <p:nvPr/>
-        </p:nvSpPr>
-        <p:spPr>
-          <a:xfrm>
-            <a:off x="2765425" y="5766371"/>
-            <a:ext cx="609600" cy="338554"/>
-          </a:xfrm>
-          <a:prstGeom prst="rect">
-            <a:avLst/>
-          </a:prstGeom>
-          <a:noFill/>
-        </p:spPr>
-        <p:txBody>
-          <a:bodyPr>
-            <a:spAutoFit/>
-            <a:scene3d>
-              <a:camera prst="orthographicFront"/>
-              <a:lightRig rig="soft" dir="tl">
-                <a:rot lat="0" lon="0" rev="0"/>
-              </a:lightRig>
-            </a:scene3d>
-            <a:sp3d contourW="25400" prstMaterial="matte">
-              <a:bevelT w="25400" h="55880" prst="artDeco"/>
-              <a:contourClr>
-                <a:schemeClr val="accent2">
-                  <a:tint val="20000"/>
-                </a:schemeClr>
-              </a:contourClr>
-            </a:sp3d>
-          </a:bodyPr>
-          <a:lstStyle/>
-          <a:p>
-            <a:pPr algn="ctr">
-              <a:defRPr/>
-            </a:pPr>
-            <a:r>
-              <a:rPr lang="en-US" sz="1600" b="1" spc="50" dirty="0">
-                <a:ln w="11430"/>
-                <a:gradFill>
-                  <a:gsLst>
-                    <a:gs pos="25000">
-                      <a:schemeClr val="accent2">
-                        <a:satMod val="155000"/>
-                      </a:schemeClr>
-                    </a:gs>
-                    <a:gs pos="100000">
-                      <a:schemeClr val="accent2">
-                        <a:shade val="45000"/>
-                        <a:satMod val="165000"/>
-                      </a:schemeClr>
-                    </a:gs>
-                  </a:gsLst>
-                  <a:lin ang="5400000"/>
-                </a:gradFill>
-                <a:effectLst>
-                  <a:outerShdw blurRad="76200" dist="50800" dir="5400000" algn="tl" rotWithShape="0">
-                    <a:srgbClr val="000000">
-                      <a:alpha val="65000"/>
-                    </a:srgbClr>
-                  </a:outerShdw>
-                </a:effectLst>
-                <a:ea typeface="ＭＳ Ｐゴシック" charset="-128"/>
-              </a:rPr>
-              <a:t>6</a:t>
-            </a:r>
-          </a:p>
-        </p:txBody>
-      </p:sp>
+              </a:endParaRPr>
+            </a:p>
+          </p:txBody>
+        </p:sp>
+      </p:grpSp>
     </p:spTree>
     <p:extLst>
       <p:ext uri="{BB962C8B-B14F-4D97-AF65-F5344CB8AC3E}">
@@ -17486,7 +18006,7 @@
         <p:nvGraphicFramePr>
           <p:cNvPr id="31749" name="Object 3"/>
           <p:cNvGraphicFramePr>
-            <a:graphicFrameLocks noChangeAspect="1"/>
+            <a:graphicFrameLocks noGrp="1" noChangeAspect="1"/>
           </p:cNvGraphicFramePr>
           <p:nvPr>
             <p:ph idx="1"/>
@@ -17500,7 +18020,7 @@
           <a:graphicData uri="http://schemas.openxmlformats.org/presentationml/2006/ole">
             <mc:AlternateContent xmlns:mc="http://schemas.openxmlformats.org/markup-compatibility/2006">
               <mc:Choice xmlns:v="urn:schemas-microsoft-com:vml" Requires="v">
-                <p:oleObj spid="_x0000_s1026" name="Visio" r:id="rId3" imgW="9967602" imgH="7016496" progId="Visio.Drawing.11">
+                <p:oleObj spid="_x0000_s1041" name="Visio" r:id="rId3" imgW="9967602" imgH="7016496" progId="Visio.Drawing.11">
                   <p:embed/>
                 </p:oleObj>
               </mc:Choice>
